--- a/Lessons/Lesson-2/Foundation Models and LLMs.pptx
+++ b/Lessons/Lesson-2/Foundation Models and LLMs.pptx
@@ -222,7 +222,7 @@
           <a:p>
             <a:fld id="{1A9CCF9A-981A-5249-97D4-A6A8CB76D112}" type="datetimeFigureOut">
               <a:rPr lang="en-US" smtClean="0"/>
-              <a:t>12/19/24</a:t>
+              <a:t>1/9/25</a:t>
             </a:fld>
             <a:endParaRPr lang="en-US"/>
           </a:p>
@@ -7173,7 +7173,7 @@
               <a:rPr lang="en-US" sz="2400" dirty="0">
                 <a:latin typeface="+mn-lt"/>
               </a:rPr>
-              <a:t>sequences.</a:t>
+              <a:t>sequences</a:t>
             </a:r>
           </a:p>
           <a:p>
@@ -13011,7 +13011,7 @@
                   <a:schemeClr val="tx1"/>
                 </a:solidFill>
               </a:rPr>
-              <a:t>Attention layers access all the words in the input sentence.</a:t>
+              <a:t>Attention layers access all the words in the input sentence</a:t>
             </a:r>
           </a:p>
           <a:p>
@@ -17798,17 +17798,8 @@
               <a:rPr lang="en-US" sz="2000" dirty="0">
                 <a:latin typeface="+mn-lt"/>
               </a:rPr>
-              <a:t>Create and propagate misinformation about individuals,  groups, organizations, </a:t>
-            </a:r>
-            <a:r>
-              <a:rPr lang="en-US" sz="2000" dirty="0" err="1">
-                <a:latin typeface="+mn-lt"/>
-              </a:rPr>
-              <a:t>etc</a:t>
-            </a:r>
-            <a:endParaRPr lang="en-US" sz="2000" dirty="0">
-              <a:latin typeface="+mn-lt"/>
-            </a:endParaRPr>
+              <a:t>Create and propagate misinformation about individuals,  groups, organizations, etc.</a:t>
+            </a:r>
           </a:p>
           <a:p>
             <a:endParaRPr lang="en-US" dirty="0"/>
@@ -17942,7 +17933,7 @@
             <a:pPr lvl="1"/>
             <a:r>
               <a:rPr lang="en-US" dirty="0"/>
-              <a:t>Requires significant investment in the form of computer systems, human capital (engineers, researchers, scientists, etc.), and power.</a:t>
+              <a:t>Requires significant investment in the form of computer systems, human capital (engineers, researchers, scientists, etc.), and power</a:t>
             </a:r>
           </a:p>
           <a:p>
@@ -17991,7 +17982,7 @@
               <a:rPr lang="en-US" dirty="0">
                 <a:latin typeface="+mn-lt"/>
               </a:rPr>
-              <a:t> emissions from training 5B models on GPU is roughly equivalent to a trans-American flight.</a:t>
+              <a:t> emissions from training 5B models on GPU is roughly equivalent to a trans-American flight</a:t>
             </a:r>
           </a:p>
           <a:p>
@@ -18118,13 +18109,13 @@
           <a:p>
             <a:r>
               <a:rPr lang="en-US" dirty="0"/>
-              <a:t>This lesson covered foundation modes and LLMs.</a:t>
+              <a:t>This lesson covered foundation modes and LLMs</a:t>
             </a:r>
           </a:p>
           <a:p>
             <a:r>
               <a:rPr lang="en-US" dirty="0"/>
-              <a:t>In the next lesson, you will learn about prompt engineering and a few techniques to improve the quality of the model’s response through prompting.</a:t>
+              <a:t>In the next lesson, you will learn about prompt engineering and a few techniques to improve the quality of the model’s response through prompting</a:t>
             </a:r>
           </a:p>
         </p:txBody>
@@ -20334,7 +20325,7 @@
                   <a:sysClr val="windowText" lastClr="000000"/>
                 </a:solidFill>
               </a:rPr>
-              <a:t> to more specialized tasks.</a:t>
+              <a:t> to more specialized tasks</a:t>
             </a:r>
           </a:p>
           <a:p>
@@ -20714,14 +20705,11 @@
               </a:rPr>
               <a:t>text</a:t>
             </a:r>
-            <a:r>
-              <a:rPr lang="en-US" sz="2800" b="1" dirty="0">
-                <a:solidFill>
-                  <a:sysClr val="windowText" lastClr="000000"/>
-                </a:solidFill>
-              </a:rPr>
-              <a:t>.</a:t>
-            </a:r>
+            <a:endParaRPr lang="en-US" sz="2800" b="1" dirty="0">
+              <a:solidFill>
+                <a:sysClr val="windowText" lastClr="000000"/>
+              </a:solidFill>
+            </a:endParaRPr>
           </a:p>
           <a:p>
             <a:r>
@@ -20755,7 +20743,7 @@
                   <a:sysClr val="windowText" lastClr="000000"/>
                 </a:solidFill>
               </a:rPr>
-              <a:t>being used in certain contexts.</a:t>
+              <a:t>being used in certain contexts</a:t>
             </a:r>
           </a:p>
           <a:p>
@@ -20782,7 +20770,7 @@
                   <a:sysClr val="windowText" lastClr="000000"/>
                 </a:solidFill>
               </a:rPr>
-              <a:t>Learn to predict the missing word in a text sequence.</a:t>
+              <a:t>Learn to predict the missing word in a text sequence</a:t>
             </a:r>
           </a:p>
           <a:p>
@@ -23815,10 +23803,10 @@
       </p:grpSp>
       <p:grpSp>
         <p:nvGrpSpPr>
-          <p:cNvPr id="26" name="Group 25" descr="Diagram showing how traditional ml models are trained for tasks such as text generation, summarization, etc. Labelled datasets are created for each task and a specialized model is trained on each dataset. In this approach, models specialize for the specific task they are trained for,">
+          <p:cNvPr id="31" name="Group 30">
             <a:extLst>
               <a:ext uri="{FF2B5EF4-FFF2-40B4-BE49-F238E27FC236}">
-                <a16:creationId xmlns:a16="http://schemas.microsoft.com/office/drawing/2014/main" id="{3B9E1C17-9502-0960-9BBA-5CA8D0C6BE2B}"/>
+                <a16:creationId xmlns:a16="http://schemas.microsoft.com/office/drawing/2014/main" id="{F06E2D91-7578-0D79-9FEE-7E1EDED01A29}"/>
               </a:ext>
             </a:extLst>
           </p:cNvPr>
@@ -23829,16 +23817,2739 @@
           <a:xfrm>
             <a:off x="495682" y="1506857"/>
             <a:ext cx="5481206" cy="4968502"/>
-            <a:chOff x="17018" y="1086229"/>
-            <a:chExt cx="6206490" cy="5430948"/>
+            <a:chOff x="495682" y="1506857"/>
+            <a:chExt cx="5481206" cy="4968502"/>
           </a:xfrm>
         </p:grpSpPr>
+        <p:grpSp>
+          <p:nvGrpSpPr>
+            <p:cNvPr id="26" name="Group 25" descr="Diagram showing how traditional ml models are trained for tasks such as text generation, summarization, etc. Labelled datasets are created for each task and a specialized model is trained on each dataset. In this approach, models specialize for the specific task they are trained for,">
+              <a:extLst>
+                <a:ext uri="{FF2B5EF4-FFF2-40B4-BE49-F238E27FC236}">
+                  <a16:creationId xmlns:a16="http://schemas.microsoft.com/office/drawing/2014/main" id="{3B9E1C17-9502-0960-9BBA-5CA8D0C6BE2B}"/>
+                </a:ext>
+              </a:extLst>
+            </p:cNvPr>
+            <p:cNvGrpSpPr/>
+            <p:nvPr/>
+          </p:nvGrpSpPr>
+          <p:grpSpPr>
+            <a:xfrm>
+              <a:off x="495682" y="1506857"/>
+              <a:ext cx="5481206" cy="4968502"/>
+              <a:chOff x="17018" y="1086229"/>
+              <a:chExt cx="6206490" cy="5430948"/>
+            </a:xfrm>
+          </p:grpSpPr>
+          <p:sp>
+            <p:nvSpPr>
+              <p:cNvPr id="27" name="Rectangle: Rounded Corners 2272">
+                <a:extLst>
+                  <a:ext uri="{FF2B5EF4-FFF2-40B4-BE49-F238E27FC236}">
+                    <a16:creationId xmlns:a16="http://schemas.microsoft.com/office/drawing/2014/main" id="{06A3A888-440C-32DF-4820-E50C1AE6DF73}"/>
+                  </a:ext>
+                </a:extLst>
+              </p:cNvPr>
+              <p:cNvSpPr/>
+              <p:nvPr/>
+            </p:nvSpPr>
+            <p:spPr>
+              <a:xfrm>
+                <a:off x="178173" y="1086229"/>
+                <a:ext cx="5789004" cy="4829705"/>
+              </a:xfrm>
+              <a:prstGeom prst="roundRect">
+                <a:avLst>
+                  <a:gd name="adj" fmla="val 2875"/>
+                </a:avLst>
+              </a:prstGeom>
+              <a:solidFill>
+                <a:schemeClr val="bg1"/>
+              </a:solidFill>
+              <a:ln>
+                <a:noFill/>
+              </a:ln>
+            </p:spPr>
+            <p:style>
+              <a:lnRef idx="2">
+                <a:schemeClr val="accent1">
+                  <a:shade val="50000"/>
+                </a:schemeClr>
+              </a:lnRef>
+              <a:fillRef idx="1">
+                <a:schemeClr val="accent1"/>
+              </a:fillRef>
+              <a:effectRef idx="0">
+                <a:schemeClr val="accent1"/>
+              </a:effectRef>
+              <a:fontRef idx="minor">
+                <a:schemeClr val="lt1"/>
+              </a:fontRef>
+            </p:style>
+            <p:txBody>
+              <a:bodyPr lIns="45720" tIns="45720" rIns="45720" rtlCol="0" anchor="ctr"/>
+              <a:lstStyle/>
+              <a:p>
+                <a:pPr marL="0" marR="0" lvl="0" indent="0" algn="ctr" defTabSz="914400" rtl="0" eaLnBrk="1" fontAlgn="auto" latinLnBrk="0" hangingPunct="1">
+                  <a:lnSpc>
+                    <a:spcPct val="100000"/>
+                  </a:lnSpc>
+                  <a:spcBef>
+                    <a:spcPts val="0"/>
+                  </a:spcBef>
+                  <a:spcAft>
+                    <a:spcPts val="0"/>
+                  </a:spcAft>
+                  <a:buClrTx/>
+                  <a:buSzTx/>
+                  <a:buFontTx/>
+                  <a:buNone/>
+                  <a:tabLst/>
+                  <a:defRPr/>
+                </a:pPr>
+                <a:endParaRPr kumimoji="0" lang="en-US" sz="1800" b="0" i="0" u="none" strike="noStrike" kern="1200" cap="none" spc="0" normalizeH="0" baseline="0" noProof="0" dirty="0">
+                  <a:ln>
+                    <a:noFill/>
+                  </a:ln>
+                  <a:solidFill>
+                    <a:srgbClr val="000000"/>
+                  </a:solidFill>
+                  <a:effectLst/>
+                  <a:uLnTx/>
+                  <a:uFillTx/>
+                  <a:latin typeface="Amazon Ember Display" panose="020F0603020204020204" pitchFamily="34" charset="0"/>
+                  <a:ea typeface="+mn-ea"/>
+                  <a:cs typeface="+mn-cs"/>
+                </a:endParaRPr>
+              </a:p>
+            </p:txBody>
+          </p:sp>
+          <p:sp>
+            <p:nvSpPr>
+              <p:cNvPr id="28" name="Rectangle 27">
+                <a:extLst>
+                  <a:ext uri="{FF2B5EF4-FFF2-40B4-BE49-F238E27FC236}">
+                    <a16:creationId xmlns:a16="http://schemas.microsoft.com/office/drawing/2014/main" id="{8DAC4E99-73F0-99DB-0ECA-086252078250}"/>
+                  </a:ext>
+                </a:extLst>
+              </p:cNvPr>
+              <p:cNvSpPr/>
+              <p:nvPr/>
+            </p:nvSpPr>
+            <p:spPr>
+              <a:xfrm>
+                <a:off x="2810765" y="1725949"/>
+                <a:ext cx="1418227" cy="3600794"/>
+              </a:xfrm>
+              <a:prstGeom prst="rect">
+                <a:avLst/>
+              </a:prstGeom>
+              <a:noFill/>
+              <a:ln>
+                <a:solidFill>
+                  <a:schemeClr val="tx1"/>
+                </a:solidFill>
+                <a:prstDash val="dash"/>
+              </a:ln>
+            </p:spPr>
+            <p:style>
+              <a:lnRef idx="2">
+                <a:schemeClr val="accent1">
+                  <a:shade val="50000"/>
+                </a:schemeClr>
+              </a:lnRef>
+              <a:fillRef idx="1">
+                <a:schemeClr val="accent1"/>
+              </a:fillRef>
+              <a:effectRef idx="0">
+                <a:schemeClr val="accent1"/>
+              </a:effectRef>
+              <a:fontRef idx="minor">
+                <a:schemeClr val="lt1"/>
+              </a:fontRef>
+            </p:style>
+            <p:txBody>
+              <a:bodyPr lIns="45720" tIns="45720" rIns="45720" rtlCol="0" anchor="ctr"/>
+              <a:lstStyle/>
+              <a:p>
+                <a:pPr marL="0" marR="0" lvl="0" indent="0" algn="ctr" defTabSz="914400" rtl="0" eaLnBrk="1" fontAlgn="auto" latinLnBrk="0" hangingPunct="1">
+                  <a:lnSpc>
+                    <a:spcPct val="100000"/>
+                  </a:lnSpc>
+                  <a:spcBef>
+                    <a:spcPts val="0"/>
+                  </a:spcBef>
+                  <a:spcAft>
+                    <a:spcPts val="0"/>
+                  </a:spcAft>
+                  <a:buClrTx/>
+                  <a:buSzTx/>
+                  <a:buFontTx/>
+                  <a:buNone/>
+                  <a:tabLst/>
+                  <a:defRPr/>
+                </a:pPr>
+                <a:endParaRPr kumimoji="0" lang="en-US" sz="1800" b="0" i="0" u="none" strike="noStrike" kern="1200" cap="none" spc="0" normalizeH="0" baseline="0" noProof="0" dirty="0">
+                  <a:ln>
+                    <a:noFill/>
+                  </a:ln>
+                  <a:solidFill>
+                    <a:srgbClr val="FFFFFF"/>
+                  </a:solidFill>
+                  <a:effectLst/>
+                  <a:uLnTx/>
+                  <a:uFillTx/>
+                  <a:latin typeface="Amazon Ember Light"/>
+                  <a:ea typeface="+mn-ea"/>
+                  <a:cs typeface="+mn-cs"/>
+                </a:endParaRPr>
+              </a:p>
+            </p:txBody>
+          </p:sp>
+          <p:sp>
+            <p:nvSpPr>
+              <p:cNvPr id="29" name="Rectangle 28">
+                <a:extLst>
+                  <a:ext uri="{FF2B5EF4-FFF2-40B4-BE49-F238E27FC236}">
+                    <a16:creationId xmlns:a16="http://schemas.microsoft.com/office/drawing/2014/main" id="{FBC8F585-A5A6-37E9-72EC-674BCDDF2CAA}"/>
+                  </a:ext>
+                </a:extLst>
+              </p:cNvPr>
+              <p:cNvSpPr/>
+              <p:nvPr/>
+            </p:nvSpPr>
+            <p:spPr>
+              <a:xfrm>
+                <a:off x="1132114" y="1725949"/>
+                <a:ext cx="1418227" cy="3600794"/>
+              </a:xfrm>
+              <a:prstGeom prst="rect">
+                <a:avLst/>
+              </a:prstGeom>
+              <a:noFill/>
+              <a:ln>
+                <a:solidFill>
+                  <a:schemeClr val="tx1"/>
+                </a:solidFill>
+                <a:prstDash val="dash"/>
+              </a:ln>
+            </p:spPr>
+            <p:style>
+              <a:lnRef idx="2">
+                <a:schemeClr val="accent1">
+                  <a:shade val="50000"/>
+                </a:schemeClr>
+              </a:lnRef>
+              <a:fillRef idx="1">
+                <a:schemeClr val="accent1"/>
+              </a:fillRef>
+              <a:effectRef idx="0">
+                <a:schemeClr val="accent1"/>
+              </a:effectRef>
+              <a:fontRef idx="minor">
+                <a:schemeClr val="lt1"/>
+              </a:fontRef>
+            </p:style>
+            <p:txBody>
+              <a:bodyPr lIns="45720" tIns="45720" rIns="45720" rtlCol="0" anchor="ctr"/>
+              <a:lstStyle/>
+              <a:p>
+                <a:pPr marL="0" marR="0" lvl="0" indent="0" algn="ctr" defTabSz="914400" rtl="0" eaLnBrk="1" fontAlgn="auto" latinLnBrk="0" hangingPunct="1">
+                  <a:lnSpc>
+                    <a:spcPct val="100000"/>
+                  </a:lnSpc>
+                  <a:spcBef>
+                    <a:spcPts val="0"/>
+                  </a:spcBef>
+                  <a:spcAft>
+                    <a:spcPts val="0"/>
+                  </a:spcAft>
+                  <a:buClrTx/>
+                  <a:buSzTx/>
+                  <a:buFontTx/>
+                  <a:buNone/>
+                  <a:tabLst/>
+                  <a:defRPr/>
+                </a:pPr>
+                <a:endParaRPr kumimoji="0" lang="en-US" sz="1800" b="0" i="0" u="none" strike="noStrike" kern="1200" cap="none" spc="0" normalizeH="0" baseline="0" noProof="0" dirty="0">
+                  <a:ln>
+                    <a:noFill/>
+                  </a:ln>
+                  <a:solidFill>
+                    <a:srgbClr val="FFFFFF"/>
+                  </a:solidFill>
+                  <a:effectLst/>
+                  <a:uLnTx/>
+                  <a:uFillTx/>
+                  <a:latin typeface="Amazon Ember Light"/>
+                  <a:ea typeface="+mn-ea"/>
+                  <a:cs typeface="+mn-cs"/>
+                </a:endParaRPr>
+              </a:p>
+            </p:txBody>
+          </p:sp>
+          <p:grpSp>
+            <p:nvGrpSpPr>
+              <p:cNvPr id="30" name="Group 29">
+                <a:extLst>
+                  <a:ext uri="{FF2B5EF4-FFF2-40B4-BE49-F238E27FC236}">
+                    <a16:creationId xmlns:a16="http://schemas.microsoft.com/office/drawing/2014/main" id="{9B13BCE1-FB5D-DEAA-A6F4-883C74EDCCA3}"/>
+                  </a:ext>
+                </a:extLst>
+              </p:cNvPr>
+              <p:cNvGrpSpPr/>
+              <p:nvPr/>
+            </p:nvGrpSpPr>
+            <p:grpSpPr>
+              <a:xfrm>
+                <a:off x="17018" y="1086229"/>
+                <a:ext cx="6206490" cy="5430948"/>
+                <a:chOff x="576600" y="1712208"/>
+                <a:chExt cx="5476875" cy="3915842"/>
+              </a:xfrm>
+            </p:grpSpPr>
+            <p:sp>
+              <p:nvSpPr>
+                <p:cNvPr id="59" name="Content Placeholder 3">
+                  <a:extLst>
+                    <a:ext uri="{FF2B5EF4-FFF2-40B4-BE49-F238E27FC236}">
+                      <a16:creationId xmlns:a16="http://schemas.microsoft.com/office/drawing/2014/main" id="{FCA8C8C5-5A5E-986B-8E3A-F24E7E7E7341}"/>
+                    </a:ext>
+                  </a:extLst>
+                </p:cNvPr>
+                <p:cNvSpPr txBox="1">
+                  <a:spLocks/>
+                </p:cNvSpPr>
+                <p:nvPr/>
+              </p:nvSpPr>
+              <p:spPr>
+                <a:xfrm>
+                  <a:off x="704377" y="1712208"/>
+                  <a:ext cx="5108467" cy="3482332"/>
+                </a:xfrm>
+                <a:prstGeom prst="roundRect">
+                  <a:avLst>
+                    <a:gd name="adj" fmla="val 3012"/>
+                  </a:avLst>
+                </a:prstGeom>
+                <a:ln w="50800">
+                  <a:solidFill>
+                    <a:schemeClr val="tx2">
+                      <a:lumMod val="60000"/>
+                      <a:lumOff val="40000"/>
+                    </a:schemeClr>
+                  </a:solidFill>
+                </a:ln>
+              </p:spPr>
+              <p:txBody>
+                <a:bodyPr lIns="91440" tIns="91440" rIns="91440" bIns="91440" anchor="ctr" anchorCtr="0">
+                  <a:noAutofit/>
+                </a:bodyPr>
+                <a:lstStyle>
+                  <a:lvl1pPr marL="228600" indent="-228600" algn="l" defTabSz="914400" rtl="0" eaLnBrk="1" latinLnBrk="0" hangingPunct="1">
+                    <a:lnSpc>
+                      <a:spcPct val="90000"/>
+                    </a:lnSpc>
+                    <a:spcBef>
+                      <a:spcPts val="0"/>
+                    </a:spcBef>
+                    <a:spcAft>
+                      <a:spcPts val="1200"/>
+                    </a:spcAft>
+                    <a:buSzPct val="90000"/>
+                    <a:buFont typeface="Arial" panose="020B0604020202020204" pitchFamily="34" charset="0"/>
+                    <a:buChar char="•"/>
+                    <a:defRPr sz="2400" kern="1200">
+                      <a:solidFill>
+                        <a:schemeClr val="tx1"/>
+                      </a:solidFill>
+                      <a:latin typeface="Amazon Ember Display" panose="020F0603020204020204" pitchFamily="34" charset="0"/>
+                      <a:ea typeface="Amazon Ember Display" panose="020F0603020204020204" pitchFamily="34" charset="0"/>
+                      <a:cs typeface="Amazon Ember Display" panose="020F0603020204020204" pitchFamily="34" charset="0"/>
+                    </a:defRPr>
+                  </a:lvl1pPr>
+                  <a:lvl2pPr marL="514350" indent="-228600" algn="l" defTabSz="914400" rtl="0" eaLnBrk="1" latinLnBrk="0" hangingPunct="1">
+                    <a:lnSpc>
+                      <a:spcPct val="90000"/>
+                    </a:lnSpc>
+                    <a:spcBef>
+                      <a:spcPts val="0"/>
+                    </a:spcBef>
+                    <a:spcAft>
+                      <a:spcPts val="1200"/>
+                    </a:spcAft>
+                    <a:buSzPct val="90000"/>
+                    <a:buFont typeface="Wingdings" panose="05000000000000000000" pitchFamily="2" charset="2"/>
+                    <a:buChar char="§"/>
+                    <a:defRPr sz="2000" kern="1200">
+                      <a:solidFill>
+                        <a:schemeClr val="tx1"/>
+                      </a:solidFill>
+                      <a:latin typeface="Amazon Ember Display" panose="020F0603020204020204" pitchFamily="34" charset="0"/>
+                      <a:ea typeface="Amazon Ember Display" panose="020F0603020204020204" pitchFamily="34" charset="0"/>
+                      <a:cs typeface="Amazon Ember Display" panose="020F0603020204020204" pitchFamily="34" charset="0"/>
+                    </a:defRPr>
+                  </a:lvl2pPr>
+                  <a:lvl3pPr marL="857250" indent="-228600" algn="l" defTabSz="914400" rtl="0" eaLnBrk="1" latinLnBrk="0" hangingPunct="1">
+                    <a:lnSpc>
+                      <a:spcPct val="90000"/>
+                    </a:lnSpc>
+                    <a:spcBef>
+                      <a:spcPts val="0"/>
+                    </a:spcBef>
+                    <a:spcAft>
+                      <a:spcPts val="1200"/>
+                    </a:spcAft>
+                    <a:buFont typeface="Amazon Ember" panose="020B0603020204020204" pitchFamily="34" charset="0"/>
+                    <a:buChar char="–"/>
+                    <a:defRPr sz="1800" kern="1200">
+                      <a:solidFill>
+                        <a:schemeClr val="tx1"/>
+                      </a:solidFill>
+                      <a:latin typeface="Amazon Ember Display" panose="020F0603020204020204" pitchFamily="34" charset="0"/>
+                      <a:ea typeface="Amazon Ember Display" panose="020F0603020204020204" pitchFamily="34" charset="0"/>
+                      <a:cs typeface="Amazon Ember Display" panose="020F0603020204020204" pitchFamily="34" charset="0"/>
+                    </a:defRPr>
+                  </a:lvl3pPr>
+                  <a:lvl4pPr marL="1085850" indent="-171450" algn="l" defTabSz="914400" rtl="0" eaLnBrk="1" latinLnBrk="0" hangingPunct="1">
+                    <a:lnSpc>
+                      <a:spcPct val="90000"/>
+                    </a:lnSpc>
+                    <a:spcBef>
+                      <a:spcPts val="0"/>
+                    </a:spcBef>
+                    <a:spcAft>
+                      <a:spcPts val="1200"/>
+                    </a:spcAft>
+                    <a:buFont typeface="Arial" panose="020B0604020202020204" pitchFamily="34" charset="0"/>
+                    <a:buChar char="•"/>
+                    <a:defRPr sz="1600" kern="1200">
+                      <a:solidFill>
+                        <a:schemeClr val="tx1"/>
+                      </a:solidFill>
+                      <a:latin typeface="Amazon Ember Display" panose="020F0603020204020204" pitchFamily="34" charset="0"/>
+                      <a:ea typeface="Amazon Ember Display" panose="020F0603020204020204" pitchFamily="34" charset="0"/>
+                      <a:cs typeface="Amazon Ember Display" panose="020F0603020204020204" pitchFamily="34" charset="0"/>
+                    </a:defRPr>
+                  </a:lvl4pPr>
+                  <a:lvl5pPr marL="1314450" indent="-171450" algn="l" defTabSz="914400" rtl="0" eaLnBrk="1" latinLnBrk="0" hangingPunct="1">
+                    <a:lnSpc>
+                      <a:spcPct val="90000"/>
+                    </a:lnSpc>
+                    <a:spcBef>
+                      <a:spcPts val="0"/>
+                    </a:spcBef>
+                    <a:spcAft>
+                      <a:spcPts val="1200"/>
+                    </a:spcAft>
+                    <a:buFont typeface="Arial" panose="020B0604020202020204" pitchFamily="34" charset="0"/>
+                    <a:buChar char="•"/>
+                    <a:defRPr sz="1600" kern="1200">
+                      <a:solidFill>
+                        <a:schemeClr val="tx1"/>
+                      </a:solidFill>
+                      <a:latin typeface="Amazon Ember Display" panose="020F0603020204020204" pitchFamily="34" charset="0"/>
+                      <a:ea typeface="Amazon Ember Display" panose="020F0603020204020204" pitchFamily="34" charset="0"/>
+                      <a:cs typeface="Amazon Ember Display" panose="020F0603020204020204" pitchFamily="34" charset="0"/>
+                    </a:defRPr>
+                  </a:lvl5pPr>
+                  <a:lvl6pPr marL="2514600" indent="-228600" algn="l" defTabSz="914400" rtl="0" eaLnBrk="1" latinLnBrk="0" hangingPunct="1">
+                    <a:lnSpc>
+                      <a:spcPct val="90000"/>
+                    </a:lnSpc>
+                    <a:spcBef>
+                      <a:spcPts val="500"/>
+                    </a:spcBef>
+                    <a:buFont typeface="Arial" panose="020B0604020202020204" pitchFamily="34" charset="0"/>
+                    <a:buChar char="•"/>
+                    <a:defRPr sz="1800" kern="1200">
+                      <a:solidFill>
+                        <a:schemeClr val="tx1"/>
+                      </a:solidFill>
+                      <a:latin typeface="+mn-lt"/>
+                      <a:ea typeface="+mn-ea"/>
+                      <a:cs typeface="+mn-cs"/>
+                    </a:defRPr>
+                  </a:lvl6pPr>
+                  <a:lvl7pPr marL="2971800" indent="-228600" algn="l" defTabSz="914400" rtl="0" eaLnBrk="1" latinLnBrk="0" hangingPunct="1">
+                    <a:lnSpc>
+                      <a:spcPct val="90000"/>
+                    </a:lnSpc>
+                    <a:spcBef>
+                      <a:spcPts val="500"/>
+                    </a:spcBef>
+                    <a:buFont typeface="Arial" panose="020B0604020202020204" pitchFamily="34" charset="0"/>
+                    <a:buChar char="•"/>
+                    <a:defRPr sz="1800" kern="1200">
+                      <a:solidFill>
+                        <a:schemeClr val="tx1"/>
+                      </a:solidFill>
+                      <a:latin typeface="+mn-lt"/>
+                      <a:ea typeface="+mn-ea"/>
+                      <a:cs typeface="+mn-cs"/>
+                    </a:defRPr>
+                  </a:lvl7pPr>
+                  <a:lvl8pPr marL="3429000" indent="-228600" algn="l" defTabSz="914400" rtl="0" eaLnBrk="1" latinLnBrk="0" hangingPunct="1">
+                    <a:lnSpc>
+                      <a:spcPct val="90000"/>
+                    </a:lnSpc>
+                    <a:spcBef>
+                      <a:spcPts val="500"/>
+                    </a:spcBef>
+                    <a:buFont typeface="Arial" panose="020B0604020202020204" pitchFamily="34" charset="0"/>
+                    <a:buChar char="•"/>
+                    <a:defRPr sz="1800" kern="1200">
+                      <a:solidFill>
+                        <a:schemeClr val="tx1"/>
+                      </a:solidFill>
+                      <a:latin typeface="+mn-lt"/>
+                      <a:ea typeface="+mn-ea"/>
+                      <a:cs typeface="+mn-cs"/>
+                    </a:defRPr>
+                  </a:lvl8pPr>
+                  <a:lvl9pPr marL="3886200" indent="-228600" algn="l" defTabSz="914400" rtl="0" eaLnBrk="1" latinLnBrk="0" hangingPunct="1">
+                    <a:lnSpc>
+                      <a:spcPct val="90000"/>
+                    </a:lnSpc>
+                    <a:spcBef>
+                      <a:spcPts val="500"/>
+                    </a:spcBef>
+                    <a:buFont typeface="Arial" panose="020B0604020202020204" pitchFamily="34" charset="0"/>
+                    <a:buChar char="•"/>
+                    <a:defRPr sz="1800" kern="1200">
+                      <a:solidFill>
+                        <a:schemeClr val="tx1"/>
+                      </a:solidFill>
+                      <a:latin typeface="+mn-lt"/>
+                      <a:ea typeface="+mn-ea"/>
+                      <a:cs typeface="+mn-cs"/>
+                    </a:defRPr>
+                  </a:lvl9pPr>
+                </a:lstStyle>
+                <a:p>
+                  <a:pPr marL="0" marR="0" lvl="0" indent="0" algn="ctr" defTabSz="914400" rtl="0" eaLnBrk="1" fontAlgn="auto" latinLnBrk="0" hangingPunct="1">
+                    <a:lnSpc>
+                      <a:spcPct val="90000"/>
+                    </a:lnSpc>
+                    <a:spcBef>
+                      <a:spcPts val="0"/>
+                    </a:spcBef>
+                    <a:spcAft>
+                      <a:spcPts val="1200"/>
+                    </a:spcAft>
+                    <a:buClrTx/>
+                    <a:buSzPct val="90000"/>
+                    <a:buFont typeface="Arial" panose="020B0604020202020204" pitchFamily="34" charset="0"/>
+                    <a:buNone/>
+                    <a:tabLst/>
+                    <a:defRPr/>
+                  </a:pPr>
+                  <a:endParaRPr kumimoji="0" lang="en-US" sz="1600" b="1" i="0" u="none" strike="noStrike" kern="1200" cap="none" spc="0" normalizeH="0" baseline="0" noProof="0" dirty="0">
+                    <a:ln>
+                      <a:noFill/>
+                    </a:ln>
+                    <a:solidFill>
+                      <a:srgbClr val="FFFFFF"/>
+                    </a:solidFill>
+                    <a:effectLst/>
+                    <a:uLnTx/>
+                    <a:uFillTx/>
+                    <a:latin typeface="Amazon Ember Display" panose="020F0603020204020204" pitchFamily="34" charset="0"/>
+                    <a:ea typeface="Amazon Ember Display" panose="020F0603020204020204" pitchFamily="34" charset="0"/>
+                    <a:cs typeface="Amazon Ember Display" panose="020F0603020204020204" pitchFamily="34" charset="0"/>
+                  </a:endParaRPr>
+                </a:p>
+              </p:txBody>
+            </p:sp>
+            <p:sp>
+              <p:nvSpPr>
+                <p:cNvPr id="60" name="Text Placeholder 9">
+                  <a:extLst>
+                    <a:ext uri="{FF2B5EF4-FFF2-40B4-BE49-F238E27FC236}">
+                      <a16:creationId xmlns:a16="http://schemas.microsoft.com/office/drawing/2014/main" id="{271FD8A0-0E11-A965-7ED0-C010AF602387}"/>
+                    </a:ext>
+                  </a:extLst>
+                </p:cNvPr>
+                <p:cNvSpPr txBox="1">
+                  <a:spLocks/>
+                </p:cNvSpPr>
+                <p:nvPr/>
+              </p:nvSpPr>
+              <p:spPr>
+                <a:xfrm>
+                  <a:off x="576600" y="5293305"/>
+                  <a:ext cx="5476875" cy="334745"/>
+                </a:xfrm>
+                <a:prstGeom prst="rect">
+                  <a:avLst/>
+                </a:prstGeom>
+              </p:spPr>
+              <p:txBody>
+                <a:bodyPr vert="horz" lIns="0" tIns="45720" rIns="0" bIns="45720" rtlCol="0">
+                  <a:spAutoFit/>
+                </a:bodyPr>
+                <a:lstStyle>
+                  <a:lvl1pPr marL="228600" indent="-228600" algn="l" defTabSz="914400" rtl="0" eaLnBrk="1" latinLnBrk="0" hangingPunct="1">
+                    <a:lnSpc>
+                      <a:spcPct val="90000"/>
+                    </a:lnSpc>
+                    <a:spcBef>
+                      <a:spcPts val="0"/>
+                    </a:spcBef>
+                    <a:spcAft>
+                      <a:spcPts val="1200"/>
+                    </a:spcAft>
+                    <a:buSzPct val="90000"/>
+                    <a:buFont typeface="Arial" panose="020B0604020202020204" pitchFamily="34" charset="0"/>
+                    <a:buChar char="•"/>
+                    <a:defRPr sz="2400" kern="1200">
+                      <a:solidFill>
+                        <a:schemeClr val="tx1"/>
+                      </a:solidFill>
+                      <a:latin typeface="Amazon Ember Display" panose="020F0603020204020204" pitchFamily="34" charset="0"/>
+                      <a:ea typeface="Amazon Ember Display" panose="020F0603020204020204" pitchFamily="34" charset="0"/>
+                      <a:cs typeface="Amazon Ember Display" panose="020F0603020204020204" pitchFamily="34" charset="0"/>
+                    </a:defRPr>
+                  </a:lvl1pPr>
+                  <a:lvl2pPr marL="514350" indent="-228600" algn="l" defTabSz="914400" rtl="0" eaLnBrk="1" latinLnBrk="0" hangingPunct="1">
+                    <a:lnSpc>
+                      <a:spcPct val="90000"/>
+                    </a:lnSpc>
+                    <a:spcBef>
+                      <a:spcPts val="0"/>
+                    </a:spcBef>
+                    <a:spcAft>
+                      <a:spcPts val="1200"/>
+                    </a:spcAft>
+                    <a:buSzPct val="90000"/>
+                    <a:buFont typeface="Wingdings" panose="05000000000000000000" pitchFamily="2" charset="2"/>
+                    <a:buChar char="§"/>
+                    <a:defRPr sz="2000" kern="1200">
+                      <a:solidFill>
+                        <a:schemeClr val="tx1"/>
+                      </a:solidFill>
+                      <a:latin typeface="Amazon Ember Display" panose="020F0603020204020204" pitchFamily="34" charset="0"/>
+                      <a:ea typeface="Amazon Ember Display" panose="020F0603020204020204" pitchFamily="34" charset="0"/>
+                      <a:cs typeface="Amazon Ember Display" panose="020F0603020204020204" pitchFamily="34" charset="0"/>
+                    </a:defRPr>
+                  </a:lvl2pPr>
+                  <a:lvl3pPr marL="857250" indent="-228600" algn="l" defTabSz="914400" rtl="0" eaLnBrk="1" latinLnBrk="0" hangingPunct="1">
+                    <a:lnSpc>
+                      <a:spcPct val="90000"/>
+                    </a:lnSpc>
+                    <a:spcBef>
+                      <a:spcPts val="0"/>
+                    </a:spcBef>
+                    <a:spcAft>
+                      <a:spcPts val="1200"/>
+                    </a:spcAft>
+                    <a:buFont typeface="Amazon Ember" panose="020B0603020204020204" pitchFamily="34" charset="0"/>
+                    <a:buChar char="–"/>
+                    <a:defRPr sz="1800" kern="1200">
+                      <a:solidFill>
+                        <a:schemeClr val="tx1"/>
+                      </a:solidFill>
+                      <a:latin typeface="Amazon Ember Display" panose="020F0603020204020204" pitchFamily="34" charset="0"/>
+                      <a:ea typeface="Amazon Ember Display" panose="020F0603020204020204" pitchFamily="34" charset="0"/>
+                      <a:cs typeface="Amazon Ember Display" panose="020F0603020204020204" pitchFamily="34" charset="0"/>
+                    </a:defRPr>
+                  </a:lvl3pPr>
+                  <a:lvl4pPr marL="1085850" indent="-171450" algn="l" defTabSz="914400" rtl="0" eaLnBrk="1" latinLnBrk="0" hangingPunct="1">
+                    <a:lnSpc>
+                      <a:spcPct val="90000"/>
+                    </a:lnSpc>
+                    <a:spcBef>
+                      <a:spcPts val="0"/>
+                    </a:spcBef>
+                    <a:spcAft>
+                      <a:spcPts val="1200"/>
+                    </a:spcAft>
+                    <a:buFont typeface="Arial" panose="020B0604020202020204" pitchFamily="34" charset="0"/>
+                    <a:buChar char="•"/>
+                    <a:defRPr sz="1600" kern="1200">
+                      <a:solidFill>
+                        <a:schemeClr val="tx1"/>
+                      </a:solidFill>
+                      <a:latin typeface="Amazon Ember Display" panose="020F0603020204020204" pitchFamily="34" charset="0"/>
+                      <a:ea typeface="Amazon Ember Display" panose="020F0603020204020204" pitchFamily="34" charset="0"/>
+                      <a:cs typeface="Amazon Ember Display" panose="020F0603020204020204" pitchFamily="34" charset="0"/>
+                    </a:defRPr>
+                  </a:lvl4pPr>
+                  <a:lvl5pPr marL="1314450" indent="-171450" algn="l" defTabSz="914400" rtl="0" eaLnBrk="1" latinLnBrk="0" hangingPunct="1">
+                    <a:lnSpc>
+                      <a:spcPct val="90000"/>
+                    </a:lnSpc>
+                    <a:spcBef>
+                      <a:spcPts val="0"/>
+                    </a:spcBef>
+                    <a:spcAft>
+                      <a:spcPts val="1200"/>
+                    </a:spcAft>
+                    <a:buFont typeface="Arial" panose="020B0604020202020204" pitchFamily="34" charset="0"/>
+                    <a:buChar char="•"/>
+                    <a:defRPr sz="1600" kern="1200">
+                      <a:solidFill>
+                        <a:schemeClr val="tx1"/>
+                      </a:solidFill>
+                      <a:latin typeface="Amazon Ember Display" panose="020F0603020204020204" pitchFamily="34" charset="0"/>
+                      <a:ea typeface="Amazon Ember Display" panose="020F0603020204020204" pitchFamily="34" charset="0"/>
+                      <a:cs typeface="Amazon Ember Display" panose="020F0603020204020204" pitchFamily="34" charset="0"/>
+                    </a:defRPr>
+                  </a:lvl5pPr>
+                  <a:lvl6pPr marL="2514600" indent="-228600" algn="l" defTabSz="914400" rtl="0" eaLnBrk="1" latinLnBrk="0" hangingPunct="1">
+                    <a:lnSpc>
+                      <a:spcPct val="90000"/>
+                    </a:lnSpc>
+                    <a:spcBef>
+                      <a:spcPts val="500"/>
+                    </a:spcBef>
+                    <a:buFont typeface="Arial" panose="020B0604020202020204" pitchFamily="34" charset="0"/>
+                    <a:buChar char="•"/>
+                    <a:defRPr sz="1800" kern="1200">
+                      <a:solidFill>
+                        <a:schemeClr val="tx1"/>
+                      </a:solidFill>
+                      <a:latin typeface="+mn-lt"/>
+                      <a:ea typeface="+mn-ea"/>
+                      <a:cs typeface="+mn-cs"/>
+                    </a:defRPr>
+                  </a:lvl6pPr>
+                  <a:lvl7pPr marL="2971800" indent="-228600" algn="l" defTabSz="914400" rtl="0" eaLnBrk="1" latinLnBrk="0" hangingPunct="1">
+                    <a:lnSpc>
+                      <a:spcPct val="90000"/>
+                    </a:lnSpc>
+                    <a:spcBef>
+                      <a:spcPts val="500"/>
+                    </a:spcBef>
+                    <a:buFont typeface="Arial" panose="020B0604020202020204" pitchFamily="34" charset="0"/>
+                    <a:buChar char="•"/>
+                    <a:defRPr sz="1800" kern="1200">
+                      <a:solidFill>
+                        <a:schemeClr val="tx1"/>
+                      </a:solidFill>
+                      <a:latin typeface="+mn-lt"/>
+                      <a:ea typeface="+mn-ea"/>
+                      <a:cs typeface="+mn-cs"/>
+                    </a:defRPr>
+                  </a:lvl7pPr>
+                  <a:lvl8pPr marL="3429000" indent="-228600" algn="l" defTabSz="914400" rtl="0" eaLnBrk="1" latinLnBrk="0" hangingPunct="1">
+                    <a:lnSpc>
+                      <a:spcPct val="90000"/>
+                    </a:lnSpc>
+                    <a:spcBef>
+                      <a:spcPts val="500"/>
+                    </a:spcBef>
+                    <a:buFont typeface="Arial" panose="020B0604020202020204" pitchFamily="34" charset="0"/>
+                    <a:buChar char="•"/>
+                    <a:defRPr sz="1800" kern="1200">
+                      <a:solidFill>
+                        <a:schemeClr val="tx1"/>
+                      </a:solidFill>
+                      <a:latin typeface="+mn-lt"/>
+                      <a:ea typeface="+mn-ea"/>
+                      <a:cs typeface="+mn-cs"/>
+                    </a:defRPr>
+                  </a:lvl8pPr>
+                  <a:lvl9pPr marL="3886200" indent="-228600" algn="l" defTabSz="914400" rtl="0" eaLnBrk="1" latinLnBrk="0" hangingPunct="1">
+                    <a:lnSpc>
+                      <a:spcPct val="90000"/>
+                    </a:lnSpc>
+                    <a:spcBef>
+                      <a:spcPts val="500"/>
+                    </a:spcBef>
+                    <a:buFont typeface="Arial" panose="020B0604020202020204" pitchFamily="34" charset="0"/>
+                    <a:buChar char="•"/>
+                    <a:defRPr sz="1800" kern="1200">
+                      <a:solidFill>
+                        <a:schemeClr val="tx1"/>
+                      </a:solidFill>
+                      <a:latin typeface="+mn-lt"/>
+                      <a:ea typeface="+mn-ea"/>
+                      <a:cs typeface="+mn-cs"/>
+                    </a:defRPr>
+                  </a:lvl9pPr>
+                </a:lstStyle>
+                <a:p>
+                  <a:pPr marL="0" marR="0" lvl="0" indent="0" algn="ctr" defTabSz="914400" rtl="0" eaLnBrk="1" fontAlgn="auto" latinLnBrk="0" hangingPunct="1">
+                    <a:lnSpc>
+                      <a:spcPct val="90000"/>
+                    </a:lnSpc>
+                    <a:spcBef>
+                      <a:spcPts val="0"/>
+                    </a:spcBef>
+                    <a:spcAft>
+                      <a:spcPts val="1200"/>
+                    </a:spcAft>
+                    <a:buClrTx/>
+                    <a:buSzPct val="90000"/>
+                    <a:buFont typeface="Arial" panose="020B0604020202020204" pitchFamily="34" charset="0"/>
+                    <a:buNone/>
+                    <a:tabLst/>
+                    <a:defRPr/>
+                  </a:pPr>
+                  <a:r>
+                    <a:rPr kumimoji="0" lang="en-US" sz="2400" b="1" i="0" u="none" strike="noStrike" kern="1200" cap="none" spc="0" normalizeH="0" baseline="0" noProof="0" dirty="0">
+                      <a:ln>
+                        <a:noFill/>
+                      </a:ln>
+                      <a:solidFill>
+                        <a:srgbClr val="232F3E"/>
+                      </a:solidFill>
+                      <a:effectLst/>
+                      <a:uLnTx/>
+                      <a:uFillTx/>
+                      <a:latin typeface="Amazon Ember Display" panose="020F0603020204020204" pitchFamily="34" charset="0"/>
+                      <a:ea typeface="Amazon Ember Display" panose="020F0603020204020204" pitchFamily="34" charset="0"/>
+                      <a:cs typeface="Amazon Ember Display" panose="020F0603020204020204" pitchFamily="34" charset="0"/>
+                    </a:rPr>
+                    <a:t>Traditional ML models</a:t>
+                  </a:r>
+                </a:p>
+              </p:txBody>
+            </p:sp>
+          </p:grpSp>
+          <p:sp>
+            <p:nvSpPr>
+              <p:cNvPr id="36" name="TextBox 35">
+                <a:extLst>
+                  <a:ext uri="{FF2B5EF4-FFF2-40B4-BE49-F238E27FC236}">
+                    <a16:creationId xmlns:a16="http://schemas.microsoft.com/office/drawing/2014/main" id="{96D2C27F-657C-74A3-F2A7-E84DC08A7D91}"/>
+                  </a:ext>
+                </a:extLst>
+              </p:cNvPr>
+              <p:cNvSpPr txBox="1"/>
+              <p:nvPr/>
+            </p:nvSpPr>
+            <p:spPr>
+              <a:xfrm>
+                <a:off x="1338661" y="4904583"/>
+                <a:ext cx="954960" cy="319602"/>
+              </a:xfrm>
+              <a:prstGeom prst="rect">
+                <a:avLst/>
+              </a:prstGeom>
+              <a:noFill/>
+            </p:spPr>
+            <p:txBody>
+              <a:bodyPr wrap="square">
+                <a:spAutoFit/>
+              </a:bodyPr>
+              <a:lstStyle/>
+              <a:p>
+                <a:pPr marL="0" marR="0" lvl="0" indent="0" algn="ctr" defTabSz="914377" rtl="0" eaLnBrk="1" fontAlgn="auto" latinLnBrk="0" hangingPunct="1">
+                  <a:lnSpc>
+                    <a:spcPct val="100000"/>
+                  </a:lnSpc>
+                  <a:spcBef>
+                    <a:spcPts val="0"/>
+                  </a:spcBef>
+                  <a:spcAft>
+                    <a:spcPts val="0"/>
+                  </a:spcAft>
+                  <a:buClrTx/>
+                  <a:buSzTx/>
+                  <a:buFontTx/>
+                  <a:buNone/>
+                  <a:tabLst/>
+                  <a:defRPr/>
+                </a:pPr>
+                <a:r>
+                  <a:rPr kumimoji="0" lang="en-US" sz="1300" b="1" i="0" u="none" strike="noStrike" kern="1200" cap="none" spc="0" normalizeH="0" baseline="0" noProof="0" dirty="0">
+                    <a:ln>
+                      <a:noFill/>
+                    </a:ln>
+                    <a:solidFill>
+                      <a:srgbClr val="232F3E"/>
+                    </a:solidFill>
+                    <a:effectLst/>
+                    <a:uLnTx/>
+                    <a:uFillTx/>
+                    <a:latin typeface="Amazon Ember Display" panose="020F0603020204020204" pitchFamily="34" charset="0"/>
+                    <a:ea typeface="+mn-ea"/>
+                    <a:cs typeface="+mn-cs"/>
+                  </a:rPr>
+                  <a:t>Train</a:t>
+                </a:r>
+              </a:p>
+            </p:txBody>
+          </p:sp>
+          <p:sp>
+            <p:nvSpPr>
+              <p:cNvPr id="37" name="TextBox 36">
+                <a:extLst>
+                  <a:ext uri="{FF2B5EF4-FFF2-40B4-BE49-F238E27FC236}">
+                    <a16:creationId xmlns:a16="http://schemas.microsoft.com/office/drawing/2014/main" id="{E3819742-C830-BF2C-B492-F169C8FB3F38}"/>
+                  </a:ext>
+                </a:extLst>
+              </p:cNvPr>
+              <p:cNvSpPr txBox="1"/>
+              <p:nvPr/>
+            </p:nvSpPr>
+            <p:spPr>
+              <a:xfrm>
+                <a:off x="3046878" y="4904583"/>
+                <a:ext cx="946002" cy="319602"/>
+              </a:xfrm>
+              <a:prstGeom prst="rect">
+                <a:avLst/>
+              </a:prstGeom>
+              <a:noFill/>
+            </p:spPr>
+            <p:txBody>
+              <a:bodyPr wrap="square">
+                <a:spAutoFit/>
+              </a:bodyPr>
+              <a:lstStyle/>
+              <a:p>
+                <a:pPr marL="0" marR="0" lvl="0" indent="0" algn="ctr" defTabSz="914377" rtl="0" eaLnBrk="1" fontAlgn="auto" latinLnBrk="0" hangingPunct="1">
+                  <a:lnSpc>
+                    <a:spcPct val="100000"/>
+                  </a:lnSpc>
+                  <a:spcBef>
+                    <a:spcPts val="0"/>
+                  </a:spcBef>
+                  <a:spcAft>
+                    <a:spcPts val="0"/>
+                  </a:spcAft>
+                  <a:buClrTx/>
+                  <a:buSzTx/>
+                  <a:buFontTx/>
+                  <a:buNone/>
+                  <a:tabLst/>
+                  <a:defRPr/>
+                </a:pPr>
+                <a:r>
+                  <a:rPr kumimoji="0" lang="en-US" sz="1300" b="1" i="0" u="none" strike="noStrike" kern="1200" cap="none" spc="0" normalizeH="0" baseline="0" noProof="0" dirty="0">
+                    <a:ln>
+                      <a:noFill/>
+                    </a:ln>
+                    <a:solidFill>
+                      <a:srgbClr val="232F3E"/>
+                    </a:solidFill>
+                    <a:effectLst/>
+                    <a:uLnTx/>
+                    <a:uFillTx/>
+                    <a:latin typeface="Amazon Ember Display" panose="020F0603020204020204" pitchFamily="34" charset="0"/>
+                    <a:ea typeface="+mn-ea"/>
+                    <a:cs typeface="+mn-cs"/>
+                  </a:rPr>
+                  <a:t>Deploy</a:t>
+                </a:r>
+              </a:p>
+            </p:txBody>
+          </p:sp>
+          <p:cxnSp>
+            <p:nvCxnSpPr>
+              <p:cNvPr id="38" name="Straight Arrow Connector 37">
+                <a:extLst>
+                  <a:ext uri="{FF2B5EF4-FFF2-40B4-BE49-F238E27FC236}">
+                    <a16:creationId xmlns:a16="http://schemas.microsoft.com/office/drawing/2014/main" id="{6A322198-6934-D4B1-BD1B-5DA9173928DB}"/>
+                  </a:ext>
+                </a:extLst>
+              </p:cNvPr>
+              <p:cNvCxnSpPr>
+                <a:cxnSpLocks/>
+              </p:cNvCxnSpPr>
+              <p:nvPr/>
+            </p:nvCxnSpPr>
+            <p:spPr>
+              <a:xfrm>
+                <a:off x="1460048" y="3433700"/>
+                <a:ext cx="712185" cy="0"/>
+              </a:xfrm>
+              <a:prstGeom prst="straightConnector1">
+                <a:avLst/>
+              </a:prstGeom>
+              <a:ln w="19050" cap="rnd">
+                <a:solidFill>
+                  <a:schemeClr val="tx1"/>
+                </a:solidFill>
+                <a:round/>
+                <a:tailEnd type="arrow" w="lg" len="med"/>
+              </a:ln>
+            </p:spPr>
+            <p:style>
+              <a:lnRef idx="1">
+                <a:schemeClr val="accent1"/>
+              </a:lnRef>
+              <a:fillRef idx="0">
+                <a:schemeClr val="accent1"/>
+              </a:fillRef>
+              <a:effectRef idx="0">
+                <a:schemeClr val="accent1"/>
+              </a:effectRef>
+              <a:fontRef idx="minor">
+                <a:schemeClr val="tx1"/>
+              </a:fontRef>
+            </p:style>
+          </p:cxnSp>
+          <p:sp>
+            <p:nvSpPr>
+              <p:cNvPr id="39" name="TextBox 38">
+                <a:extLst>
+                  <a:ext uri="{FF2B5EF4-FFF2-40B4-BE49-F238E27FC236}">
+                    <a16:creationId xmlns:a16="http://schemas.microsoft.com/office/drawing/2014/main" id="{0680EB7F-4011-92F3-EFB2-C8667B6CE26D}"/>
+                  </a:ext>
+                </a:extLst>
+              </p:cNvPr>
+              <p:cNvSpPr txBox="1"/>
+              <p:nvPr/>
+            </p:nvSpPr>
+            <p:spPr>
+              <a:xfrm>
+                <a:off x="4193411" y="1725949"/>
+                <a:ext cx="1097718" cy="336424"/>
+              </a:xfrm>
+              <a:prstGeom prst="rect">
+                <a:avLst/>
+              </a:prstGeom>
+              <a:noFill/>
+            </p:spPr>
+            <p:txBody>
+              <a:bodyPr wrap="square">
+                <a:spAutoFit/>
+              </a:bodyPr>
+              <a:lstStyle/>
+              <a:p>
+                <a:pPr marL="0" marR="0" lvl="0" indent="0" algn="ctr" defTabSz="914377" rtl="0" eaLnBrk="1" fontAlgn="auto" latinLnBrk="0" hangingPunct="1">
+                  <a:lnSpc>
+                    <a:spcPct val="100000"/>
+                  </a:lnSpc>
+                  <a:spcBef>
+                    <a:spcPts val="0"/>
+                  </a:spcBef>
+                  <a:spcAft>
+                    <a:spcPts val="0"/>
+                  </a:spcAft>
+                  <a:buClrTx/>
+                  <a:buSzTx/>
+                  <a:buFontTx/>
+                  <a:buNone/>
+                  <a:tabLst/>
+                  <a:defRPr/>
+                </a:pPr>
+                <a:r>
+                  <a:rPr kumimoji="0" lang="en-US" sz="1400" i="0" u="none" strike="noStrike" kern="1200" normalizeH="0" baseline="0" noProof="0" dirty="0">
+                    <a:ln w="0"/>
+                    <a:effectLst>
+                      <a:outerShdw blurRad="38100" dist="19050" dir="2700000" algn="tl" rotWithShape="0">
+                        <a:schemeClr val="dk1">
+                          <a:alpha val="40000"/>
+                        </a:schemeClr>
+                      </a:outerShdw>
+                    </a:effectLst>
+                    <a:uLnTx/>
+                    <a:uFillTx/>
+                    <a:latin typeface="Amazon Ember Display" panose="020F0603020204020204" pitchFamily="34" charset="0"/>
+                    <a:ea typeface="+mn-ea"/>
+                    <a:cs typeface="+mn-cs"/>
+                  </a:rPr>
+                  <a:t>Tasks</a:t>
+                </a:r>
+              </a:p>
+            </p:txBody>
+          </p:sp>
+          <p:cxnSp>
+            <p:nvCxnSpPr>
+              <p:cNvPr id="40" name="Straight Arrow Connector 39">
+                <a:extLst>
+                  <a:ext uri="{FF2B5EF4-FFF2-40B4-BE49-F238E27FC236}">
+                    <a16:creationId xmlns:a16="http://schemas.microsoft.com/office/drawing/2014/main" id="{A96358BD-BDEF-F79D-030B-FFB3BDC35C67}"/>
+                  </a:ext>
+                </a:extLst>
+              </p:cNvPr>
+              <p:cNvCxnSpPr>
+                <a:cxnSpLocks/>
+              </p:cNvCxnSpPr>
+              <p:nvPr/>
+            </p:nvCxnSpPr>
+            <p:spPr>
+              <a:xfrm flipV="1">
+                <a:off x="1460048" y="2860634"/>
+                <a:ext cx="712185" cy="3883"/>
+              </a:xfrm>
+              <a:prstGeom prst="straightConnector1">
+                <a:avLst/>
+              </a:prstGeom>
+              <a:ln w="19050" cap="rnd">
+                <a:solidFill>
+                  <a:schemeClr val="tx1"/>
+                </a:solidFill>
+                <a:round/>
+                <a:tailEnd type="arrow" w="lg" len="med"/>
+              </a:ln>
+            </p:spPr>
+            <p:style>
+              <a:lnRef idx="1">
+                <a:schemeClr val="accent1"/>
+              </a:lnRef>
+              <a:fillRef idx="0">
+                <a:schemeClr val="accent1"/>
+              </a:fillRef>
+              <a:effectRef idx="0">
+                <a:schemeClr val="accent1"/>
+              </a:effectRef>
+              <a:fontRef idx="minor">
+                <a:schemeClr val="tx1"/>
+              </a:fontRef>
+            </p:style>
+          </p:cxnSp>
+          <p:cxnSp>
+            <p:nvCxnSpPr>
+              <p:cNvPr id="41" name="Straight Arrow Connector 40">
+                <a:extLst>
+                  <a:ext uri="{FF2B5EF4-FFF2-40B4-BE49-F238E27FC236}">
+                    <a16:creationId xmlns:a16="http://schemas.microsoft.com/office/drawing/2014/main" id="{E816BA67-226B-C0CA-C8BD-07D3D320FC87}"/>
+                  </a:ext>
+                </a:extLst>
+              </p:cNvPr>
+              <p:cNvCxnSpPr>
+                <a:cxnSpLocks/>
+              </p:cNvCxnSpPr>
+              <p:nvPr/>
+            </p:nvCxnSpPr>
+            <p:spPr>
+              <a:xfrm flipV="1">
+                <a:off x="1460048" y="2285626"/>
+                <a:ext cx="712185" cy="1351"/>
+              </a:xfrm>
+              <a:prstGeom prst="straightConnector1">
+                <a:avLst/>
+              </a:prstGeom>
+              <a:ln w="19050" cap="rnd">
+                <a:solidFill>
+                  <a:schemeClr val="tx1"/>
+                </a:solidFill>
+                <a:round/>
+                <a:tailEnd type="arrow" w="lg" len="med"/>
+              </a:ln>
+            </p:spPr>
+            <p:style>
+              <a:lnRef idx="1">
+                <a:schemeClr val="accent1"/>
+              </a:lnRef>
+              <a:fillRef idx="0">
+                <a:schemeClr val="accent1"/>
+              </a:fillRef>
+              <a:effectRef idx="0">
+                <a:schemeClr val="accent1"/>
+              </a:effectRef>
+              <a:fontRef idx="minor">
+                <a:schemeClr val="tx1"/>
+              </a:fontRef>
+            </p:style>
+          </p:cxnSp>
+          <p:cxnSp>
+            <p:nvCxnSpPr>
+              <p:cNvPr id="42" name="Straight Arrow Connector 41">
+                <a:extLst>
+                  <a:ext uri="{FF2B5EF4-FFF2-40B4-BE49-F238E27FC236}">
+                    <a16:creationId xmlns:a16="http://schemas.microsoft.com/office/drawing/2014/main" id="{678CDE1F-43D1-6C4E-E2DB-F8075689FB25}"/>
+                  </a:ext>
+                </a:extLst>
+              </p:cNvPr>
+              <p:cNvCxnSpPr>
+                <a:cxnSpLocks/>
+              </p:cNvCxnSpPr>
+              <p:nvPr/>
+            </p:nvCxnSpPr>
+            <p:spPr>
+              <a:xfrm flipV="1">
+                <a:off x="1460048" y="4570125"/>
+                <a:ext cx="712185" cy="3883"/>
+              </a:xfrm>
+              <a:prstGeom prst="straightConnector1">
+                <a:avLst/>
+              </a:prstGeom>
+              <a:ln w="19050" cap="rnd">
+                <a:solidFill>
+                  <a:schemeClr val="tx1"/>
+                </a:solidFill>
+                <a:round/>
+                <a:tailEnd type="arrow" w="lg" len="med"/>
+              </a:ln>
+            </p:spPr>
+            <p:style>
+              <a:lnRef idx="1">
+                <a:schemeClr val="accent1"/>
+              </a:lnRef>
+              <a:fillRef idx="0">
+                <a:schemeClr val="accent1"/>
+              </a:fillRef>
+              <a:effectRef idx="0">
+                <a:schemeClr val="accent1"/>
+              </a:effectRef>
+              <a:fontRef idx="minor">
+                <a:schemeClr val="tx1"/>
+              </a:fontRef>
+            </p:style>
+          </p:cxnSp>
+          <p:cxnSp>
+            <p:nvCxnSpPr>
+              <p:cNvPr id="43" name="Straight Arrow Connector 42">
+                <a:extLst>
+                  <a:ext uri="{FF2B5EF4-FFF2-40B4-BE49-F238E27FC236}">
+                    <a16:creationId xmlns:a16="http://schemas.microsoft.com/office/drawing/2014/main" id="{F0DB55E6-89F1-2A30-26A2-75BFAB58F079}"/>
+                  </a:ext>
+                </a:extLst>
+              </p:cNvPr>
+              <p:cNvCxnSpPr>
+                <a:cxnSpLocks/>
+              </p:cNvCxnSpPr>
+              <p:nvPr/>
+            </p:nvCxnSpPr>
+            <p:spPr>
+              <a:xfrm flipV="1">
+                <a:off x="1460048" y="3995118"/>
+                <a:ext cx="712185" cy="3883"/>
+              </a:xfrm>
+              <a:prstGeom prst="straightConnector1">
+                <a:avLst/>
+              </a:prstGeom>
+              <a:ln w="19050" cap="rnd">
+                <a:solidFill>
+                  <a:schemeClr val="tx1"/>
+                </a:solidFill>
+                <a:round/>
+                <a:tailEnd type="arrow" w="lg" len="med"/>
+              </a:ln>
+            </p:spPr>
+            <p:style>
+              <a:lnRef idx="1">
+                <a:schemeClr val="accent1"/>
+              </a:lnRef>
+              <a:fillRef idx="0">
+                <a:schemeClr val="accent1"/>
+              </a:fillRef>
+              <a:effectRef idx="0">
+                <a:schemeClr val="accent1"/>
+              </a:effectRef>
+              <a:fontRef idx="minor">
+                <a:schemeClr val="tx1"/>
+              </a:fontRef>
+            </p:style>
+          </p:cxnSp>
+          <p:cxnSp>
+            <p:nvCxnSpPr>
+              <p:cNvPr id="44" name="Straight Arrow Connector 43">
+                <a:extLst>
+                  <a:ext uri="{FF2B5EF4-FFF2-40B4-BE49-F238E27FC236}">
+                    <a16:creationId xmlns:a16="http://schemas.microsoft.com/office/drawing/2014/main" id="{F7E7D0A7-4771-16DE-7305-0C45CBBAA6A6}"/>
+                  </a:ext>
+                </a:extLst>
+              </p:cNvPr>
+              <p:cNvCxnSpPr>
+                <a:cxnSpLocks/>
+                <a:stCxn id="51" idx="3"/>
+              </p:cNvCxnSpPr>
+              <p:nvPr/>
+            </p:nvCxnSpPr>
+            <p:spPr>
+              <a:xfrm>
+                <a:off x="3148207" y="2287567"/>
+                <a:ext cx="784908" cy="0"/>
+              </a:xfrm>
+              <a:prstGeom prst="straightConnector1">
+                <a:avLst/>
+              </a:prstGeom>
+              <a:ln w="19050" cap="rnd">
+                <a:solidFill>
+                  <a:schemeClr val="tx1"/>
+                </a:solidFill>
+                <a:round/>
+                <a:tailEnd type="arrow" w="lg" len="med"/>
+              </a:ln>
+            </p:spPr>
+            <p:style>
+              <a:lnRef idx="1">
+                <a:schemeClr val="accent1"/>
+              </a:lnRef>
+              <a:fillRef idx="0">
+                <a:schemeClr val="accent1"/>
+              </a:fillRef>
+              <a:effectRef idx="0">
+                <a:schemeClr val="accent1"/>
+              </a:effectRef>
+              <a:fontRef idx="minor">
+                <a:schemeClr val="tx1"/>
+              </a:fontRef>
+            </p:style>
+          </p:cxnSp>
+          <p:cxnSp>
+            <p:nvCxnSpPr>
+              <p:cNvPr id="45" name="Straight Arrow Connector 44">
+                <a:extLst>
+                  <a:ext uri="{FF2B5EF4-FFF2-40B4-BE49-F238E27FC236}">
+                    <a16:creationId xmlns:a16="http://schemas.microsoft.com/office/drawing/2014/main" id="{82AF5E76-3272-8315-E97C-30DB576BB2E7}"/>
+                  </a:ext>
+                </a:extLst>
+              </p:cNvPr>
+              <p:cNvCxnSpPr>
+                <a:cxnSpLocks/>
+                <a:stCxn id="49" idx="3"/>
+              </p:cNvCxnSpPr>
+              <p:nvPr/>
+            </p:nvCxnSpPr>
+            <p:spPr>
+              <a:xfrm>
+                <a:off x="3148207" y="3433700"/>
+                <a:ext cx="784908" cy="0"/>
+              </a:xfrm>
+              <a:prstGeom prst="straightConnector1">
+                <a:avLst/>
+              </a:prstGeom>
+              <a:ln w="19050" cap="rnd">
+                <a:solidFill>
+                  <a:schemeClr val="tx1"/>
+                </a:solidFill>
+                <a:round/>
+                <a:tailEnd type="arrow" w="lg" len="med"/>
+              </a:ln>
+            </p:spPr>
+            <p:style>
+              <a:lnRef idx="1">
+                <a:schemeClr val="accent1"/>
+              </a:lnRef>
+              <a:fillRef idx="0">
+                <a:schemeClr val="accent1"/>
+              </a:fillRef>
+              <a:effectRef idx="0">
+                <a:schemeClr val="accent1"/>
+              </a:effectRef>
+              <a:fontRef idx="minor">
+                <a:schemeClr val="tx1"/>
+              </a:fontRef>
+            </p:style>
+          </p:cxnSp>
+          <p:cxnSp>
+            <p:nvCxnSpPr>
+              <p:cNvPr id="46" name="Straight Arrow Connector 45">
+                <a:extLst>
+                  <a:ext uri="{FF2B5EF4-FFF2-40B4-BE49-F238E27FC236}">
+                    <a16:creationId xmlns:a16="http://schemas.microsoft.com/office/drawing/2014/main" id="{D7D3F04B-596F-1B1C-03D2-51531D3251FA}"/>
+                  </a:ext>
+                </a:extLst>
+              </p:cNvPr>
+              <p:cNvCxnSpPr>
+                <a:cxnSpLocks/>
+                <a:stCxn id="50" idx="3"/>
+              </p:cNvCxnSpPr>
+              <p:nvPr/>
+            </p:nvCxnSpPr>
+            <p:spPr>
+              <a:xfrm>
+                <a:off x="3148207" y="2862575"/>
+                <a:ext cx="784908" cy="0"/>
+              </a:xfrm>
+              <a:prstGeom prst="straightConnector1">
+                <a:avLst/>
+              </a:prstGeom>
+              <a:ln w="19050" cap="rnd">
+                <a:solidFill>
+                  <a:schemeClr val="tx1"/>
+                </a:solidFill>
+                <a:round/>
+                <a:tailEnd type="arrow" w="lg" len="med"/>
+              </a:ln>
+            </p:spPr>
+            <p:style>
+              <a:lnRef idx="1">
+                <a:schemeClr val="accent1"/>
+              </a:lnRef>
+              <a:fillRef idx="0">
+                <a:schemeClr val="accent1"/>
+              </a:fillRef>
+              <a:effectRef idx="0">
+                <a:schemeClr val="accent1"/>
+              </a:effectRef>
+              <a:fontRef idx="minor">
+                <a:schemeClr val="tx1"/>
+              </a:fontRef>
+            </p:style>
+          </p:cxnSp>
+          <p:cxnSp>
+            <p:nvCxnSpPr>
+              <p:cNvPr id="47" name="Straight Arrow Connector 46">
+                <a:extLst>
+                  <a:ext uri="{FF2B5EF4-FFF2-40B4-BE49-F238E27FC236}">
+                    <a16:creationId xmlns:a16="http://schemas.microsoft.com/office/drawing/2014/main" id="{E3A7A724-9D27-2C47-16FD-CC9FEAFD9B1D}"/>
+                  </a:ext>
+                </a:extLst>
+              </p:cNvPr>
+              <p:cNvCxnSpPr>
+                <a:cxnSpLocks/>
+              </p:cNvCxnSpPr>
+              <p:nvPr/>
+            </p:nvCxnSpPr>
+            <p:spPr>
+              <a:xfrm>
+                <a:off x="3106643" y="4572066"/>
+                <a:ext cx="826472" cy="0"/>
+              </a:xfrm>
+              <a:prstGeom prst="straightConnector1">
+                <a:avLst/>
+              </a:prstGeom>
+              <a:ln w="19050" cap="rnd">
+                <a:solidFill>
+                  <a:schemeClr val="tx1"/>
+                </a:solidFill>
+                <a:round/>
+                <a:tailEnd type="arrow" w="lg" len="med"/>
+              </a:ln>
+            </p:spPr>
+            <p:style>
+              <a:lnRef idx="1">
+                <a:schemeClr val="accent1"/>
+              </a:lnRef>
+              <a:fillRef idx="0">
+                <a:schemeClr val="accent1"/>
+              </a:fillRef>
+              <a:effectRef idx="0">
+                <a:schemeClr val="accent1"/>
+              </a:effectRef>
+              <a:fontRef idx="minor">
+                <a:schemeClr val="tx1"/>
+              </a:fontRef>
+            </p:style>
+          </p:cxnSp>
+          <p:cxnSp>
+            <p:nvCxnSpPr>
+              <p:cNvPr id="48" name="Straight Arrow Connector 47">
+                <a:extLst>
+                  <a:ext uri="{FF2B5EF4-FFF2-40B4-BE49-F238E27FC236}">
+                    <a16:creationId xmlns:a16="http://schemas.microsoft.com/office/drawing/2014/main" id="{EC52F41B-9141-0D11-5835-7A041FEF9DF2}"/>
+                  </a:ext>
+                </a:extLst>
+              </p:cNvPr>
+              <p:cNvCxnSpPr>
+                <a:cxnSpLocks/>
+                <a:stCxn id="53" idx="3"/>
+              </p:cNvCxnSpPr>
+              <p:nvPr/>
+            </p:nvCxnSpPr>
+            <p:spPr>
+              <a:xfrm>
+                <a:off x="3148207" y="3997059"/>
+                <a:ext cx="784908" cy="0"/>
+              </a:xfrm>
+              <a:prstGeom prst="straightConnector1">
+                <a:avLst/>
+              </a:prstGeom>
+              <a:ln w="19050" cap="rnd">
+                <a:solidFill>
+                  <a:schemeClr val="tx1"/>
+                </a:solidFill>
+                <a:round/>
+                <a:tailEnd type="arrow" w="lg" len="med"/>
+              </a:ln>
+            </p:spPr>
+            <p:style>
+              <a:lnRef idx="1">
+                <a:schemeClr val="accent1"/>
+              </a:lnRef>
+              <a:fillRef idx="0">
+                <a:schemeClr val="accent1"/>
+              </a:fillRef>
+              <a:effectRef idx="0">
+                <a:schemeClr val="accent1"/>
+              </a:effectRef>
+              <a:fontRef idx="minor">
+                <a:schemeClr val="tx1"/>
+              </a:fontRef>
+            </p:style>
+          </p:cxnSp>
+          <p:sp>
+            <p:nvSpPr>
+              <p:cNvPr id="49" name="Rectangle: Rounded Corners 53">
+                <a:extLst>
+                  <a:ext uri="{FF2B5EF4-FFF2-40B4-BE49-F238E27FC236}">
+                    <a16:creationId xmlns:a16="http://schemas.microsoft.com/office/drawing/2014/main" id="{1C02BD5C-471A-9BFE-4A42-802199F75AA9}"/>
+                  </a:ext>
+                </a:extLst>
+              </p:cNvPr>
+              <p:cNvSpPr/>
+              <p:nvPr/>
+            </p:nvSpPr>
+            <p:spPr>
+              <a:xfrm>
+                <a:off x="2213797" y="3184414"/>
+                <a:ext cx="934410" cy="498572"/>
+              </a:xfrm>
+              <a:prstGeom prst="roundRect">
+                <a:avLst>
+                  <a:gd name="adj" fmla="val 50000"/>
+                </a:avLst>
+              </a:prstGeom>
+              <a:gradFill flip="none" rotWithShape="1">
+                <a:gsLst>
+                  <a:gs pos="48000">
+                    <a:srgbClr val="A2B4F1"/>
+                  </a:gs>
+                  <a:gs pos="0">
+                    <a:schemeClr val="accent5">
+                      <a:lumMod val="40000"/>
+                      <a:lumOff val="60000"/>
+                    </a:schemeClr>
+                  </a:gs>
+                  <a:gs pos="48000">
+                    <a:schemeClr val="accent4">
+                      <a:lumMod val="97000"/>
+                      <a:lumOff val="3000"/>
+                    </a:schemeClr>
+                  </a:gs>
+                  <a:gs pos="100000">
+                    <a:schemeClr val="accent4">
+                      <a:lumMod val="60000"/>
+                      <a:lumOff val="40000"/>
+                    </a:schemeClr>
+                  </a:gs>
+                </a:gsLst>
+                <a:lin ang="16200000" scaled="1"/>
+                <a:tileRect/>
+              </a:gradFill>
+              <a:ln>
+                <a:solidFill>
+                  <a:schemeClr val="tx1"/>
+                </a:solidFill>
+              </a:ln>
+              <a:effectLst>
+                <a:outerShdw blurRad="50800" dist="38100" dir="2700000" algn="tl" rotWithShape="0">
+                  <a:prstClr val="black">
+                    <a:alpha val="40000"/>
+                  </a:prstClr>
+                </a:outerShdw>
+              </a:effectLst>
+            </p:spPr>
+            <p:style>
+              <a:lnRef idx="2">
+                <a:schemeClr val="accent1">
+                  <a:shade val="50000"/>
+                </a:schemeClr>
+              </a:lnRef>
+              <a:fillRef idx="1">
+                <a:schemeClr val="accent1"/>
+              </a:fillRef>
+              <a:effectRef idx="0">
+                <a:schemeClr val="accent1"/>
+              </a:effectRef>
+              <a:fontRef idx="minor">
+                <a:schemeClr val="lt1"/>
+              </a:fontRef>
+            </p:style>
+            <p:txBody>
+              <a:bodyPr lIns="0" tIns="45720" rIns="0" rtlCol="0" anchor="ctr"/>
+              <a:lstStyle/>
+              <a:p>
+                <a:pPr marL="0" marR="0" lvl="0" indent="0" algn="ctr" defTabSz="914400" rtl="0" eaLnBrk="1" fontAlgn="auto" latinLnBrk="0" hangingPunct="1">
+                  <a:lnSpc>
+                    <a:spcPct val="100000"/>
+                  </a:lnSpc>
+                  <a:spcBef>
+                    <a:spcPts val="0"/>
+                  </a:spcBef>
+                  <a:spcAft>
+                    <a:spcPts val="0"/>
+                  </a:spcAft>
+                  <a:buClrTx/>
+                  <a:buSzTx/>
+                  <a:buFontTx/>
+                  <a:buNone/>
+                  <a:tabLst/>
+                  <a:defRPr/>
+                </a:pPr>
+                <a:r>
+                  <a:rPr kumimoji="0" lang="en-US" sz="1200" i="0" u="none" strike="noStrike" kern="1200" normalizeH="0" baseline="0" noProof="0" dirty="0">
+                    <a:ln w="0"/>
+                    <a:solidFill>
+                      <a:schemeClr val="tx1"/>
+                    </a:solidFill>
+                    <a:effectLst>
+                      <a:outerShdw blurRad="38100" dist="19050" dir="2700000" algn="tl" rotWithShape="0">
+                        <a:schemeClr val="dk1">
+                          <a:alpha val="40000"/>
+                        </a:schemeClr>
+                      </a:outerShdw>
+                    </a:effectLst>
+                    <a:uLnTx/>
+                    <a:uFillTx/>
+                    <a:latin typeface="Amazon Ember Medium"/>
+                    <a:ea typeface="+mn-ea"/>
+                    <a:cs typeface="+mn-cs"/>
+                  </a:rPr>
+                  <a:t>ML models</a:t>
+                </a:r>
+              </a:p>
+            </p:txBody>
+          </p:sp>
+          <p:sp>
+            <p:nvSpPr>
+              <p:cNvPr id="50" name="Rectangle: Rounded Corners 125">
+                <a:extLst>
+                  <a:ext uri="{FF2B5EF4-FFF2-40B4-BE49-F238E27FC236}">
+                    <a16:creationId xmlns:a16="http://schemas.microsoft.com/office/drawing/2014/main" id="{DCA49E3D-EE1E-5EC6-D850-CBD3BFAC5DAB}"/>
+                  </a:ext>
+                </a:extLst>
+              </p:cNvPr>
+              <p:cNvSpPr/>
+              <p:nvPr/>
+            </p:nvSpPr>
+            <p:spPr>
+              <a:xfrm>
+                <a:off x="2213797" y="2664618"/>
+                <a:ext cx="934410" cy="395914"/>
+              </a:xfrm>
+              <a:prstGeom prst="roundRect">
+                <a:avLst>
+                  <a:gd name="adj" fmla="val 50000"/>
+                </a:avLst>
+              </a:prstGeom>
+              <a:gradFill flip="none" rotWithShape="1">
+                <a:gsLst>
+                  <a:gs pos="48000">
+                    <a:srgbClr val="A2B4F1"/>
+                  </a:gs>
+                  <a:gs pos="0">
+                    <a:schemeClr val="accent5">
+                      <a:lumMod val="40000"/>
+                      <a:lumOff val="60000"/>
+                    </a:schemeClr>
+                  </a:gs>
+                  <a:gs pos="48000">
+                    <a:schemeClr val="accent4">
+                      <a:lumMod val="97000"/>
+                      <a:lumOff val="3000"/>
+                    </a:schemeClr>
+                  </a:gs>
+                  <a:gs pos="100000">
+                    <a:schemeClr val="accent4">
+                      <a:lumMod val="60000"/>
+                      <a:lumOff val="40000"/>
+                    </a:schemeClr>
+                  </a:gs>
+                </a:gsLst>
+                <a:lin ang="16200000" scaled="1"/>
+                <a:tileRect/>
+              </a:gradFill>
+              <a:ln>
+                <a:solidFill>
+                  <a:schemeClr val="tx1"/>
+                </a:solidFill>
+              </a:ln>
+              <a:effectLst>
+                <a:outerShdw blurRad="50800" dist="38100" dir="2700000" algn="tl" rotWithShape="0">
+                  <a:prstClr val="black">
+                    <a:alpha val="40000"/>
+                  </a:prstClr>
+                </a:outerShdw>
+              </a:effectLst>
+            </p:spPr>
+            <p:style>
+              <a:lnRef idx="2">
+                <a:schemeClr val="accent1">
+                  <a:shade val="50000"/>
+                </a:schemeClr>
+              </a:lnRef>
+              <a:fillRef idx="1">
+                <a:schemeClr val="accent1"/>
+              </a:fillRef>
+              <a:effectRef idx="0">
+                <a:schemeClr val="accent1"/>
+              </a:effectRef>
+              <a:fontRef idx="minor">
+                <a:schemeClr val="lt1"/>
+              </a:fontRef>
+            </p:style>
+            <p:txBody>
+              <a:bodyPr lIns="0" tIns="45720" rIns="0" rtlCol="0" anchor="ctr"/>
+              <a:lstStyle/>
+              <a:p>
+                <a:pPr marL="0" marR="0" lvl="0" indent="0" algn="ctr" defTabSz="914400" rtl="0" eaLnBrk="1" fontAlgn="auto" latinLnBrk="0" hangingPunct="1">
+                  <a:lnSpc>
+                    <a:spcPct val="100000"/>
+                  </a:lnSpc>
+                  <a:spcBef>
+                    <a:spcPts val="0"/>
+                  </a:spcBef>
+                  <a:spcAft>
+                    <a:spcPts val="0"/>
+                  </a:spcAft>
+                  <a:buClrTx/>
+                  <a:buSzTx/>
+                  <a:buFontTx/>
+                  <a:buNone/>
+                  <a:tabLst/>
+                  <a:defRPr/>
+                </a:pPr>
+                <a:r>
+                  <a:rPr kumimoji="0" lang="en-US" sz="1200" i="0" u="none" strike="noStrike" kern="1200" normalizeH="0" baseline="0" noProof="0" dirty="0">
+                    <a:ln w="0"/>
+                    <a:solidFill>
+                      <a:schemeClr val="tx1"/>
+                    </a:solidFill>
+                    <a:effectLst>
+                      <a:outerShdw blurRad="38100" dist="19050" dir="2700000" algn="tl" rotWithShape="0">
+                        <a:schemeClr val="dk1">
+                          <a:alpha val="40000"/>
+                        </a:schemeClr>
+                      </a:outerShdw>
+                    </a:effectLst>
+                    <a:uLnTx/>
+                    <a:uFillTx/>
+                    <a:latin typeface="Amazon Ember Medium"/>
+                    <a:ea typeface="+mn-ea"/>
+                    <a:cs typeface="+mn-cs"/>
+                  </a:rPr>
+                  <a:t>…</a:t>
+                </a:r>
+              </a:p>
+            </p:txBody>
+          </p:sp>
+          <p:sp>
+            <p:nvSpPr>
+              <p:cNvPr id="51" name="Rectangle: Rounded Corners 2239">
+                <a:extLst>
+                  <a:ext uri="{FF2B5EF4-FFF2-40B4-BE49-F238E27FC236}">
+                    <a16:creationId xmlns:a16="http://schemas.microsoft.com/office/drawing/2014/main" id="{90FA7CFF-3212-66E4-AC08-C2C258B35EA2}"/>
+                  </a:ext>
+                </a:extLst>
+              </p:cNvPr>
+              <p:cNvSpPr/>
+              <p:nvPr/>
+            </p:nvSpPr>
+            <p:spPr>
+              <a:xfrm>
+                <a:off x="2213797" y="2089610"/>
+                <a:ext cx="934410" cy="395914"/>
+              </a:xfrm>
+              <a:prstGeom prst="roundRect">
+                <a:avLst>
+                  <a:gd name="adj" fmla="val 50000"/>
+                </a:avLst>
+              </a:prstGeom>
+              <a:gradFill flip="none" rotWithShape="1">
+                <a:gsLst>
+                  <a:gs pos="48000">
+                    <a:srgbClr val="A2B4F1"/>
+                  </a:gs>
+                  <a:gs pos="0">
+                    <a:schemeClr val="accent5">
+                      <a:lumMod val="40000"/>
+                      <a:lumOff val="60000"/>
+                    </a:schemeClr>
+                  </a:gs>
+                  <a:gs pos="48000">
+                    <a:schemeClr val="accent4">
+                      <a:lumMod val="97000"/>
+                      <a:lumOff val="3000"/>
+                    </a:schemeClr>
+                  </a:gs>
+                  <a:gs pos="100000">
+                    <a:schemeClr val="accent4">
+                      <a:lumMod val="60000"/>
+                      <a:lumOff val="40000"/>
+                    </a:schemeClr>
+                  </a:gs>
+                </a:gsLst>
+                <a:lin ang="16200000" scaled="1"/>
+                <a:tileRect/>
+              </a:gradFill>
+              <a:ln>
+                <a:solidFill>
+                  <a:schemeClr val="tx1"/>
+                </a:solidFill>
+              </a:ln>
+              <a:effectLst>
+                <a:outerShdw blurRad="50800" dist="38100" dir="2700000" algn="tl" rotWithShape="0">
+                  <a:prstClr val="black">
+                    <a:alpha val="40000"/>
+                  </a:prstClr>
+                </a:outerShdw>
+              </a:effectLst>
+            </p:spPr>
+            <p:style>
+              <a:lnRef idx="2">
+                <a:schemeClr val="accent1">
+                  <a:shade val="50000"/>
+                </a:schemeClr>
+              </a:lnRef>
+              <a:fillRef idx="1">
+                <a:schemeClr val="accent1"/>
+              </a:fillRef>
+              <a:effectRef idx="0">
+                <a:schemeClr val="accent1"/>
+              </a:effectRef>
+              <a:fontRef idx="minor">
+                <a:schemeClr val="lt1"/>
+              </a:fontRef>
+            </p:style>
+            <p:txBody>
+              <a:bodyPr lIns="0" tIns="45720" rIns="0" rtlCol="0" anchor="ctr"/>
+              <a:lstStyle/>
+              <a:p>
+                <a:pPr marL="0" marR="0" lvl="0" indent="0" algn="ctr" defTabSz="914400" rtl="0" eaLnBrk="1" fontAlgn="auto" latinLnBrk="0" hangingPunct="1">
+                  <a:lnSpc>
+                    <a:spcPct val="100000"/>
+                  </a:lnSpc>
+                  <a:spcBef>
+                    <a:spcPts val="0"/>
+                  </a:spcBef>
+                  <a:spcAft>
+                    <a:spcPts val="0"/>
+                  </a:spcAft>
+                  <a:buClrTx/>
+                  <a:buSzTx/>
+                  <a:buFontTx/>
+                  <a:buNone/>
+                  <a:tabLst/>
+                  <a:defRPr/>
+                </a:pPr>
+                <a:r>
+                  <a:rPr kumimoji="0" lang="en-US" sz="1200" i="0" u="none" strike="noStrike" kern="1200" normalizeH="0" baseline="0" noProof="0" dirty="0">
+                    <a:ln w="0"/>
+                    <a:solidFill>
+                      <a:schemeClr val="tx1"/>
+                    </a:solidFill>
+                    <a:effectLst>
+                      <a:outerShdw blurRad="38100" dist="19050" dir="2700000" algn="tl" rotWithShape="0">
+                        <a:schemeClr val="dk1">
+                          <a:alpha val="40000"/>
+                        </a:schemeClr>
+                      </a:outerShdw>
+                    </a:effectLst>
+                    <a:uLnTx/>
+                    <a:uFillTx/>
+                    <a:latin typeface="Amazon Ember Medium"/>
+                    <a:ea typeface="+mn-ea"/>
+                    <a:cs typeface="+mn-cs"/>
+                  </a:rPr>
+                  <a:t>…</a:t>
+                </a:r>
+              </a:p>
+            </p:txBody>
+          </p:sp>
+          <p:sp>
+            <p:nvSpPr>
+              <p:cNvPr id="52" name="Rectangle: Rounded Corners 2241">
+                <a:extLst>
+                  <a:ext uri="{FF2B5EF4-FFF2-40B4-BE49-F238E27FC236}">
+                    <a16:creationId xmlns:a16="http://schemas.microsoft.com/office/drawing/2014/main" id="{606A7990-179A-D2E7-57DB-28997DC98FAD}"/>
+                  </a:ext>
+                </a:extLst>
+              </p:cNvPr>
+              <p:cNvSpPr/>
+              <p:nvPr/>
+            </p:nvSpPr>
+            <p:spPr>
+              <a:xfrm>
+                <a:off x="2213797" y="4374109"/>
+                <a:ext cx="934410" cy="395914"/>
+              </a:xfrm>
+              <a:prstGeom prst="roundRect">
+                <a:avLst>
+                  <a:gd name="adj" fmla="val 50000"/>
+                </a:avLst>
+              </a:prstGeom>
+              <a:gradFill flip="none" rotWithShape="1">
+                <a:gsLst>
+                  <a:gs pos="48000">
+                    <a:srgbClr val="A2B4F1"/>
+                  </a:gs>
+                  <a:gs pos="0">
+                    <a:schemeClr val="accent5">
+                      <a:lumMod val="40000"/>
+                      <a:lumOff val="60000"/>
+                    </a:schemeClr>
+                  </a:gs>
+                  <a:gs pos="48000">
+                    <a:schemeClr val="accent4">
+                      <a:lumMod val="97000"/>
+                      <a:lumOff val="3000"/>
+                    </a:schemeClr>
+                  </a:gs>
+                  <a:gs pos="100000">
+                    <a:schemeClr val="accent4">
+                      <a:lumMod val="60000"/>
+                      <a:lumOff val="40000"/>
+                    </a:schemeClr>
+                  </a:gs>
+                </a:gsLst>
+                <a:lin ang="16200000" scaled="1"/>
+                <a:tileRect/>
+              </a:gradFill>
+              <a:ln>
+                <a:solidFill>
+                  <a:schemeClr val="tx1"/>
+                </a:solidFill>
+              </a:ln>
+              <a:effectLst>
+                <a:outerShdw blurRad="50800" dist="38100" dir="2700000" algn="tl" rotWithShape="0">
+                  <a:prstClr val="black">
+                    <a:alpha val="40000"/>
+                  </a:prstClr>
+                </a:outerShdw>
+              </a:effectLst>
+            </p:spPr>
+            <p:style>
+              <a:lnRef idx="2">
+                <a:schemeClr val="accent1">
+                  <a:shade val="50000"/>
+                </a:schemeClr>
+              </a:lnRef>
+              <a:fillRef idx="1">
+                <a:schemeClr val="accent1"/>
+              </a:fillRef>
+              <a:effectRef idx="0">
+                <a:schemeClr val="accent1"/>
+              </a:effectRef>
+              <a:fontRef idx="minor">
+                <a:schemeClr val="lt1"/>
+              </a:fontRef>
+            </p:style>
+            <p:txBody>
+              <a:bodyPr lIns="0" tIns="45720" rIns="0" rtlCol="0" anchor="ctr"/>
+              <a:lstStyle/>
+              <a:p>
+                <a:pPr marL="0" marR="0" lvl="0" indent="0" algn="ctr" defTabSz="914400" rtl="0" eaLnBrk="1" fontAlgn="auto" latinLnBrk="0" hangingPunct="1">
+                  <a:lnSpc>
+                    <a:spcPct val="100000"/>
+                  </a:lnSpc>
+                  <a:spcBef>
+                    <a:spcPts val="0"/>
+                  </a:spcBef>
+                  <a:spcAft>
+                    <a:spcPts val="0"/>
+                  </a:spcAft>
+                  <a:buClrTx/>
+                  <a:buSzTx/>
+                  <a:buFontTx/>
+                  <a:buNone/>
+                  <a:tabLst/>
+                  <a:defRPr/>
+                </a:pPr>
+                <a:r>
+                  <a:rPr kumimoji="0" lang="en-US" sz="1200" i="0" u="none" strike="noStrike" kern="1200" normalizeH="0" baseline="0" noProof="0" dirty="0">
+                    <a:ln w="0"/>
+                    <a:solidFill>
+                      <a:schemeClr val="tx1"/>
+                    </a:solidFill>
+                    <a:effectLst>
+                      <a:outerShdw blurRad="38100" dist="19050" dir="2700000" algn="tl" rotWithShape="0">
+                        <a:schemeClr val="dk1">
+                          <a:alpha val="40000"/>
+                        </a:schemeClr>
+                      </a:outerShdw>
+                    </a:effectLst>
+                    <a:uLnTx/>
+                    <a:uFillTx/>
+                    <a:latin typeface="Amazon Ember Medium"/>
+                    <a:ea typeface="+mn-ea"/>
+                    <a:cs typeface="+mn-cs"/>
+                  </a:rPr>
+                  <a:t>…</a:t>
+                </a:r>
+              </a:p>
+            </p:txBody>
+          </p:sp>
+          <p:sp>
+            <p:nvSpPr>
+              <p:cNvPr id="53" name="Rectangle: Rounded Corners 2243">
+                <a:extLst>
+                  <a:ext uri="{FF2B5EF4-FFF2-40B4-BE49-F238E27FC236}">
+                    <a16:creationId xmlns:a16="http://schemas.microsoft.com/office/drawing/2014/main" id="{A6BBD00B-65A4-0D38-63EC-D44EFE25C8A3}"/>
+                  </a:ext>
+                </a:extLst>
+              </p:cNvPr>
+              <p:cNvSpPr/>
+              <p:nvPr/>
+            </p:nvSpPr>
+            <p:spPr>
+              <a:xfrm>
+                <a:off x="2213797" y="3799102"/>
+                <a:ext cx="934410" cy="395914"/>
+              </a:xfrm>
+              <a:prstGeom prst="roundRect">
+                <a:avLst>
+                  <a:gd name="adj" fmla="val 50000"/>
+                </a:avLst>
+              </a:prstGeom>
+              <a:gradFill flip="none" rotWithShape="1">
+                <a:gsLst>
+                  <a:gs pos="48000">
+                    <a:srgbClr val="A2B4F1"/>
+                  </a:gs>
+                  <a:gs pos="0">
+                    <a:schemeClr val="accent5">
+                      <a:lumMod val="40000"/>
+                      <a:lumOff val="60000"/>
+                    </a:schemeClr>
+                  </a:gs>
+                  <a:gs pos="48000">
+                    <a:schemeClr val="accent4">
+                      <a:lumMod val="97000"/>
+                      <a:lumOff val="3000"/>
+                    </a:schemeClr>
+                  </a:gs>
+                  <a:gs pos="100000">
+                    <a:schemeClr val="accent4">
+                      <a:lumMod val="60000"/>
+                      <a:lumOff val="40000"/>
+                    </a:schemeClr>
+                  </a:gs>
+                </a:gsLst>
+                <a:lin ang="16200000" scaled="1"/>
+                <a:tileRect/>
+              </a:gradFill>
+              <a:ln>
+                <a:solidFill>
+                  <a:schemeClr val="tx1"/>
+                </a:solidFill>
+              </a:ln>
+              <a:effectLst>
+                <a:outerShdw blurRad="50800" dist="38100" dir="2700000" algn="tl" rotWithShape="0">
+                  <a:prstClr val="black">
+                    <a:alpha val="40000"/>
+                  </a:prstClr>
+                </a:outerShdw>
+              </a:effectLst>
+            </p:spPr>
+            <p:style>
+              <a:lnRef idx="2">
+                <a:schemeClr val="accent1">
+                  <a:shade val="50000"/>
+                </a:schemeClr>
+              </a:lnRef>
+              <a:fillRef idx="1">
+                <a:schemeClr val="accent1"/>
+              </a:fillRef>
+              <a:effectRef idx="0">
+                <a:schemeClr val="accent1"/>
+              </a:effectRef>
+              <a:fontRef idx="minor">
+                <a:schemeClr val="lt1"/>
+              </a:fontRef>
+            </p:style>
+            <p:txBody>
+              <a:bodyPr lIns="0" tIns="45720" rIns="0" rtlCol="0" anchor="ctr"/>
+              <a:lstStyle/>
+              <a:p>
+                <a:pPr marL="0" marR="0" lvl="0" indent="0" algn="ctr" defTabSz="914400" rtl="0" eaLnBrk="1" fontAlgn="auto" latinLnBrk="0" hangingPunct="1">
+                  <a:lnSpc>
+                    <a:spcPct val="100000"/>
+                  </a:lnSpc>
+                  <a:spcBef>
+                    <a:spcPts val="0"/>
+                  </a:spcBef>
+                  <a:spcAft>
+                    <a:spcPts val="0"/>
+                  </a:spcAft>
+                  <a:buClrTx/>
+                  <a:buSzTx/>
+                  <a:buFontTx/>
+                  <a:buNone/>
+                  <a:tabLst/>
+                  <a:defRPr/>
+                </a:pPr>
+                <a:r>
+                  <a:rPr kumimoji="0" lang="en-US" sz="1200" i="0" u="none" strike="noStrike" kern="1200" normalizeH="0" baseline="0" noProof="0" dirty="0">
+                    <a:ln w="0"/>
+                    <a:solidFill>
+                      <a:schemeClr val="tx1"/>
+                    </a:solidFill>
+                    <a:effectLst>
+                      <a:outerShdw blurRad="38100" dist="19050" dir="2700000" algn="tl" rotWithShape="0">
+                        <a:schemeClr val="dk1">
+                          <a:alpha val="40000"/>
+                        </a:schemeClr>
+                      </a:outerShdw>
+                    </a:effectLst>
+                    <a:uLnTx/>
+                    <a:uFillTx/>
+                    <a:latin typeface="Amazon Ember Medium"/>
+                    <a:ea typeface="+mn-ea"/>
+                    <a:cs typeface="+mn-cs"/>
+                  </a:rPr>
+                  <a:t>…</a:t>
+                </a:r>
+              </a:p>
+            </p:txBody>
+          </p:sp>
+          <p:sp>
+            <p:nvSpPr>
+              <p:cNvPr id="54" name="Rectangle: Rounded Corners 52">
+                <a:extLst>
+                  <a:ext uri="{FF2B5EF4-FFF2-40B4-BE49-F238E27FC236}">
+                    <a16:creationId xmlns:a16="http://schemas.microsoft.com/office/drawing/2014/main" id="{53FE0DC7-27DE-6FBB-8ED6-CBF895AB07BC}"/>
+                  </a:ext>
+                </a:extLst>
+              </p:cNvPr>
+              <p:cNvSpPr/>
+              <p:nvPr/>
+            </p:nvSpPr>
+            <p:spPr>
+              <a:xfrm>
+                <a:off x="525638" y="3189304"/>
+                <a:ext cx="934410" cy="488792"/>
+              </a:xfrm>
+              <a:prstGeom prst="roundRect">
+                <a:avLst>
+                  <a:gd name="adj" fmla="val 50000"/>
+                </a:avLst>
+              </a:prstGeom>
+              <a:gradFill flip="none" rotWithShape="1">
+                <a:gsLst>
+                  <a:gs pos="48000">
+                    <a:srgbClr val="A2B4F1"/>
+                  </a:gs>
+                  <a:gs pos="0">
+                    <a:schemeClr val="accent5">
+                      <a:lumMod val="40000"/>
+                      <a:lumOff val="60000"/>
+                    </a:schemeClr>
+                  </a:gs>
+                  <a:gs pos="48000">
+                    <a:schemeClr val="accent4">
+                      <a:lumMod val="97000"/>
+                      <a:lumOff val="3000"/>
+                    </a:schemeClr>
+                  </a:gs>
+                  <a:gs pos="100000">
+                    <a:schemeClr val="accent4">
+                      <a:lumMod val="60000"/>
+                      <a:lumOff val="40000"/>
+                    </a:schemeClr>
+                  </a:gs>
+                </a:gsLst>
+                <a:lin ang="16200000" scaled="1"/>
+                <a:tileRect/>
+              </a:gradFill>
+              <a:ln>
+                <a:gradFill flip="none" rotWithShape="1">
+                  <a:gsLst>
+                    <a:gs pos="0">
+                      <a:schemeClr val="accent4"/>
+                    </a:gs>
+                    <a:gs pos="100000">
+                      <a:schemeClr val="accent4">
+                        <a:lumMod val="75000"/>
+                      </a:schemeClr>
+                    </a:gs>
+                  </a:gsLst>
+                  <a:lin ang="18900000" scaled="1"/>
+                  <a:tileRect/>
+                </a:gradFill>
+              </a:ln>
+              <a:effectLst>
+                <a:outerShdw blurRad="50800" dist="38100" dir="2700000" algn="tl" rotWithShape="0">
+                  <a:prstClr val="black">
+                    <a:alpha val="40000"/>
+                  </a:prstClr>
+                </a:outerShdw>
+              </a:effectLst>
+            </p:spPr>
+            <p:style>
+              <a:lnRef idx="2">
+                <a:schemeClr val="accent1">
+                  <a:shade val="50000"/>
+                </a:schemeClr>
+              </a:lnRef>
+              <a:fillRef idx="1">
+                <a:schemeClr val="accent1"/>
+              </a:fillRef>
+              <a:effectRef idx="0">
+                <a:schemeClr val="accent1"/>
+              </a:effectRef>
+              <a:fontRef idx="minor">
+                <a:schemeClr val="lt1"/>
+              </a:fontRef>
+            </p:style>
+            <p:txBody>
+              <a:bodyPr lIns="0" tIns="45720" rIns="0" rtlCol="0" anchor="ctr"/>
+              <a:lstStyle/>
+              <a:p>
+                <a:pPr marL="0" marR="0" lvl="0" indent="0" algn="ctr" defTabSz="914400" rtl="0" eaLnBrk="1" fontAlgn="auto" latinLnBrk="0" hangingPunct="1">
+                  <a:lnSpc>
+                    <a:spcPct val="100000"/>
+                  </a:lnSpc>
+                  <a:spcBef>
+                    <a:spcPts val="0"/>
+                  </a:spcBef>
+                  <a:spcAft>
+                    <a:spcPts val="0"/>
+                  </a:spcAft>
+                  <a:buClrTx/>
+                  <a:buSzTx/>
+                  <a:buFontTx/>
+                  <a:buNone/>
+                  <a:tabLst/>
+                  <a:defRPr/>
+                </a:pPr>
+                <a:r>
+                  <a:rPr kumimoji="0" lang="en-US" sz="1200" i="0" u="none" strike="noStrike" kern="1200" normalizeH="0" baseline="0" noProof="0" dirty="0">
+                    <a:ln w="0"/>
+                    <a:solidFill>
+                      <a:schemeClr val="tx1"/>
+                    </a:solidFill>
+                    <a:effectLst>
+                      <a:outerShdw blurRad="38100" dist="19050" dir="2700000" algn="tl" rotWithShape="0">
+                        <a:schemeClr val="dk1">
+                          <a:alpha val="40000"/>
+                        </a:schemeClr>
+                      </a:outerShdw>
+                    </a:effectLst>
+                    <a:uLnTx/>
+                    <a:uFillTx/>
+                    <a:latin typeface="Amazon Ember Medium"/>
+                    <a:ea typeface="+mn-ea"/>
+                    <a:cs typeface="+mn-cs"/>
+                  </a:rPr>
+                  <a:t>Labeled data</a:t>
+                </a:r>
+              </a:p>
+            </p:txBody>
+          </p:sp>
+          <p:sp>
+            <p:nvSpPr>
+              <p:cNvPr id="55" name="Rectangle: Rounded Corners 124">
+                <a:extLst>
+                  <a:ext uri="{FF2B5EF4-FFF2-40B4-BE49-F238E27FC236}">
+                    <a16:creationId xmlns:a16="http://schemas.microsoft.com/office/drawing/2014/main" id="{AE026C58-835E-1097-D34E-668F43C3967B}"/>
+                  </a:ext>
+                </a:extLst>
+              </p:cNvPr>
+              <p:cNvSpPr/>
+              <p:nvPr/>
+            </p:nvSpPr>
+            <p:spPr>
+              <a:xfrm>
+                <a:off x="525638" y="2668501"/>
+                <a:ext cx="934410" cy="388148"/>
+              </a:xfrm>
+              <a:prstGeom prst="roundRect">
+                <a:avLst>
+                  <a:gd name="adj" fmla="val 50000"/>
+                </a:avLst>
+              </a:prstGeom>
+              <a:gradFill flip="none" rotWithShape="1">
+                <a:gsLst>
+                  <a:gs pos="48000">
+                    <a:srgbClr val="A2B4F1"/>
+                  </a:gs>
+                  <a:gs pos="0">
+                    <a:schemeClr val="accent5">
+                      <a:lumMod val="40000"/>
+                      <a:lumOff val="60000"/>
+                    </a:schemeClr>
+                  </a:gs>
+                  <a:gs pos="48000">
+                    <a:schemeClr val="accent4">
+                      <a:lumMod val="97000"/>
+                      <a:lumOff val="3000"/>
+                    </a:schemeClr>
+                  </a:gs>
+                  <a:gs pos="100000">
+                    <a:schemeClr val="accent4">
+                      <a:lumMod val="60000"/>
+                      <a:lumOff val="40000"/>
+                    </a:schemeClr>
+                  </a:gs>
+                </a:gsLst>
+                <a:lin ang="16200000" scaled="1"/>
+                <a:tileRect/>
+              </a:gradFill>
+              <a:ln>
+                <a:gradFill flip="none" rotWithShape="1">
+                  <a:gsLst>
+                    <a:gs pos="0">
+                      <a:schemeClr val="accent4"/>
+                    </a:gs>
+                    <a:gs pos="100000">
+                      <a:schemeClr val="accent4">
+                        <a:lumMod val="75000"/>
+                      </a:schemeClr>
+                    </a:gs>
+                  </a:gsLst>
+                  <a:lin ang="18900000" scaled="1"/>
+                  <a:tileRect/>
+                </a:gradFill>
+              </a:ln>
+              <a:effectLst>
+                <a:outerShdw blurRad="50800" dist="38100" dir="2700000" algn="tl" rotWithShape="0">
+                  <a:prstClr val="black">
+                    <a:alpha val="40000"/>
+                  </a:prstClr>
+                </a:outerShdw>
+              </a:effectLst>
+            </p:spPr>
+            <p:style>
+              <a:lnRef idx="2">
+                <a:schemeClr val="accent1">
+                  <a:shade val="50000"/>
+                </a:schemeClr>
+              </a:lnRef>
+              <a:fillRef idx="1">
+                <a:schemeClr val="accent1"/>
+              </a:fillRef>
+              <a:effectRef idx="0">
+                <a:schemeClr val="accent1"/>
+              </a:effectRef>
+              <a:fontRef idx="minor">
+                <a:schemeClr val="lt1"/>
+              </a:fontRef>
+            </p:style>
+            <p:txBody>
+              <a:bodyPr lIns="0" tIns="45720" rIns="0" rtlCol="0" anchor="ctr"/>
+              <a:lstStyle/>
+              <a:p>
+                <a:pPr marL="0" marR="0" lvl="0" indent="0" algn="ctr" defTabSz="914400" rtl="0" eaLnBrk="1" fontAlgn="auto" latinLnBrk="0" hangingPunct="1">
+                  <a:lnSpc>
+                    <a:spcPct val="100000"/>
+                  </a:lnSpc>
+                  <a:spcBef>
+                    <a:spcPts val="0"/>
+                  </a:spcBef>
+                  <a:spcAft>
+                    <a:spcPts val="0"/>
+                  </a:spcAft>
+                  <a:buClrTx/>
+                  <a:buSzTx/>
+                  <a:buFontTx/>
+                  <a:buNone/>
+                  <a:tabLst/>
+                  <a:defRPr/>
+                </a:pPr>
+                <a:r>
+                  <a:rPr kumimoji="0" lang="en-US" sz="1200" i="0" u="none" strike="noStrike" kern="1200" normalizeH="0" baseline="0" noProof="0" dirty="0">
+                    <a:ln w="0"/>
+                    <a:solidFill>
+                      <a:schemeClr val="tx1"/>
+                    </a:solidFill>
+                    <a:effectLst>
+                      <a:outerShdw blurRad="38100" dist="19050" dir="2700000" algn="tl" rotWithShape="0">
+                        <a:schemeClr val="dk1">
+                          <a:alpha val="40000"/>
+                        </a:schemeClr>
+                      </a:outerShdw>
+                    </a:effectLst>
+                    <a:uLnTx/>
+                    <a:uFillTx/>
+                    <a:latin typeface="Amazon Ember Medium"/>
+                    <a:ea typeface="+mn-ea"/>
+                    <a:cs typeface="+mn-cs"/>
+                  </a:rPr>
+                  <a:t>…</a:t>
+                </a:r>
+              </a:p>
+            </p:txBody>
+          </p:sp>
+          <p:sp>
+            <p:nvSpPr>
+              <p:cNvPr id="56" name="Rectangle: Rounded Corners 126">
+                <a:extLst>
+                  <a:ext uri="{FF2B5EF4-FFF2-40B4-BE49-F238E27FC236}">
+                    <a16:creationId xmlns:a16="http://schemas.microsoft.com/office/drawing/2014/main" id="{94D49CAF-065D-F38F-1AAC-EF3B95869463}"/>
+                  </a:ext>
+                </a:extLst>
+              </p:cNvPr>
+              <p:cNvSpPr/>
+              <p:nvPr/>
+            </p:nvSpPr>
+            <p:spPr>
+              <a:xfrm>
+                <a:off x="525638" y="2093493"/>
+                <a:ext cx="934410" cy="388148"/>
+              </a:xfrm>
+              <a:prstGeom prst="roundRect">
+                <a:avLst>
+                  <a:gd name="adj" fmla="val 50000"/>
+                </a:avLst>
+              </a:prstGeom>
+              <a:gradFill flip="none" rotWithShape="1">
+                <a:gsLst>
+                  <a:gs pos="48000">
+                    <a:srgbClr val="A2B4F1"/>
+                  </a:gs>
+                  <a:gs pos="0">
+                    <a:schemeClr val="accent5">
+                      <a:lumMod val="40000"/>
+                      <a:lumOff val="60000"/>
+                    </a:schemeClr>
+                  </a:gs>
+                  <a:gs pos="48000">
+                    <a:schemeClr val="accent4">
+                      <a:lumMod val="97000"/>
+                      <a:lumOff val="3000"/>
+                    </a:schemeClr>
+                  </a:gs>
+                  <a:gs pos="100000">
+                    <a:schemeClr val="accent4">
+                      <a:lumMod val="60000"/>
+                      <a:lumOff val="40000"/>
+                    </a:schemeClr>
+                  </a:gs>
+                </a:gsLst>
+                <a:lin ang="16200000" scaled="1"/>
+                <a:tileRect/>
+              </a:gradFill>
+              <a:ln>
+                <a:gradFill flip="none" rotWithShape="1">
+                  <a:gsLst>
+                    <a:gs pos="0">
+                      <a:schemeClr val="accent4"/>
+                    </a:gs>
+                    <a:gs pos="100000">
+                      <a:schemeClr val="accent4">
+                        <a:lumMod val="75000"/>
+                      </a:schemeClr>
+                    </a:gs>
+                  </a:gsLst>
+                  <a:lin ang="18900000" scaled="1"/>
+                  <a:tileRect/>
+                </a:gradFill>
+              </a:ln>
+              <a:effectLst>
+                <a:outerShdw blurRad="50800" dist="38100" dir="2700000" algn="tl" rotWithShape="0">
+                  <a:prstClr val="black">
+                    <a:alpha val="40000"/>
+                  </a:prstClr>
+                </a:outerShdw>
+              </a:effectLst>
+            </p:spPr>
+            <p:style>
+              <a:lnRef idx="2">
+                <a:schemeClr val="accent1">
+                  <a:shade val="50000"/>
+                </a:schemeClr>
+              </a:lnRef>
+              <a:fillRef idx="1">
+                <a:schemeClr val="accent1"/>
+              </a:fillRef>
+              <a:effectRef idx="0">
+                <a:schemeClr val="accent1"/>
+              </a:effectRef>
+              <a:fontRef idx="minor">
+                <a:schemeClr val="lt1"/>
+              </a:fontRef>
+            </p:style>
+            <p:txBody>
+              <a:bodyPr lIns="0" tIns="45720" rIns="0" rtlCol="0" anchor="ctr"/>
+              <a:lstStyle/>
+              <a:p>
+                <a:pPr marL="0" marR="0" lvl="0" indent="0" algn="ctr" defTabSz="914400" rtl="0" eaLnBrk="1" fontAlgn="auto" latinLnBrk="0" hangingPunct="1">
+                  <a:lnSpc>
+                    <a:spcPct val="100000"/>
+                  </a:lnSpc>
+                  <a:spcBef>
+                    <a:spcPts val="0"/>
+                  </a:spcBef>
+                  <a:spcAft>
+                    <a:spcPts val="0"/>
+                  </a:spcAft>
+                  <a:buClrTx/>
+                  <a:buSzTx/>
+                  <a:buFontTx/>
+                  <a:buNone/>
+                  <a:tabLst/>
+                  <a:defRPr/>
+                </a:pPr>
+                <a:r>
+                  <a:rPr kumimoji="0" lang="en-US" sz="1200" i="0" u="none" strike="noStrike" kern="1200" normalizeH="0" baseline="0" noProof="0" dirty="0">
+                    <a:ln w="0"/>
+                    <a:solidFill>
+                      <a:schemeClr val="tx1"/>
+                    </a:solidFill>
+                    <a:effectLst>
+                      <a:outerShdw blurRad="38100" dist="19050" dir="2700000" algn="tl" rotWithShape="0">
+                        <a:schemeClr val="dk1">
+                          <a:alpha val="40000"/>
+                        </a:schemeClr>
+                      </a:outerShdw>
+                    </a:effectLst>
+                    <a:uLnTx/>
+                    <a:uFillTx/>
+                    <a:latin typeface="Amazon Ember Medium"/>
+                    <a:ea typeface="+mn-ea"/>
+                    <a:cs typeface="+mn-cs"/>
+                  </a:rPr>
+                  <a:t>…</a:t>
+                </a:r>
+              </a:p>
+            </p:txBody>
+          </p:sp>
+          <p:sp>
+            <p:nvSpPr>
+              <p:cNvPr id="57" name="Rectangle: Rounded Corners 2240">
+                <a:extLst>
+                  <a:ext uri="{FF2B5EF4-FFF2-40B4-BE49-F238E27FC236}">
+                    <a16:creationId xmlns:a16="http://schemas.microsoft.com/office/drawing/2014/main" id="{60DCD053-A68D-B499-9B0E-FD6F8AA00CAA}"/>
+                  </a:ext>
+                </a:extLst>
+              </p:cNvPr>
+              <p:cNvSpPr/>
+              <p:nvPr/>
+            </p:nvSpPr>
+            <p:spPr>
+              <a:xfrm>
+                <a:off x="525638" y="4377992"/>
+                <a:ext cx="934410" cy="388148"/>
+              </a:xfrm>
+              <a:prstGeom prst="roundRect">
+                <a:avLst>
+                  <a:gd name="adj" fmla="val 50000"/>
+                </a:avLst>
+              </a:prstGeom>
+              <a:gradFill flip="none" rotWithShape="1">
+                <a:gsLst>
+                  <a:gs pos="48000">
+                    <a:srgbClr val="A2B4F1"/>
+                  </a:gs>
+                  <a:gs pos="0">
+                    <a:schemeClr val="accent5">
+                      <a:lumMod val="40000"/>
+                      <a:lumOff val="60000"/>
+                    </a:schemeClr>
+                  </a:gs>
+                  <a:gs pos="48000">
+                    <a:schemeClr val="accent4">
+                      <a:lumMod val="97000"/>
+                      <a:lumOff val="3000"/>
+                    </a:schemeClr>
+                  </a:gs>
+                  <a:gs pos="100000">
+                    <a:schemeClr val="accent4">
+                      <a:lumMod val="60000"/>
+                      <a:lumOff val="40000"/>
+                    </a:schemeClr>
+                  </a:gs>
+                </a:gsLst>
+                <a:lin ang="16200000" scaled="1"/>
+                <a:tileRect/>
+              </a:gradFill>
+              <a:ln>
+                <a:gradFill flip="none" rotWithShape="1">
+                  <a:gsLst>
+                    <a:gs pos="0">
+                      <a:schemeClr val="accent4"/>
+                    </a:gs>
+                    <a:gs pos="100000">
+                      <a:schemeClr val="accent4">
+                        <a:lumMod val="75000"/>
+                      </a:schemeClr>
+                    </a:gs>
+                  </a:gsLst>
+                  <a:lin ang="18900000" scaled="1"/>
+                  <a:tileRect/>
+                </a:gradFill>
+              </a:ln>
+              <a:effectLst>
+                <a:outerShdw blurRad="50800" dist="38100" dir="2700000" algn="tl" rotWithShape="0">
+                  <a:prstClr val="black">
+                    <a:alpha val="40000"/>
+                  </a:prstClr>
+                </a:outerShdw>
+              </a:effectLst>
+            </p:spPr>
+            <p:style>
+              <a:lnRef idx="2">
+                <a:schemeClr val="accent1">
+                  <a:shade val="50000"/>
+                </a:schemeClr>
+              </a:lnRef>
+              <a:fillRef idx="1">
+                <a:schemeClr val="accent1"/>
+              </a:fillRef>
+              <a:effectRef idx="0">
+                <a:schemeClr val="accent1"/>
+              </a:effectRef>
+              <a:fontRef idx="minor">
+                <a:schemeClr val="lt1"/>
+              </a:fontRef>
+            </p:style>
+            <p:txBody>
+              <a:bodyPr lIns="0" tIns="45720" rIns="0" rtlCol="0" anchor="ctr"/>
+              <a:lstStyle/>
+              <a:p>
+                <a:pPr marL="0" marR="0" lvl="0" indent="0" algn="ctr" defTabSz="914400" rtl="0" eaLnBrk="1" fontAlgn="auto" latinLnBrk="0" hangingPunct="1">
+                  <a:lnSpc>
+                    <a:spcPct val="100000"/>
+                  </a:lnSpc>
+                  <a:spcBef>
+                    <a:spcPts val="0"/>
+                  </a:spcBef>
+                  <a:spcAft>
+                    <a:spcPts val="0"/>
+                  </a:spcAft>
+                  <a:buClrTx/>
+                  <a:buSzTx/>
+                  <a:buFontTx/>
+                  <a:buNone/>
+                  <a:tabLst/>
+                  <a:defRPr/>
+                </a:pPr>
+                <a:r>
+                  <a:rPr kumimoji="0" lang="en-US" sz="1200" i="0" u="none" strike="noStrike" kern="1200" normalizeH="0" baseline="0" noProof="0" dirty="0">
+                    <a:ln w="0"/>
+                    <a:solidFill>
+                      <a:schemeClr val="tx1"/>
+                    </a:solidFill>
+                    <a:effectLst>
+                      <a:outerShdw blurRad="38100" dist="19050" dir="2700000" algn="tl" rotWithShape="0">
+                        <a:schemeClr val="dk1">
+                          <a:alpha val="40000"/>
+                        </a:schemeClr>
+                      </a:outerShdw>
+                    </a:effectLst>
+                    <a:uLnTx/>
+                    <a:uFillTx/>
+                    <a:latin typeface="Amazon Ember Medium"/>
+                    <a:ea typeface="+mn-ea"/>
+                    <a:cs typeface="+mn-cs"/>
+                  </a:rPr>
+                  <a:t>…</a:t>
+                </a:r>
+              </a:p>
+            </p:txBody>
+          </p:sp>
+          <p:sp>
+            <p:nvSpPr>
+              <p:cNvPr id="58" name="Rectangle: Rounded Corners 2242">
+                <a:extLst>
+                  <a:ext uri="{FF2B5EF4-FFF2-40B4-BE49-F238E27FC236}">
+                    <a16:creationId xmlns:a16="http://schemas.microsoft.com/office/drawing/2014/main" id="{7BBC9562-8E82-2416-EC4D-CC63E5E6983F}"/>
+                  </a:ext>
+                </a:extLst>
+              </p:cNvPr>
+              <p:cNvSpPr/>
+              <p:nvPr/>
+            </p:nvSpPr>
+            <p:spPr>
+              <a:xfrm>
+                <a:off x="525638" y="3802985"/>
+                <a:ext cx="934410" cy="388148"/>
+              </a:xfrm>
+              <a:prstGeom prst="roundRect">
+                <a:avLst>
+                  <a:gd name="adj" fmla="val 50000"/>
+                </a:avLst>
+              </a:prstGeom>
+              <a:gradFill flip="none" rotWithShape="1">
+                <a:gsLst>
+                  <a:gs pos="48000">
+                    <a:srgbClr val="A2B4F1"/>
+                  </a:gs>
+                  <a:gs pos="0">
+                    <a:schemeClr val="accent5">
+                      <a:lumMod val="40000"/>
+                      <a:lumOff val="60000"/>
+                    </a:schemeClr>
+                  </a:gs>
+                  <a:gs pos="48000">
+                    <a:schemeClr val="accent4">
+                      <a:lumMod val="97000"/>
+                      <a:lumOff val="3000"/>
+                    </a:schemeClr>
+                  </a:gs>
+                  <a:gs pos="100000">
+                    <a:schemeClr val="accent4">
+                      <a:lumMod val="60000"/>
+                      <a:lumOff val="40000"/>
+                    </a:schemeClr>
+                  </a:gs>
+                </a:gsLst>
+                <a:lin ang="16200000" scaled="1"/>
+                <a:tileRect/>
+              </a:gradFill>
+              <a:ln>
+                <a:gradFill flip="none" rotWithShape="1">
+                  <a:gsLst>
+                    <a:gs pos="0">
+                      <a:schemeClr val="accent4"/>
+                    </a:gs>
+                    <a:gs pos="100000">
+                      <a:schemeClr val="accent4">
+                        <a:lumMod val="75000"/>
+                      </a:schemeClr>
+                    </a:gs>
+                  </a:gsLst>
+                  <a:lin ang="18900000" scaled="1"/>
+                  <a:tileRect/>
+                </a:gradFill>
+              </a:ln>
+              <a:effectLst>
+                <a:outerShdw blurRad="50800" dist="38100" dir="2700000" algn="tl" rotWithShape="0">
+                  <a:prstClr val="black">
+                    <a:alpha val="40000"/>
+                  </a:prstClr>
+                </a:outerShdw>
+              </a:effectLst>
+            </p:spPr>
+            <p:style>
+              <a:lnRef idx="2">
+                <a:schemeClr val="accent1">
+                  <a:shade val="50000"/>
+                </a:schemeClr>
+              </a:lnRef>
+              <a:fillRef idx="1">
+                <a:schemeClr val="accent1"/>
+              </a:fillRef>
+              <a:effectRef idx="0">
+                <a:schemeClr val="accent1"/>
+              </a:effectRef>
+              <a:fontRef idx="minor">
+                <a:schemeClr val="lt1"/>
+              </a:fontRef>
+            </p:style>
+            <p:txBody>
+              <a:bodyPr lIns="0" tIns="45720" rIns="0" rtlCol="0" anchor="ctr"/>
+              <a:lstStyle/>
+              <a:p>
+                <a:pPr marL="0" marR="0" lvl="0" indent="0" algn="ctr" defTabSz="914400" rtl="0" eaLnBrk="1" fontAlgn="auto" latinLnBrk="0" hangingPunct="1">
+                  <a:lnSpc>
+                    <a:spcPct val="100000"/>
+                  </a:lnSpc>
+                  <a:spcBef>
+                    <a:spcPts val="0"/>
+                  </a:spcBef>
+                  <a:spcAft>
+                    <a:spcPts val="0"/>
+                  </a:spcAft>
+                  <a:buClrTx/>
+                  <a:buSzTx/>
+                  <a:buFontTx/>
+                  <a:buNone/>
+                  <a:tabLst/>
+                  <a:defRPr/>
+                </a:pPr>
+                <a:r>
+                  <a:rPr kumimoji="0" lang="en-US" sz="1200" i="0" u="none" strike="noStrike" kern="1200" normalizeH="0" baseline="0" noProof="0" dirty="0">
+                    <a:ln w="0"/>
+                    <a:solidFill>
+                      <a:schemeClr val="tx1"/>
+                    </a:solidFill>
+                    <a:effectLst>
+                      <a:outerShdw blurRad="38100" dist="19050" dir="2700000" algn="tl" rotWithShape="0">
+                        <a:schemeClr val="dk1">
+                          <a:alpha val="40000"/>
+                        </a:schemeClr>
+                      </a:outerShdw>
+                    </a:effectLst>
+                    <a:uLnTx/>
+                    <a:uFillTx/>
+                    <a:latin typeface="Amazon Ember Medium"/>
+                    <a:ea typeface="+mn-ea"/>
+                    <a:cs typeface="+mn-cs"/>
+                  </a:rPr>
+                  <a:t>…</a:t>
+                </a:r>
+              </a:p>
+            </p:txBody>
+          </p:sp>
+        </p:grpSp>
         <p:sp>
           <p:nvSpPr>
-            <p:cNvPr id="27" name="Rectangle: Rounded Corners 2272">
+            <p:cNvPr id="61" name="Rectangle: Rounded Corners 3361">
               <a:extLst>
                 <a:ext uri="{FF2B5EF4-FFF2-40B4-BE49-F238E27FC236}">
-                  <a16:creationId xmlns:a16="http://schemas.microsoft.com/office/drawing/2014/main" id="{06A3A888-440C-32DF-4820-E50C1AE6DF73}"/>
+                  <a16:creationId xmlns:a16="http://schemas.microsoft.com/office/drawing/2014/main" id="{B9259E35-AE69-3A77-AA7B-F2C5110ECF30}"/>
                 </a:ext>
               </a:extLst>
             </p:cNvPr>
@@ -23847,20 +26558,48 @@
           </p:nvSpPr>
           <p:spPr>
             <a:xfrm>
-              <a:off x="178173" y="1086229"/>
-              <a:ext cx="5789004" cy="4829705"/>
+              <a:off x="3954147" y="2429741"/>
+              <a:ext cx="1454462" cy="347996"/>
             </a:xfrm>
             <a:prstGeom prst="roundRect">
               <a:avLst>
-                <a:gd name="adj" fmla="val 2875"/>
+                <a:gd name="adj" fmla="val 50000"/>
               </a:avLst>
             </a:prstGeom>
-            <a:solidFill>
-              <a:schemeClr val="bg1"/>
-            </a:solidFill>
-            <a:ln>
-              <a:noFill/>
+            <a:gradFill>
+              <a:gsLst>
+                <a:gs pos="0">
+                  <a:schemeClr val="accent5">
+                    <a:lumMod val="75000"/>
+                  </a:schemeClr>
+                </a:gs>
+                <a:gs pos="50000">
+                  <a:schemeClr val="accent3">
+                    <a:shade val="67500"/>
+                    <a:satMod val="115000"/>
+                  </a:schemeClr>
+                </a:gs>
+                <a:gs pos="100000">
+                  <a:schemeClr val="accent3">
+                    <a:shade val="100000"/>
+                    <a:satMod val="115000"/>
+                  </a:schemeClr>
+                </a:gs>
+              </a:gsLst>
+              <a:lin ang="2700000" scaled="1"/>
+            </a:gradFill>
+            <a:ln w="19050">
+              <a:solidFill>
+                <a:schemeClr val="tx1"/>
+              </a:solidFill>
             </a:ln>
+            <a:effectLst>
+              <a:outerShdw blurRad="50800" dist="38100" dir="2700000" algn="tl" rotWithShape="0">
+                <a:prstClr val="black">
+                  <a:alpha val="40000"/>
+                </a:prstClr>
+              </a:outerShdw>
+            </a:effectLst>
           </p:spPr>
           <p:style>
             <a:lnRef idx="2">
@@ -23899,29 +26638,32 @@
                 <a:tabLst/>
                 <a:defRPr/>
               </a:pPr>
-              <a:endParaRPr kumimoji="0" lang="en-US" sz="1800" b="0" i="0" u="none" strike="noStrike" kern="1200" cap="none" spc="0" normalizeH="0" baseline="0" noProof="0" dirty="0">
-                <a:ln>
-                  <a:noFill/>
-                </a:ln>
-                <a:solidFill>
-                  <a:srgbClr val="000000"/>
-                </a:solidFill>
-                <a:effectLst/>
-                <a:uLnTx/>
-                <a:uFillTx/>
-                <a:latin typeface="Amazon Ember Display" panose="020F0603020204020204" pitchFamily="34" charset="0"/>
-                <a:ea typeface="+mn-ea"/>
-                <a:cs typeface="+mn-cs"/>
-              </a:endParaRPr>
+              <a:r>
+                <a:rPr kumimoji="0" lang="en-US" sz="1200" b="1" i="0" u="none" strike="noStrike" kern="1200" cap="none" spc="0" normalizeH="0" baseline="0" noProof="0" dirty="0">
+                  <a:ln>
+                    <a:noFill/>
+                  </a:ln>
+                  <a:solidFill>
+                    <a:srgbClr val="FFFFFF"/>
+                  </a:solidFill>
+                  <a:effectLst/>
+                  <a:uLnTx/>
+                  <a:uFillTx/>
+                  <a:latin typeface="Amazon Ember Display" panose="020F0603020204020204" pitchFamily="34" charset="0"/>
+                  <a:ea typeface="+mn-ea"/>
+                  <a:cs typeface="+mn-cs"/>
+                </a:rPr>
+                <a:t>Text generation</a:t>
+              </a:r>
             </a:p>
           </p:txBody>
         </p:sp>
         <p:sp>
           <p:nvSpPr>
-            <p:cNvPr id="28" name="Rectangle 27">
+            <p:cNvPr id="62" name="Rectangle: Rounded Corners 3362">
               <a:extLst>
                 <a:ext uri="{FF2B5EF4-FFF2-40B4-BE49-F238E27FC236}">
-                  <a16:creationId xmlns:a16="http://schemas.microsoft.com/office/drawing/2014/main" id="{8DAC4E99-73F0-99DB-0ECA-086252078250}"/>
+                  <a16:creationId xmlns:a16="http://schemas.microsoft.com/office/drawing/2014/main" id="{AABE9B7F-B2D3-80F9-B551-7858562CA11B}"/>
                 </a:ext>
               </a:extLst>
             </p:cNvPr>
@@ -23930,19 +26672,48 @@
           </p:nvSpPr>
           <p:spPr>
             <a:xfrm>
-              <a:off x="2810765" y="1725949"/>
-              <a:ext cx="1418227" cy="3600794"/>
+              <a:off x="3954147" y="2951252"/>
+              <a:ext cx="1454462" cy="347996"/>
             </a:xfrm>
-            <a:prstGeom prst="rect">
-              <a:avLst/>
+            <a:prstGeom prst="roundRect">
+              <a:avLst>
+                <a:gd name="adj" fmla="val 50000"/>
+              </a:avLst>
             </a:prstGeom>
-            <a:noFill/>
-            <a:ln>
+            <a:gradFill>
+              <a:gsLst>
+                <a:gs pos="0">
+                  <a:schemeClr val="accent5">
+                    <a:lumMod val="75000"/>
+                  </a:schemeClr>
+                </a:gs>
+                <a:gs pos="50000">
+                  <a:schemeClr val="accent3">
+                    <a:shade val="67500"/>
+                    <a:satMod val="115000"/>
+                  </a:schemeClr>
+                </a:gs>
+                <a:gs pos="100000">
+                  <a:schemeClr val="accent3">
+                    <a:shade val="100000"/>
+                    <a:satMod val="115000"/>
+                  </a:schemeClr>
+                </a:gs>
+              </a:gsLst>
+              <a:lin ang="2700000" scaled="1"/>
+            </a:gradFill>
+            <a:ln w="19050">
               <a:solidFill>
                 <a:schemeClr val="tx1"/>
               </a:solidFill>
-              <a:prstDash val="dash"/>
             </a:ln>
+            <a:effectLst>
+              <a:outerShdw blurRad="50800" dist="38100" dir="2700000" algn="tl" rotWithShape="0">
+                <a:prstClr val="black">
+                  <a:alpha val="40000"/>
+                </a:prstClr>
+              </a:outerShdw>
+            </a:effectLst>
           </p:spPr>
           <p:style>
             <a:lnRef idx="2">
@@ -23981,29 +26752,32 @@
                 <a:tabLst/>
                 <a:defRPr/>
               </a:pPr>
-              <a:endParaRPr kumimoji="0" lang="en-US" sz="1800" b="0" i="0" u="none" strike="noStrike" kern="1200" cap="none" spc="0" normalizeH="0" baseline="0" noProof="0" dirty="0">
-                <a:ln>
-                  <a:noFill/>
-                </a:ln>
-                <a:solidFill>
-                  <a:srgbClr val="FFFFFF"/>
-                </a:solidFill>
-                <a:effectLst/>
-                <a:uLnTx/>
-                <a:uFillTx/>
-                <a:latin typeface="Amazon Ember Light"/>
-                <a:ea typeface="+mn-ea"/>
-                <a:cs typeface="+mn-cs"/>
-              </a:endParaRPr>
+              <a:r>
+                <a:rPr kumimoji="0" lang="en-US" sz="1200" b="1" i="0" u="none" strike="noStrike" kern="1200" cap="none" spc="0" normalizeH="0" baseline="0" noProof="0" dirty="0">
+                  <a:ln>
+                    <a:noFill/>
+                  </a:ln>
+                  <a:solidFill>
+                    <a:srgbClr val="FFFFFF"/>
+                  </a:solidFill>
+                  <a:effectLst/>
+                  <a:uLnTx/>
+                  <a:uFillTx/>
+                  <a:latin typeface="Amazon Ember Display" panose="020F0603020204020204" pitchFamily="34" charset="0"/>
+                  <a:ea typeface="+mn-ea"/>
+                  <a:cs typeface="+mn-cs"/>
+                </a:rPr>
+                <a:t>Summarization</a:t>
+              </a:r>
             </a:p>
           </p:txBody>
         </p:sp>
         <p:sp>
           <p:nvSpPr>
-            <p:cNvPr id="29" name="Rectangle 28">
+            <p:cNvPr id="63" name="Rectangle: Rounded Corners 3363">
               <a:extLst>
                 <a:ext uri="{FF2B5EF4-FFF2-40B4-BE49-F238E27FC236}">
-                  <a16:creationId xmlns:a16="http://schemas.microsoft.com/office/drawing/2014/main" id="{FBC8F585-A5A6-37E9-72EC-674BCDDF2CAA}"/>
+                  <a16:creationId xmlns:a16="http://schemas.microsoft.com/office/drawing/2014/main" id="{EBDCDC15-6299-3A2B-43B6-0B9124F9FA37}"/>
                 </a:ext>
               </a:extLst>
             </p:cNvPr>
@@ -24012,19 +26786,48 @@
           </p:nvSpPr>
           <p:spPr>
             <a:xfrm>
-              <a:off x="1132114" y="1725949"/>
-              <a:ext cx="1418227" cy="3600794"/>
+              <a:off x="3954147" y="3472764"/>
+              <a:ext cx="1454462" cy="347996"/>
             </a:xfrm>
-            <a:prstGeom prst="rect">
-              <a:avLst/>
+            <a:prstGeom prst="roundRect">
+              <a:avLst>
+                <a:gd name="adj" fmla="val 50000"/>
+              </a:avLst>
             </a:prstGeom>
-            <a:noFill/>
-            <a:ln>
+            <a:gradFill>
+              <a:gsLst>
+                <a:gs pos="0">
+                  <a:schemeClr val="accent5">
+                    <a:lumMod val="75000"/>
+                  </a:schemeClr>
+                </a:gs>
+                <a:gs pos="50000">
+                  <a:schemeClr val="accent3">
+                    <a:shade val="67500"/>
+                    <a:satMod val="115000"/>
+                  </a:schemeClr>
+                </a:gs>
+                <a:gs pos="100000">
+                  <a:schemeClr val="accent3">
+                    <a:shade val="100000"/>
+                    <a:satMod val="115000"/>
+                  </a:schemeClr>
+                </a:gs>
+              </a:gsLst>
+              <a:lin ang="2700000" scaled="1"/>
+            </a:gradFill>
+            <a:ln w="19050">
               <a:solidFill>
                 <a:schemeClr val="tx1"/>
               </a:solidFill>
-              <a:prstDash val="dash"/>
             </a:ln>
+            <a:effectLst>
+              <a:outerShdw blurRad="50800" dist="38100" dir="2700000" algn="tl" rotWithShape="0">
+                <a:prstClr val="black">
+                  <a:alpha val="40000"/>
+                </a:prstClr>
+              </a:outerShdw>
+            </a:effectLst>
           </p:spPr>
           <p:style>
             <a:lnRef idx="2">
@@ -24063,280 +26866,8 @@
                 <a:tabLst/>
                 <a:defRPr/>
               </a:pPr>
-              <a:endParaRPr kumimoji="0" lang="en-US" sz="1800" b="0" i="0" u="none" strike="noStrike" kern="1200" cap="none" spc="0" normalizeH="0" baseline="0" noProof="0" dirty="0">
-                <a:ln>
-                  <a:noFill/>
-                </a:ln>
-                <a:solidFill>
-                  <a:srgbClr val="FFFFFF"/>
-                </a:solidFill>
-                <a:effectLst/>
-                <a:uLnTx/>
-                <a:uFillTx/>
-                <a:latin typeface="Amazon Ember Light"/>
-                <a:ea typeface="+mn-ea"/>
-                <a:cs typeface="+mn-cs"/>
-              </a:endParaRPr>
-            </a:p>
-          </p:txBody>
-        </p:sp>
-        <p:grpSp>
-          <p:nvGrpSpPr>
-            <p:cNvPr id="30" name="Group 29">
-              <a:extLst>
-                <a:ext uri="{FF2B5EF4-FFF2-40B4-BE49-F238E27FC236}">
-                  <a16:creationId xmlns:a16="http://schemas.microsoft.com/office/drawing/2014/main" id="{9B13BCE1-FB5D-DEAA-A6F4-883C74EDCCA3}"/>
-                </a:ext>
-              </a:extLst>
-            </p:cNvPr>
-            <p:cNvGrpSpPr/>
-            <p:nvPr/>
-          </p:nvGrpSpPr>
-          <p:grpSpPr>
-            <a:xfrm>
-              <a:off x="17018" y="1086229"/>
-              <a:ext cx="6206490" cy="5430948"/>
-              <a:chOff x="576600" y="1712208"/>
-              <a:chExt cx="5476875" cy="3915842"/>
-            </a:xfrm>
-          </p:grpSpPr>
-          <p:sp>
-            <p:nvSpPr>
-              <p:cNvPr id="59" name="Content Placeholder 3">
-                <a:extLst>
-                  <a:ext uri="{FF2B5EF4-FFF2-40B4-BE49-F238E27FC236}">
-                    <a16:creationId xmlns:a16="http://schemas.microsoft.com/office/drawing/2014/main" id="{FCA8C8C5-5A5E-986B-8E3A-F24E7E7E7341}"/>
-                  </a:ext>
-                </a:extLst>
-              </p:cNvPr>
-              <p:cNvSpPr txBox="1">
-                <a:spLocks/>
-              </p:cNvSpPr>
-              <p:nvPr/>
-            </p:nvSpPr>
-            <p:spPr>
-              <a:xfrm>
-                <a:off x="704377" y="1712208"/>
-                <a:ext cx="5108467" cy="3482332"/>
-              </a:xfrm>
-              <a:prstGeom prst="roundRect">
-                <a:avLst>
-                  <a:gd name="adj" fmla="val 3012"/>
-                </a:avLst>
-              </a:prstGeom>
-              <a:ln w="50800">
-                <a:solidFill>
-                  <a:schemeClr val="tx2">
-                    <a:lumMod val="60000"/>
-                    <a:lumOff val="40000"/>
-                  </a:schemeClr>
-                </a:solidFill>
-              </a:ln>
-            </p:spPr>
-            <p:txBody>
-              <a:bodyPr lIns="91440" tIns="91440" rIns="91440" bIns="91440" anchor="ctr" anchorCtr="0">
-                <a:noAutofit/>
-              </a:bodyPr>
-              <a:lstStyle>
-                <a:lvl1pPr marL="228600" indent="-228600" algn="l" defTabSz="914400" rtl="0" eaLnBrk="1" latinLnBrk="0" hangingPunct="1">
-                  <a:lnSpc>
-                    <a:spcPct val="90000"/>
-                  </a:lnSpc>
-                  <a:spcBef>
-                    <a:spcPts val="0"/>
-                  </a:spcBef>
-                  <a:spcAft>
-                    <a:spcPts val="1200"/>
-                  </a:spcAft>
-                  <a:buSzPct val="90000"/>
-                  <a:buFont typeface="Arial" panose="020B0604020202020204" pitchFamily="34" charset="0"/>
-                  <a:buChar char="•"/>
-                  <a:defRPr sz="2400" kern="1200">
-                    <a:solidFill>
-                      <a:schemeClr val="tx1"/>
-                    </a:solidFill>
-                    <a:latin typeface="Amazon Ember Display" panose="020F0603020204020204" pitchFamily="34" charset="0"/>
-                    <a:ea typeface="Amazon Ember Display" panose="020F0603020204020204" pitchFamily="34" charset="0"/>
-                    <a:cs typeface="Amazon Ember Display" panose="020F0603020204020204" pitchFamily="34" charset="0"/>
-                  </a:defRPr>
-                </a:lvl1pPr>
-                <a:lvl2pPr marL="514350" indent="-228600" algn="l" defTabSz="914400" rtl="0" eaLnBrk="1" latinLnBrk="0" hangingPunct="1">
-                  <a:lnSpc>
-                    <a:spcPct val="90000"/>
-                  </a:lnSpc>
-                  <a:spcBef>
-                    <a:spcPts val="0"/>
-                  </a:spcBef>
-                  <a:spcAft>
-                    <a:spcPts val="1200"/>
-                  </a:spcAft>
-                  <a:buSzPct val="90000"/>
-                  <a:buFont typeface="Wingdings" panose="05000000000000000000" pitchFamily="2" charset="2"/>
-                  <a:buChar char="§"/>
-                  <a:defRPr sz="2000" kern="1200">
-                    <a:solidFill>
-                      <a:schemeClr val="tx1"/>
-                    </a:solidFill>
-                    <a:latin typeface="Amazon Ember Display" panose="020F0603020204020204" pitchFamily="34" charset="0"/>
-                    <a:ea typeface="Amazon Ember Display" panose="020F0603020204020204" pitchFamily="34" charset="0"/>
-                    <a:cs typeface="Amazon Ember Display" panose="020F0603020204020204" pitchFamily="34" charset="0"/>
-                  </a:defRPr>
-                </a:lvl2pPr>
-                <a:lvl3pPr marL="857250" indent="-228600" algn="l" defTabSz="914400" rtl="0" eaLnBrk="1" latinLnBrk="0" hangingPunct="1">
-                  <a:lnSpc>
-                    <a:spcPct val="90000"/>
-                  </a:lnSpc>
-                  <a:spcBef>
-                    <a:spcPts val="0"/>
-                  </a:spcBef>
-                  <a:spcAft>
-                    <a:spcPts val="1200"/>
-                  </a:spcAft>
-                  <a:buFont typeface="Amazon Ember" panose="020B0603020204020204" pitchFamily="34" charset="0"/>
-                  <a:buChar char="–"/>
-                  <a:defRPr sz="1800" kern="1200">
-                    <a:solidFill>
-                      <a:schemeClr val="tx1"/>
-                    </a:solidFill>
-                    <a:latin typeface="Amazon Ember Display" panose="020F0603020204020204" pitchFamily="34" charset="0"/>
-                    <a:ea typeface="Amazon Ember Display" panose="020F0603020204020204" pitchFamily="34" charset="0"/>
-                    <a:cs typeface="Amazon Ember Display" panose="020F0603020204020204" pitchFamily="34" charset="0"/>
-                  </a:defRPr>
-                </a:lvl3pPr>
-                <a:lvl4pPr marL="1085850" indent="-171450" algn="l" defTabSz="914400" rtl="0" eaLnBrk="1" latinLnBrk="0" hangingPunct="1">
-                  <a:lnSpc>
-                    <a:spcPct val="90000"/>
-                  </a:lnSpc>
-                  <a:spcBef>
-                    <a:spcPts val="0"/>
-                  </a:spcBef>
-                  <a:spcAft>
-                    <a:spcPts val="1200"/>
-                  </a:spcAft>
-                  <a:buFont typeface="Arial" panose="020B0604020202020204" pitchFamily="34" charset="0"/>
-                  <a:buChar char="•"/>
-                  <a:defRPr sz="1600" kern="1200">
-                    <a:solidFill>
-                      <a:schemeClr val="tx1"/>
-                    </a:solidFill>
-                    <a:latin typeface="Amazon Ember Display" panose="020F0603020204020204" pitchFamily="34" charset="0"/>
-                    <a:ea typeface="Amazon Ember Display" panose="020F0603020204020204" pitchFamily="34" charset="0"/>
-                    <a:cs typeface="Amazon Ember Display" panose="020F0603020204020204" pitchFamily="34" charset="0"/>
-                  </a:defRPr>
-                </a:lvl4pPr>
-                <a:lvl5pPr marL="1314450" indent="-171450" algn="l" defTabSz="914400" rtl="0" eaLnBrk="1" latinLnBrk="0" hangingPunct="1">
-                  <a:lnSpc>
-                    <a:spcPct val="90000"/>
-                  </a:lnSpc>
-                  <a:spcBef>
-                    <a:spcPts val="0"/>
-                  </a:spcBef>
-                  <a:spcAft>
-                    <a:spcPts val="1200"/>
-                  </a:spcAft>
-                  <a:buFont typeface="Arial" panose="020B0604020202020204" pitchFamily="34" charset="0"/>
-                  <a:buChar char="•"/>
-                  <a:defRPr sz="1600" kern="1200">
-                    <a:solidFill>
-                      <a:schemeClr val="tx1"/>
-                    </a:solidFill>
-                    <a:latin typeface="Amazon Ember Display" panose="020F0603020204020204" pitchFamily="34" charset="0"/>
-                    <a:ea typeface="Amazon Ember Display" panose="020F0603020204020204" pitchFamily="34" charset="0"/>
-                    <a:cs typeface="Amazon Ember Display" panose="020F0603020204020204" pitchFamily="34" charset="0"/>
-                  </a:defRPr>
-                </a:lvl5pPr>
-                <a:lvl6pPr marL="2514600" indent="-228600" algn="l" defTabSz="914400" rtl="0" eaLnBrk="1" latinLnBrk="0" hangingPunct="1">
-                  <a:lnSpc>
-                    <a:spcPct val="90000"/>
-                  </a:lnSpc>
-                  <a:spcBef>
-                    <a:spcPts val="500"/>
-                  </a:spcBef>
-                  <a:buFont typeface="Arial" panose="020B0604020202020204" pitchFamily="34" charset="0"/>
-                  <a:buChar char="•"/>
-                  <a:defRPr sz="1800" kern="1200">
-                    <a:solidFill>
-                      <a:schemeClr val="tx1"/>
-                    </a:solidFill>
-                    <a:latin typeface="+mn-lt"/>
-                    <a:ea typeface="+mn-ea"/>
-                    <a:cs typeface="+mn-cs"/>
-                  </a:defRPr>
-                </a:lvl6pPr>
-                <a:lvl7pPr marL="2971800" indent="-228600" algn="l" defTabSz="914400" rtl="0" eaLnBrk="1" latinLnBrk="0" hangingPunct="1">
-                  <a:lnSpc>
-                    <a:spcPct val="90000"/>
-                  </a:lnSpc>
-                  <a:spcBef>
-                    <a:spcPts val="500"/>
-                  </a:spcBef>
-                  <a:buFont typeface="Arial" panose="020B0604020202020204" pitchFamily="34" charset="0"/>
-                  <a:buChar char="•"/>
-                  <a:defRPr sz="1800" kern="1200">
-                    <a:solidFill>
-                      <a:schemeClr val="tx1"/>
-                    </a:solidFill>
-                    <a:latin typeface="+mn-lt"/>
-                    <a:ea typeface="+mn-ea"/>
-                    <a:cs typeface="+mn-cs"/>
-                  </a:defRPr>
-                </a:lvl7pPr>
-                <a:lvl8pPr marL="3429000" indent="-228600" algn="l" defTabSz="914400" rtl="0" eaLnBrk="1" latinLnBrk="0" hangingPunct="1">
-                  <a:lnSpc>
-                    <a:spcPct val="90000"/>
-                  </a:lnSpc>
-                  <a:spcBef>
-                    <a:spcPts val="500"/>
-                  </a:spcBef>
-                  <a:buFont typeface="Arial" panose="020B0604020202020204" pitchFamily="34" charset="0"/>
-                  <a:buChar char="•"/>
-                  <a:defRPr sz="1800" kern="1200">
-                    <a:solidFill>
-                      <a:schemeClr val="tx1"/>
-                    </a:solidFill>
-                    <a:latin typeface="+mn-lt"/>
-                    <a:ea typeface="+mn-ea"/>
-                    <a:cs typeface="+mn-cs"/>
-                  </a:defRPr>
-                </a:lvl8pPr>
-                <a:lvl9pPr marL="3886200" indent="-228600" algn="l" defTabSz="914400" rtl="0" eaLnBrk="1" latinLnBrk="0" hangingPunct="1">
-                  <a:lnSpc>
-                    <a:spcPct val="90000"/>
-                  </a:lnSpc>
-                  <a:spcBef>
-                    <a:spcPts val="500"/>
-                  </a:spcBef>
-                  <a:buFont typeface="Arial" panose="020B0604020202020204" pitchFamily="34" charset="0"/>
-                  <a:buChar char="•"/>
-                  <a:defRPr sz="1800" kern="1200">
-                    <a:solidFill>
-                      <a:schemeClr val="tx1"/>
-                    </a:solidFill>
-                    <a:latin typeface="+mn-lt"/>
-                    <a:ea typeface="+mn-ea"/>
-                    <a:cs typeface="+mn-cs"/>
-                  </a:defRPr>
-                </a:lvl9pPr>
-              </a:lstStyle>
-              <a:p>
-                <a:pPr marL="0" marR="0" lvl="0" indent="0" algn="ctr" defTabSz="914400" rtl="0" eaLnBrk="1" fontAlgn="auto" latinLnBrk="0" hangingPunct="1">
-                  <a:lnSpc>
-                    <a:spcPct val="90000"/>
-                  </a:lnSpc>
-                  <a:spcBef>
-                    <a:spcPts val="0"/>
-                  </a:spcBef>
-                  <a:spcAft>
-                    <a:spcPts val="1200"/>
-                  </a:spcAft>
-                  <a:buClrTx/>
-                  <a:buSzPct val="90000"/>
-                  <a:buFont typeface="Arial" panose="020B0604020202020204" pitchFamily="34" charset="0"/>
-                  <a:buNone/>
-                  <a:tabLst/>
-                  <a:defRPr/>
-                </a:pPr>
-                <a:endParaRPr kumimoji="0" lang="en-US" sz="1600" b="1" i="0" u="none" strike="noStrike" kern="1200" cap="none" spc="0" normalizeH="0" baseline="0" noProof="0" dirty="0">
+              <a:r>
+                <a:rPr kumimoji="0" lang="en-US" sz="1200" b="1" i="0" u="none" strike="noStrike" kern="1200" cap="none" spc="0" normalizeH="0" baseline="0" noProof="0" dirty="0">
                   <a:ln>
                     <a:noFill/>
                   </a:ln>
@@ -24347,915 +26878,20 @@
                   <a:uLnTx/>
                   <a:uFillTx/>
                   <a:latin typeface="Amazon Ember Display" panose="020F0603020204020204" pitchFamily="34" charset="0"/>
-                  <a:ea typeface="Amazon Ember Display" panose="020F0603020204020204" pitchFamily="34" charset="0"/>
-                  <a:cs typeface="Amazon Ember Display" panose="020F0603020204020204" pitchFamily="34" charset="0"/>
-                </a:endParaRPr>
-              </a:p>
-            </p:txBody>
-          </p:sp>
-          <p:sp>
-            <p:nvSpPr>
-              <p:cNvPr id="60" name="Text Placeholder 9">
-                <a:extLst>
-                  <a:ext uri="{FF2B5EF4-FFF2-40B4-BE49-F238E27FC236}">
-                    <a16:creationId xmlns:a16="http://schemas.microsoft.com/office/drawing/2014/main" id="{271FD8A0-0E11-A965-7ED0-C010AF602387}"/>
-                  </a:ext>
-                </a:extLst>
-              </p:cNvPr>
-              <p:cNvSpPr txBox="1">
-                <a:spLocks/>
-              </p:cNvSpPr>
-              <p:nvPr/>
-            </p:nvSpPr>
-            <p:spPr>
-              <a:xfrm>
-                <a:off x="576600" y="5293305"/>
-                <a:ext cx="5476875" cy="334745"/>
-              </a:xfrm>
-              <a:prstGeom prst="rect">
-                <a:avLst/>
-              </a:prstGeom>
-            </p:spPr>
-            <p:txBody>
-              <a:bodyPr vert="horz" lIns="0" tIns="45720" rIns="0" bIns="45720" rtlCol="0">
-                <a:spAutoFit/>
-              </a:bodyPr>
-              <a:lstStyle>
-                <a:lvl1pPr marL="228600" indent="-228600" algn="l" defTabSz="914400" rtl="0" eaLnBrk="1" latinLnBrk="0" hangingPunct="1">
-                  <a:lnSpc>
-                    <a:spcPct val="90000"/>
-                  </a:lnSpc>
-                  <a:spcBef>
-                    <a:spcPts val="0"/>
-                  </a:spcBef>
-                  <a:spcAft>
-                    <a:spcPts val="1200"/>
-                  </a:spcAft>
-                  <a:buSzPct val="90000"/>
-                  <a:buFont typeface="Arial" panose="020B0604020202020204" pitchFamily="34" charset="0"/>
-                  <a:buChar char="•"/>
-                  <a:defRPr sz="2400" kern="1200">
-                    <a:solidFill>
-                      <a:schemeClr val="tx1"/>
-                    </a:solidFill>
-                    <a:latin typeface="Amazon Ember Display" panose="020F0603020204020204" pitchFamily="34" charset="0"/>
-                    <a:ea typeface="Amazon Ember Display" panose="020F0603020204020204" pitchFamily="34" charset="0"/>
-                    <a:cs typeface="Amazon Ember Display" panose="020F0603020204020204" pitchFamily="34" charset="0"/>
-                  </a:defRPr>
-                </a:lvl1pPr>
-                <a:lvl2pPr marL="514350" indent="-228600" algn="l" defTabSz="914400" rtl="0" eaLnBrk="1" latinLnBrk="0" hangingPunct="1">
-                  <a:lnSpc>
-                    <a:spcPct val="90000"/>
-                  </a:lnSpc>
-                  <a:spcBef>
-                    <a:spcPts val="0"/>
-                  </a:spcBef>
-                  <a:spcAft>
-                    <a:spcPts val="1200"/>
-                  </a:spcAft>
-                  <a:buSzPct val="90000"/>
-                  <a:buFont typeface="Wingdings" panose="05000000000000000000" pitchFamily="2" charset="2"/>
-                  <a:buChar char="§"/>
-                  <a:defRPr sz="2000" kern="1200">
-                    <a:solidFill>
-                      <a:schemeClr val="tx1"/>
-                    </a:solidFill>
-                    <a:latin typeface="Amazon Ember Display" panose="020F0603020204020204" pitchFamily="34" charset="0"/>
-                    <a:ea typeface="Amazon Ember Display" panose="020F0603020204020204" pitchFamily="34" charset="0"/>
-                    <a:cs typeface="Amazon Ember Display" panose="020F0603020204020204" pitchFamily="34" charset="0"/>
-                  </a:defRPr>
-                </a:lvl2pPr>
-                <a:lvl3pPr marL="857250" indent="-228600" algn="l" defTabSz="914400" rtl="0" eaLnBrk="1" latinLnBrk="0" hangingPunct="1">
-                  <a:lnSpc>
-                    <a:spcPct val="90000"/>
-                  </a:lnSpc>
-                  <a:spcBef>
-                    <a:spcPts val="0"/>
-                  </a:spcBef>
-                  <a:spcAft>
-                    <a:spcPts val="1200"/>
-                  </a:spcAft>
-                  <a:buFont typeface="Amazon Ember" panose="020B0603020204020204" pitchFamily="34" charset="0"/>
-                  <a:buChar char="–"/>
-                  <a:defRPr sz="1800" kern="1200">
-                    <a:solidFill>
-                      <a:schemeClr val="tx1"/>
-                    </a:solidFill>
-                    <a:latin typeface="Amazon Ember Display" panose="020F0603020204020204" pitchFamily="34" charset="0"/>
-                    <a:ea typeface="Amazon Ember Display" panose="020F0603020204020204" pitchFamily="34" charset="0"/>
-                    <a:cs typeface="Amazon Ember Display" panose="020F0603020204020204" pitchFamily="34" charset="0"/>
-                  </a:defRPr>
-                </a:lvl3pPr>
-                <a:lvl4pPr marL="1085850" indent="-171450" algn="l" defTabSz="914400" rtl="0" eaLnBrk="1" latinLnBrk="0" hangingPunct="1">
-                  <a:lnSpc>
-                    <a:spcPct val="90000"/>
-                  </a:lnSpc>
-                  <a:spcBef>
-                    <a:spcPts val="0"/>
-                  </a:spcBef>
-                  <a:spcAft>
-                    <a:spcPts val="1200"/>
-                  </a:spcAft>
-                  <a:buFont typeface="Arial" panose="020B0604020202020204" pitchFamily="34" charset="0"/>
-                  <a:buChar char="•"/>
-                  <a:defRPr sz="1600" kern="1200">
-                    <a:solidFill>
-                      <a:schemeClr val="tx1"/>
-                    </a:solidFill>
-                    <a:latin typeface="Amazon Ember Display" panose="020F0603020204020204" pitchFamily="34" charset="0"/>
-                    <a:ea typeface="Amazon Ember Display" panose="020F0603020204020204" pitchFamily="34" charset="0"/>
-                    <a:cs typeface="Amazon Ember Display" panose="020F0603020204020204" pitchFamily="34" charset="0"/>
-                  </a:defRPr>
-                </a:lvl4pPr>
-                <a:lvl5pPr marL="1314450" indent="-171450" algn="l" defTabSz="914400" rtl="0" eaLnBrk="1" latinLnBrk="0" hangingPunct="1">
-                  <a:lnSpc>
-                    <a:spcPct val="90000"/>
-                  </a:lnSpc>
-                  <a:spcBef>
-                    <a:spcPts val="0"/>
-                  </a:spcBef>
-                  <a:spcAft>
-                    <a:spcPts val="1200"/>
-                  </a:spcAft>
-                  <a:buFont typeface="Arial" panose="020B0604020202020204" pitchFamily="34" charset="0"/>
-                  <a:buChar char="•"/>
-                  <a:defRPr sz="1600" kern="1200">
-                    <a:solidFill>
-                      <a:schemeClr val="tx1"/>
-                    </a:solidFill>
-                    <a:latin typeface="Amazon Ember Display" panose="020F0603020204020204" pitchFamily="34" charset="0"/>
-                    <a:ea typeface="Amazon Ember Display" panose="020F0603020204020204" pitchFamily="34" charset="0"/>
-                    <a:cs typeface="Amazon Ember Display" panose="020F0603020204020204" pitchFamily="34" charset="0"/>
-                  </a:defRPr>
-                </a:lvl5pPr>
-                <a:lvl6pPr marL="2514600" indent="-228600" algn="l" defTabSz="914400" rtl="0" eaLnBrk="1" latinLnBrk="0" hangingPunct="1">
-                  <a:lnSpc>
-                    <a:spcPct val="90000"/>
-                  </a:lnSpc>
-                  <a:spcBef>
-                    <a:spcPts val="500"/>
-                  </a:spcBef>
-                  <a:buFont typeface="Arial" panose="020B0604020202020204" pitchFamily="34" charset="0"/>
-                  <a:buChar char="•"/>
-                  <a:defRPr sz="1800" kern="1200">
-                    <a:solidFill>
-                      <a:schemeClr val="tx1"/>
-                    </a:solidFill>
-                    <a:latin typeface="+mn-lt"/>
-                    <a:ea typeface="+mn-ea"/>
-                    <a:cs typeface="+mn-cs"/>
-                  </a:defRPr>
-                </a:lvl6pPr>
-                <a:lvl7pPr marL="2971800" indent="-228600" algn="l" defTabSz="914400" rtl="0" eaLnBrk="1" latinLnBrk="0" hangingPunct="1">
-                  <a:lnSpc>
-                    <a:spcPct val="90000"/>
-                  </a:lnSpc>
-                  <a:spcBef>
-                    <a:spcPts val="500"/>
-                  </a:spcBef>
-                  <a:buFont typeface="Arial" panose="020B0604020202020204" pitchFamily="34" charset="0"/>
-                  <a:buChar char="•"/>
-                  <a:defRPr sz="1800" kern="1200">
-                    <a:solidFill>
-                      <a:schemeClr val="tx1"/>
-                    </a:solidFill>
-                    <a:latin typeface="+mn-lt"/>
-                    <a:ea typeface="+mn-ea"/>
-                    <a:cs typeface="+mn-cs"/>
-                  </a:defRPr>
-                </a:lvl7pPr>
-                <a:lvl8pPr marL="3429000" indent="-228600" algn="l" defTabSz="914400" rtl="0" eaLnBrk="1" latinLnBrk="0" hangingPunct="1">
-                  <a:lnSpc>
-                    <a:spcPct val="90000"/>
-                  </a:lnSpc>
-                  <a:spcBef>
-                    <a:spcPts val="500"/>
-                  </a:spcBef>
-                  <a:buFont typeface="Arial" panose="020B0604020202020204" pitchFamily="34" charset="0"/>
-                  <a:buChar char="•"/>
-                  <a:defRPr sz="1800" kern="1200">
-                    <a:solidFill>
-                      <a:schemeClr val="tx1"/>
-                    </a:solidFill>
-                    <a:latin typeface="+mn-lt"/>
-                    <a:ea typeface="+mn-ea"/>
-                    <a:cs typeface="+mn-cs"/>
-                  </a:defRPr>
-                </a:lvl8pPr>
-                <a:lvl9pPr marL="3886200" indent="-228600" algn="l" defTabSz="914400" rtl="0" eaLnBrk="1" latinLnBrk="0" hangingPunct="1">
-                  <a:lnSpc>
-                    <a:spcPct val="90000"/>
-                  </a:lnSpc>
-                  <a:spcBef>
-                    <a:spcPts val="500"/>
-                  </a:spcBef>
-                  <a:buFont typeface="Arial" panose="020B0604020202020204" pitchFamily="34" charset="0"/>
-                  <a:buChar char="•"/>
-                  <a:defRPr sz="1800" kern="1200">
-                    <a:solidFill>
-                      <a:schemeClr val="tx1"/>
-                    </a:solidFill>
-                    <a:latin typeface="+mn-lt"/>
-                    <a:ea typeface="+mn-ea"/>
-                    <a:cs typeface="+mn-cs"/>
-                  </a:defRPr>
-                </a:lvl9pPr>
-              </a:lstStyle>
-              <a:p>
-                <a:pPr marL="0" marR="0" lvl="0" indent="0" algn="ctr" defTabSz="914400" rtl="0" eaLnBrk="1" fontAlgn="auto" latinLnBrk="0" hangingPunct="1">
-                  <a:lnSpc>
-                    <a:spcPct val="90000"/>
-                  </a:lnSpc>
-                  <a:spcBef>
-                    <a:spcPts val="0"/>
-                  </a:spcBef>
-                  <a:spcAft>
-                    <a:spcPts val="1200"/>
-                  </a:spcAft>
-                  <a:buClrTx/>
-                  <a:buSzPct val="90000"/>
-                  <a:buFont typeface="Arial" panose="020B0604020202020204" pitchFamily="34" charset="0"/>
-                  <a:buNone/>
-                  <a:tabLst/>
-                  <a:defRPr/>
-                </a:pPr>
-                <a:r>
-                  <a:rPr kumimoji="0" lang="en-US" sz="2400" b="1" i="0" u="none" strike="noStrike" kern="1200" cap="none" spc="0" normalizeH="0" baseline="0" noProof="0" dirty="0">
-                    <a:ln>
-                      <a:noFill/>
-                    </a:ln>
-                    <a:solidFill>
-                      <a:srgbClr val="232F3E"/>
-                    </a:solidFill>
-                    <a:effectLst/>
-                    <a:uLnTx/>
-                    <a:uFillTx/>
-                    <a:latin typeface="Amazon Ember Display" panose="020F0603020204020204" pitchFamily="34" charset="0"/>
-                    <a:ea typeface="Amazon Ember Display" panose="020F0603020204020204" pitchFamily="34" charset="0"/>
-                    <a:cs typeface="Amazon Ember Display" panose="020F0603020204020204" pitchFamily="34" charset="0"/>
-                  </a:rPr>
-                  <a:t>Traditional ML models</a:t>
-                </a:r>
-              </a:p>
-            </p:txBody>
-          </p:sp>
-        </p:grpSp>
-        <p:sp>
-          <p:nvSpPr>
-            <p:cNvPr id="36" name="TextBox 35">
-              <a:extLst>
-                <a:ext uri="{FF2B5EF4-FFF2-40B4-BE49-F238E27FC236}">
-                  <a16:creationId xmlns:a16="http://schemas.microsoft.com/office/drawing/2014/main" id="{96D2C27F-657C-74A3-F2A7-E84DC08A7D91}"/>
-                </a:ext>
-              </a:extLst>
-            </p:cNvPr>
-            <p:cNvSpPr txBox="1"/>
-            <p:nvPr/>
-          </p:nvSpPr>
-          <p:spPr>
-            <a:xfrm>
-              <a:off x="1338661" y="4904583"/>
-              <a:ext cx="954960" cy="319602"/>
-            </a:xfrm>
-            <a:prstGeom prst="rect">
-              <a:avLst/>
-            </a:prstGeom>
-            <a:noFill/>
-          </p:spPr>
-          <p:txBody>
-            <a:bodyPr wrap="square">
-              <a:spAutoFit/>
-            </a:bodyPr>
-            <a:lstStyle/>
-            <a:p>
-              <a:pPr marL="0" marR="0" lvl="0" indent="0" algn="ctr" defTabSz="914377" rtl="0" eaLnBrk="1" fontAlgn="auto" latinLnBrk="0" hangingPunct="1">
-                <a:lnSpc>
-                  <a:spcPct val="100000"/>
-                </a:lnSpc>
-                <a:spcBef>
-                  <a:spcPts val="0"/>
-                </a:spcBef>
-                <a:spcAft>
-                  <a:spcPts val="0"/>
-                </a:spcAft>
-                <a:buClrTx/>
-                <a:buSzTx/>
-                <a:buFontTx/>
-                <a:buNone/>
-                <a:tabLst/>
-                <a:defRPr/>
-              </a:pPr>
-              <a:r>
-                <a:rPr kumimoji="0" lang="en-US" sz="1300" b="1" i="0" u="none" strike="noStrike" kern="1200" cap="none" spc="0" normalizeH="0" baseline="0" noProof="0" dirty="0">
-                  <a:ln>
-                    <a:noFill/>
-                  </a:ln>
-                  <a:solidFill>
-                    <a:srgbClr val="232F3E"/>
-                  </a:solidFill>
-                  <a:effectLst/>
-                  <a:uLnTx/>
-                  <a:uFillTx/>
-                  <a:latin typeface="Amazon Ember Display" panose="020F0603020204020204" pitchFamily="34" charset="0"/>
                   <a:ea typeface="+mn-ea"/>
                   <a:cs typeface="+mn-cs"/>
                 </a:rPr>
-                <a:t>Train</a:t>
+                <a:t>Information extraction</a:t>
               </a:r>
             </a:p>
           </p:txBody>
         </p:sp>
         <p:sp>
           <p:nvSpPr>
-            <p:cNvPr id="37" name="TextBox 36">
+            <p:cNvPr id="64" name="Rectangle: Rounded Corners 3364">
               <a:extLst>
                 <a:ext uri="{FF2B5EF4-FFF2-40B4-BE49-F238E27FC236}">
-                  <a16:creationId xmlns:a16="http://schemas.microsoft.com/office/drawing/2014/main" id="{E3819742-C830-BF2C-B492-F169C8FB3F38}"/>
-                </a:ext>
-              </a:extLst>
-            </p:cNvPr>
-            <p:cNvSpPr txBox="1"/>
-            <p:nvPr/>
-          </p:nvSpPr>
-          <p:spPr>
-            <a:xfrm>
-              <a:off x="3046878" y="4904583"/>
-              <a:ext cx="946002" cy="319602"/>
-            </a:xfrm>
-            <a:prstGeom prst="rect">
-              <a:avLst/>
-            </a:prstGeom>
-            <a:noFill/>
-          </p:spPr>
-          <p:txBody>
-            <a:bodyPr wrap="square">
-              <a:spAutoFit/>
-            </a:bodyPr>
-            <a:lstStyle/>
-            <a:p>
-              <a:pPr marL="0" marR="0" lvl="0" indent="0" algn="ctr" defTabSz="914377" rtl="0" eaLnBrk="1" fontAlgn="auto" latinLnBrk="0" hangingPunct="1">
-                <a:lnSpc>
-                  <a:spcPct val="100000"/>
-                </a:lnSpc>
-                <a:spcBef>
-                  <a:spcPts val="0"/>
-                </a:spcBef>
-                <a:spcAft>
-                  <a:spcPts val="0"/>
-                </a:spcAft>
-                <a:buClrTx/>
-                <a:buSzTx/>
-                <a:buFontTx/>
-                <a:buNone/>
-                <a:tabLst/>
-                <a:defRPr/>
-              </a:pPr>
-              <a:r>
-                <a:rPr kumimoji="0" lang="en-US" sz="1300" b="1" i="0" u="none" strike="noStrike" kern="1200" cap="none" spc="0" normalizeH="0" baseline="0" noProof="0" dirty="0">
-                  <a:ln>
-                    <a:noFill/>
-                  </a:ln>
-                  <a:solidFill>
-                    <a:srgbClr val="232F3E"/>
-                  </a:solidFill>
-                  <a:effectLst/>
-                  <a:uLnTx/>
-                  <a:uFillTx/>
-                  <a:latin typeface="Amazon Ember Display" panose="020F0603020204020204" pitchFamily="34" charset="0"/>
-                  <a:ea typeface="+mn-ea"/>
-                  <a:cs typeface="+mn-cs"/>
-                </a:rPr>
-                <a:t>Deploy</a:t>
-              </a:r>
-            </a:p>
-          </p:txBody>
-        </p:sp>
-        <p:cxnSp>
-          <p:nvCxnSpPr>
-            <p:cNvPr id="38" name="Straight Arrow Connector 37">
-              <a:extLst>
-                <a:ext uri="{FF2B5EF4-FFF2-40B4-BE49-F238E27FC236}">
-                  <a16:creationId xmlns:a16="http://schemas.microsoft.com/office/drawing/2014/main" id="{6A322198-6934-D4B1-BD1B-5DA9173928DB}"/>
-                </a:ext>
-              </a:extLst>
-            </p:cNvPr>
-            <p:cNvCxnSpPr>
-              <a:cxnSpLocks/>
-            </p:cNvCxnSpPr>
-            <p:nvPr/>
-          </p:nvCxnSpPr>
-          <p:spPr>
-            <a:xfrm>
-              <a:off x="1460048" y="3433700"/>
-              <a:ext cx="712185" cy="0"/>
-            </a:xfrm>
-            <a:prstGeom prst="straightConnector1">
-              <a:avLst/>
-            </a:prstGeom>
-            <a:ln w="19050" cap="rnd">
-              <a:solidFill>
-                <a:schemeClr val="tx1"/>
-              </a:solidFill>
-              <a:round/>
-              <a:tailEnd type="arrow" w="lg" len="med"/>
-            </a:ln>
-          </p:spPr>
-          <p:style>
-            <a:lnRef idx="1">
-              <a:schemeClr val="accent1"/>
-            </a:lnRef>
-            <a:fillRef idx="0">
-              <a:schemeClr val="accent1"/>
-            </a:fillRef>
-            <a:effectRef idx="0">
-              <a:schemeClr val="accent1"/>
-            </a:effectRef>
-            <a:fontRef idx="minor">
-              <a:schemeClr val="tx1"/>
-            </a:fontRef>
-          </p:style>
-        </p:cxnSp>
-        <p:sp>
-          <p:nvSpPr>
-            <p:cNvPr id="39" name="TextBox 38">
-              <a:extLst>
-                <a:ext uri="{FF2B5EF4-FFF2-40B4-BE49-F238E27FC236}">
-                  <a16:creationId xmlns:a16="http://schemas.microsoft.com/office/drawing/2014/main" id="{0680EB7F-4011-92F3-EFB2-C8667B6CE26D}"/>
-                </a:ext>
-              </a:extLst>
-            </p:cNvPr>
-            <p:cNvSpPr txBox="1"/>
-            <p:nvPr/>
-          </p:nvSpPr>
-          <p:spPr>
-            <a:xfrm>
-              <a:off x="4193411" y="1725949"/>
-              <a:ext cx="1097718" cy="336424"/>
-            </a:xfrm>
-            <a:prstGeom prst="rect">
-              <a:avLst/>
-            </a:prstGeom>
-            <a:noFill/>
-          </p:spPr>
-          <p:txBody>
-            <a:bodyPr wrap="square">
-              <a:spAutoFit/>
-            </a:bodyPr>
-            <a:lstStyle/>
-            <a:p>
-              <a:pPr marL="0" marR="0" lvl="0" indent="0" algn="ctr" defTabSz="914377" rtl="0" eaLnBrk="1" fontAlgn="auto" latinLnBrk="0" hangingPunct="1">
-                <a:lnSpc>
-                  <a:spcPct val="100000"/>
-                </a:lnSpc>
-                <a:spcBef>
-                  <a:spcPts val="0"/>
-                </a:spcBef>
-                <a:spcAft>
-                  <a:spcPts val="0"/>
-                </a:spcAft>
-                <a:buClrTx/>
-                <a:buSzTx/>
-                <a:buFontTx/>
-                <a:buNone/>
-                <a:tabLst/>
-                <a:defRPr/>
-              </a:pPr>
-              <a:r>
-                <a:rPr kumimoji="0" lang="en-US" sz="1400" i="0" u="none" strike="noStrike" kern="1200" normalizeH="0" baseline="0" noProof="0" dirty="0">
-                  <a:ln w="0"/>
-                  <a:effectLst>
-                    <a:outerShdw blurRad="38100" dist="19050" dir="2700000" algn="tl" rotWithShape="0">
-                      <a:schemeClr val="dk1">
-                        <a:alpha val="40000"/>
-                      </a:schemeClr>
-                    </a:outerShdw>
-                  </a:effectLst>
-                  <a:uLnTx/>
-                  <a:uFillTx/>
-                  <a:latin typeface="Amazon Ember Display" panose="020F0603020204020204" pitchFamily="34" charset="0"/>
-                  <a:ea typeface="+mn-ea"/>
-                  <a:cs typeface="+mn-cs"/>
-                </a:rPr>
-                <a:t>Tasks</a:t>
-              </a:r>
-            </a:p>
-          </p:txBody>
-        </p:sp>
-        <p:cxnSp>
-          <p:nvCxnSpPr>
-            <p:cNvPr id="40" name="Straight Arrow Connector 39">
-              <a:extLst>
-                <a:ext uri="{FF2B5EF4-FFF2-40B4-BE49-F238E27FC236}">
-                  <a16:creationId xmlns:a16="http://schemas.microsoft.com/office/drawing/2014/main" id="{A96358BD-BDEF-F79D-030B-FFB3BDC35C67}"/>
-                </a:ext>
-              </a:extLst>
-            </p:cNvPr>
-            <p:cNvCxnSpPr>
-              <a:cxnSpLocks/>
-            </p:cNvCxnSpPr>
-            <p:nvPr/>
-          </p:nvCxnSpPr>
-          <p:spPr>
-            <a:xfrm flipV="1">
-              <a:off x="1460048" y="2860634"/>
-              <a:ext cx="712185" cy="3883"/>
-            </a:xfrm>
-            <a:prstGeom prst="straightConnector1">
-              <a:avLst/>
-            </a:prstGeom>
-            <a:ln w="19050" cap="rnd">
-              <a:solidFill>
-                <a:schemeClr val="tx1"/>
-              </a:solidFill>
-              <a:round/>
-              <a:tailEnd type="arrow" w="lg" len="med"/>
-            </a:ln>
-          </p:spPr>
-          <p:style>
-            <a:lnRef idx="1">
-              <a:schemeClr val="accent1"/>
-            </a:lnRef>
-            <a:fillRef idx="0">
-              <a:schemeClr val="accent1"/>
-            </a:fillRef>
-            <a:effectRef idx="0">
-              <a:schemeClr val="accent1"/>
-            </a:effectRef>
-            <a:fontRef idx="minor">
-              <a:schemeClr val="tx1"/>
-            </a:fontRef>
-          </p:style>
-        </p:cxnSp>
-        <p:cxnSp>
-          <p:nvCxnSpPr>
-            <p:cNvPr id="41" name="Straight Arrow Connector 40">
-              <a:extLst>
-                <a:ext uri="{FF2B5EF4-FFF2-40B4-BE49-F238E27FC236}">
-                  <a16:creationId xmlns:a16="http://schemas.microsoft.com/office/drawing/2014/main" id="{E816BA67-226B-C0CA-C8BD-07D3D320FC87}"/>
-                </a:ext>
-              </a:extLst>
-            </p:cNvPr>
-            <p:cNvCxnSpPr>
-              <a:cxnSpLocks/>
-            </p:cNvCxnSpPr>
-            <p:nvPr/>
-          </p:nvCxnSpPr>
-          <p:spPr>
-            <a:xfrm flipV="1">
-              <a:off x="1460048" y="2285626"/>
-              <a:ext cx="712185" cy="1351"/>
-            </a:xfrm>
-            <a:prstGeom prst="straightConnector1">
-              <a:avLst/>
-            </a:prstGeom>
-            <a:ln w="19050" cap="rnd">
-              <a:solidFill>
-                <a:schemeClr val="tx1"/>
-              </a:solidFill>
-              <a:round/>
-              <a:tailEnd type="arrow" w="lg" len="med"/>
-            </a:ln>
-          </p:spPr>
-          <p:style>
-            <a:lnRef idx="1">
-              <a:schemeClr val="accent1"/>
-            </a:lnRef>
-            <a:fillRef idx="0">
-              <a:schemeClr val="accent1"/>
-            </a:fillRef>
-            <a:effectRef idx="0">
-              <a:schemeClr val="accent1"/>
-            </a:effectRef>
-            <a:fontRef idx="minor">
-              <a:schemeClr val="tx1"/>
-            </a:fontRef>
-          </p:style>
-        </p:cxnSp>
-        <p:cxnSp>
-          <p:nvCxnSpPr>
-            <p:cNvPr id="42" name="Straight Arrow Connector 41">
-              <a:extLst>
-                <a:ext uri="{FF2B5EF4-FFF2-40B4-BE49-F238E27FC236}">
-                  <a16:creationId xmlns:a16="http://schemas.microsoft.com/office/drawing/2014/main" id="{678CDE1F-43D1-6C4E-E2DB-F8075689FB25}"/>
-                </a:ext>
-              </a:extLst>
-            </p:cNvPr>
-            <p:cNvCxnSpPr>
-              <a:cxnSpLocks/>
-            </p:cNvCxnSpPr>
-            <p:nvPr/>
-          </p:nvCxnSpPr>
-          <p:spPr>
-            <a:xfrm flipV="1">
-              <a:off x="1460048" y="4570125"/>
-              <a:ext cx="712185" cy="3883"/>
-            </a:xfrm>
-            <a:prstGeom prst="straightConnector1">
-              <a:avLst/>
-            </a:prstGeom>
-            <a:ln w="19050" cap="rnd">
-              <a:solidFill>
-                <a:schemeClr val="tx1"/>
-              </a:solidFill>
-              <a:round/>
-              <a:tailEnd type="arrow" w="lg" len="med"/>
-            </a:ln>
-          </p:spPr>
-          <p:style>
-            <a:lnRef idx="1">
-              <a:schemeClr val="accent1"/>
-            </a:lnRef>
-            <a:fillRef idx="0">
-              <a:schemeClr val="accent1"/>
-            </a:fillRef>
-            <a:effectRef idx="0">
-              <a:schemeClr val="accent1"/>
-            </a:effectRef>
-            <a:fontRef idx="minor">
-              <a:schemeClr val="tx1"/>
-            </a:fontRef>
-          </p:style>
-        </p:cxnSp>
-        <p:cxnSp>
-          <p:nvCxnSpPr>
-            <p:cNvPr id="43" name="Straight Arrow Connector 42">
-              <a:extLst>
-                <a:ext uri="{FF2B5EF4-FFF2-40B4-BE49-F238E27FC236}">
-                  <a16:creationId xmlns:a16="http://schemas.microsoft.com/office/drawing/2014/main" id="{F0DB55E6-89F1-2A30-26A2-75BFAB58F079}"/>
-                </a:ext>
-              </a:extLst>
-            </p:cNvPr>
-            <p:cNvCxnSpPr>
-              <a:cxnSpLocks/>
-            </p:cNvCxnSpPr>
-            <p:nvPr/>
-          </p:nvCxnSpPr>
-          <p:spPr>
-            <a:xfrm flipV="1">
-              <a:off x="1460048" y="3995118"/>
-              <a:ext cx="712185" cy="3883"/>
-            </a:xfrm>
-            <a:prstGeom prst="straightConnector1">
-              <a:avLst/>
-            </a:prstGeom>
-            <a:ln w="19050" cap="rnd">
-              <a:solidFill>
-                <a:schemeClr val="tx1"/>
-              </a:solidFill>
-              <a:round/>
-              <a:tailEnd type="arrow" w="lg" len="med"/>
-            </a:ln>
-          </p:spPr>
-          <p:style>
-            <a:lnRef idx="1">
-              <a:schemeClr val="accent1"/>
-            </a:lnRef>
-            <a:fillRef idx="0">
-              <a:schemeClr val="accent1"/>
-            </a:fillRef>
-            <a:effectRef idx="0">
-              <a:schemeClr val="accent1"/>
-            </a:effectRef>
-            <a:fontRef idx="minor">
-              <a:schemeClr val="tx1"/>
-            </a:fontRef>
-          </p:style>
-        </p:cxnSp>
-        <p:cxnSp>
-          <p:nvCxnSpPr>
-            <p:cNvPr id="44" name="Straight Arrow Connector 43">
-              <a:extLst>
-                <a:ext uri="{FF2B5EF4-FFF2-40B4-BE49-F238E27FC236}">
-                  <a16:creationId xmlns:a16="http://schemas.microsoft.com/office/drawing/2014/main" id="{F7E7D0A7-4771-16DE-7305-0C45CBBAA6A6}"/>
-                </a:ext>
-              </a:extLst>
-            </p:cNvPr>
-            <p:cNvCxnSpPr>
-              <a:cxnSpLocks/>
-              <a:stCxn id="51" idx="3"/>
-            </p:cNvCxnSpPr>
-            <p:nvPr/>
-          </p:nvCxnSpPr>
-          <p:spPr>
-            <a:xfrm>
-              <a:off x="3148207" y="2287567"/>
-              <a:ext cx="784908" cy="0"/>
-            </a:xfrm>
-            <a:prstGeom prst="straightConnector1">
-              <a:avLst/>
-            </a:prstGeom>
-            <a:ln w="19050" cap="rnd">
-              <a:solidFill>
-                <a:schemeClr val="tx1"/>
-              </a:solidFill>
-              <a:round/>
-              <a:tailEnd type="arrow" w="lg" len="med"/>
-            </a:ln>
-          </p:spPr>
-          <p:style>
-            <a:lnRef idx="1">
-              <a:schemeClr val="accent1"/>
-            </a:lnRef>
-            <a:fillRef idx="0">
-              <a:schemeClr val="accent1"/>
-            </a:fillRef>
-            <a:effectRef idx="0">
-              <a:schemeClr val="accent1"/>
-            </a:effectRef>
-            <a:fontRef idx="minor">
-              <a:schemeClr val="tx1"/>
-            </a:fontRef>
-          </p:style>
-        </p:cxnSp>
-        <p:cxnSp>
-          <p:nvCxnSpPr>
-            <p:cNvPr id="45" name="Straight Arrow Connector 44">
-              <a:extLst>
-                <a:ext uri="{FF2B5EF4-FFF2-40B4-BE49-F238E27FC236}">
-                  <a16:creationId xmlns:a16="http://schemas.microsoft.com/office/drawing/2014/main" id="{82AF5E76-3272-8315-E97C-30DB576BB2E7}"/>
-                </a:ext>
-              </a:extLst>
-            </p:cNvPr>
-            <p:cNvCxnSpPr>
-              <a:cxnSpLocks/>
-              <a:stCxn id="49" idx="3"/>
-            </p:cNvCxnSpPr>
-            <p:nvPr/>
-          </p:nvCxnSpPr>
-          <p:spPr>
-            <a:xfrm>
-              <a:off x="3148207" y="3433700"/>
-              <a:ext cx="784908" cy="0"/>
-            </a:xfrm>
-            <a:prstGeom prst="straightConnector1">
-              <a:avLst/>
-            </a:prstGeom>
-            <a:ln w="19050" cap="rnd">
-              <a:solidFill>
-                <a:schemeClr val="tx1"/>
-              </a:solidFill>
-              <a:round/>
-              <a:tailEnd type="arrow" w="lg" len="med"/>
-            </a:ln>
-          </p:spPr>
-          <p:style>
-            <a:lnRef idx="1">
-              <a:schemeClr val="accent1"/>
-            </a:lnRef>
-            <a:fillRef idx="0">
-              <a:schemeClr val="accent1"/>
-            </a:fillRef>
-            <a:effectRef idx="0">
-              <a:schemeClr val="accent1"/>
-            </a:effectRef>
-            <a:fontRef idx="minor">
-              <a:schemeClr val="tx1"/>
-            </a:fontRef>
-          </p:style>
-        </p:cxnSp>
-        <p:cxnSp>
-          <p:nvCxnSpPr>
-            <p:cNvPr id="46" name="Straight Arrow Connector 45">
-              <a:extLst>
-                <a:ext uri="{FF2B5EF4-FFF2-40B4-BE49-F238E27FC236}">
-                  <a16:creationId xmlns:a16="http://schemas.microsoft.com/office/drawing/2014/main" id="{D7D3F04B-596F-1B1C-03D2-51531D3251FA}"/>
-                </a:ext>
-              </a:extLst>
-            </p:cNvPr>
-            <p:cNvCxnSpPr>
-              <a:cxnSpLocks/>
-              <a:stCxn id="50" idx="3"/>
-            </p:cNvCxnSpPr>
-            <p:nvPr/>
-          </p:nvCxnSpPr>
-          <p:spPr>
-            <a:xfrm>
-              <a:off x="3148207" y="2862575"/>
-              <a:ext cx="784908" cy="0"/>
-            </a:xfrm>
-            <a:prstGeom prst="straightConnector1">
-              <a:avLst/>
-            </a:prstGeom>
-            <a:ln w="19050" cap="rnd">
-              <a:solidFill>
-                <a:schemeClr val="tx1"/>
-              </a:solidFill>
-              <a:round/>
-              <a:tailEnd type="arrow" w="lg" len="med"/>
-            </a:ln>
-          </p:spPr>
-          <p:style>
-            <a:lnRef idx="1">
-              <a:schemeClr val="accent1"/>
-            </a:lnRef>
-            <a:fillRef idx="0">
-              <a:schemeClr val="accent1"/>
-            </a:fillRef>
-            <a:effectRef idx="0">
-              <a:schemeClr val="accent1"/>
-            </a:effectRef>
-            <a:fontRef idx="minor">
-              <a:schemeClr val="tx1"/>
-            </a:fontRef>
-          </p:style>
-        </p:cxnSp>
-        <p:cxnSp>
-          <p:nvCxnSpPr>
-            <p:cNvPr id="47" name="Straight Arrow Connector 46">
-              <a:extLst>
-                <a:ext uri="{FF2B5EF4-FFF2-40B4-BE49-F238E27FC236}">
-                  <a16:creationId xmlns:a16="http://schemas.microsoft.com/office/drawing/2014/main" id="{E3A7A724-9D27-2C47-16FD-CC9FEAFD9B1D}"/>
-                </a:ext>
-              </a:extLst>
-            </p:cNvPr>
-            <p:cNvCxnSpPr>
-              <a:cxnSpLocks/>
-            </p:cNvCxnSpPr>
-            <p:nvPr/>
-          </p:nvCxnSpPr>
-          <p:spPr>
-            <a:xfrm>
-              <a:off x="3106643" y="4572066"/>
-              <a:ext cx="826472" cy="0"/>
-            </a:xfrm>
-            <a:prstGeom prst="straightConnector1">
-              <a:avLst/>
-            </a:prstGeom>
-            <a:ln w="19050" cap="rnd">
-              <a:solidFill>
-                <a:schemeClr val="tx1"/>
-              </a:solidFill>
-              <a:round/>
-              <a:tailEnd type="arrow" w="lg" len="med"/>
-            </a:ln>
-          </p:spPr>
-          <p:style>
-            <a:lnRef idx="1">
-              <a:schemeClr val="accent1"/>
-            </a:lnRef>
-            <a:fillRef idx="0">
-              <a:schemeClr val="accent1"/>
-            </a:fillRef>
-            <a:effectRef idx="0">
-              <a:schemeClr val="accent1"/>
-            </a:effectRef>
-            <a:fontRef idx="minor">
-              <a:schemeClr val="tx1"/>
-            </a:fontRef>
-          </p:style>
-        </p:cxnSp>
-        <p:cxnSp>
-          <p:nvCxnSpPr>
-            <p:cNvPr id="48" name="Straight Arrow Connector 47">
-              <a:extLst>
-                <a:ext uri="{FF2B5EF4-FFF2-40B4-BE49-F238E27FC236}">
-                  <a16:creationId xmlns:a16="http://schemas.microsoft.com/office/drawing/2014/main" id="{EC52F41B-9141-0D11-5835-7A041FEF9DF2}"/>
-                </a:ext>
-              </a:extLst>
-            </p:cNvPr>
-            <p:cNvCxnSpPr>
-              <a:cxnSpLocks/>
-              <a:stCxn id="53" idx="3"/>
-            </p:cNvCxnSpPr>
-            <p:nvPr/>
-          </p:nvCxnSpPr>
-          <p:spPr>
-            <a:xfrm>
-              <a:off x="3148207" y="3997059"/>
-              <a:ext cx="784908" cy="0"/>
-            </a:xfrm>
-            <a:prstGeom prst="straightConnector1">
-              <a:avLst/>
-            </a:prstGeom>
-            <a:ln w="19050" cap="rnd">
-              <a:solidFill>
-                <a:schemeClr val="tx1"/>
-              </a:solidFill>
-              <a:round/>
-              <a:tailEnd type="arrow" w="lg" len="med"/>
-            </a:ln>
-          </p:spPr>
-          <p:style>
-            <a:lnRef idx="1">
-              <a:schemeClr val="accent1"/>
-            </a:lnRef>
-            <a:fillRef idx="0">
-              <a:schemeClr val="accent1"/>
-            </a:fillRef>
-            <a:effectRef idx="0">
-              <a:schemeClr val="accent1"/>
-            </a:effectRef>
-            <a:fontRef idx="minor">
-              <a:schemeClr val="tx1"/>
-            </a:fontRef>
-          </p:style>
-        </p:cxnSp>
-        <p:sp>
-          <p:nvSpPr>
-            <p:cNvPr id="49" name="Rectangle: Rounded Corners 53">
-              <a:extLst>
-                <a:ext uri="{FF2B5EF4-FFF2-40B4-BE49-F238E27FC236}">
-                  <a16:creationId xmlns:a16="http://schemas.microsoft.com/office/drawing/2014/main" id="{1C02BD5C-471A-9BFE-4A42-802199F75AA9}"/>
+                  <a16:creationId xmlns:a16="http://schemas.microsoft.com/office/drawing/2014/main" id="{E72026BB-B539-9C67-4D3E-2A5325866245}"/>
                 </a:ext>
               </a:extLst>
             </p:cNvPr>
@@ -25264,42 +26900,37 @@
           </p:nvSpPr>
           <p:spPr>
             <a:xfrm>
-              <a:off x="2213797" y="3184414"/>
-              <a:ext cx="934410" cy="498572"/>
+              <a:off x="3954147" y="3994274"/>
+              <a:ext cx="1454462" cy="347996"/>
             </a:xfrm>
             <a:prstGeom prst="roundRect">
               <a:avLst>
                 <a:gd name="adj" fmla="val 50000"/>
               </a:avLst>
             </a:prstGeom>
-            <a:gradFill flip="none" rotWithShape="1">
+            <a:gradFill>
               <a:gsLst>
-                <a:gs pos="48000">
-                  <a:srgbClr val="A2B4F1"/>
-                </a:gs>
                 <a:gs pos="0">
                   <a:schemeClr val="accent5">
-                    <a:lumMod val="40000"/>
-                    <a:lumOff val="60000"/>
+                    <a:lumMod val="75000"/>
                   </a:schemeClr>
                 </a:gs>
-                <a:gs pos="48000">
-                  <a:schemeClr val="accent4">
-                    <a:lumMod val="97000"/>
-                    <a:lumOff val="3000"/>
+                <a:gs pos="50000">
+                  <a:schemeClr val="accent3">
+                    <a:shade val="67500"/>
+                    <a:satMod val="115000"/>
                   </a:schemeClr>
                 </a:gs>
                 <a:gs pos="100000">
-                  <a:schemeClr val="accent4">
-                    <a:lumMod val="60000"/>
-                    <a:lumOff val="40000"/>
+                  <a:schemeClr val="accent3">
+                    <a:shade val="100000"/>
+                    <a:satMod val="115000"/>
                   </a:schemeClr>
                 </a:gs>
               </a:gsLst>
-              <a:lin ang="16200000" scaled="1"/>
-              <a:tileRect/>
+              <a:lin ang="2700000" scaled="1"/>
             </a:gradFill>
-            <a:ln>
+            <a:ln w="19050">
               <a:solidFill>
                 <a:schemeClr val="tx1"/>
               </a:solidFill>
@@ -25329,7 +26960,7 @@
             </a:fontRef>
           </p:style>
           <p:txBody>
-            <a:bodyPr lIns="0" tIns="45720" rIns="0" rtlCol="0" anchor="ctr"/>
+            <a:bodyPr lIns="45720" tIns="45720" rIns="45720" rtlCol="0" anchor="ctr"/>
             <a:lstStyle/>
             <a:p>
               <a:pPr marL="0" marR="0" lvl="0" indent="0" algn="ctr" defTabSz="914400" rtl="0" eaLnBrk="1" fontAlgn="auto" latinLnBrk="0" hangingPunct="1">
@@ -25350,35 +26981,31 @@
                 <a:defRPr/>
               </a:pPr>
               <a:r>
-                <a:rPr kumimoji="0" lang="en-US" sz="1200" i="0" u="none" strike="noStrike" kern="1200" normalizeH="0" baseline="0" noProof="0" dirty="0">
-                  <a:ln w="0"/>
+                <a:rPr kumimoji="0" lang="en-US" sz="1200" b="1" i="0" u="none" strike="noStrike" kern="1200" cap="none" spc="0" normalizeH="0" baseline="0" noProof="0" dirty="0">
+                  <a:ln>
+                    <a:noFill/>
+                  </a:ln>
                   <a:solidFill>
-                    <a:schemeClr val="tx1"/>
+                    <a:srgbClr val="FFFFFF"/>
                   </a:solidFill>
-                  <a:effectLst>
-                    <a:outerShdw blurRad="38100" dist="19050" dir="2700000" algn="tl" rotWithShape="0">
-                      <a:schemeClr val="dk1">
-                        <a:alpha val="40000"/>
-                      </a:schemeClr>
-                    </a:outerShdw>
-                  </a:effectLst>
+                  <a:effectLst/>
                   <a:uLnTx/>
                   <a:uFillTx/>
-                  <a:latin typeface="Amazon Ember Medium"/>
+                  <a:latin typeface="Amazon Ember Display" panose="020F0603020204020204" pitchFamily="34" charset="0"/>
                   <a:ea typeface="+mn-ea"/>
                   <a:cs typeface="+mn-cs"/>
                 </a:rPr>
-                <a:t>ML models</a:t>
+                <a:t>Q&amp;A</a:t>
               </a:r>
             </a:p>
           </p:txBody>
         </p:sp>
         <p:sp>
           <p:nvSpPr>
-            <p:cNvPr id="50" name="Rectangle: Rounded Corners 125">
+            <p:cNvPr id="65" name="Rectangle: Rounded Corners 3365">
               <a:extLst>
                 <a:ext uri="{FF2B5EF4-FFF2-40B4-BE49-F238E27FC236}">
-                  <a16:creationId xmlns:a16="http://schemas.microsoft.com/office/drawing/2014/main" id="{DCA49E3D-EE1E-5EC6-D850-CBD3BFAC5DAB}"/>
+                  <a16:creationId xmlns:a16="http://schemas.microsoft.com/office/drawing/2014/main" id="{1775BA0F-A124-142A-9FF6-2A4E9C3C1938}"/>
                 </a:ext>
               </a:extLst>
             </p:cNvPr>
@@ -25387,42 +27014,37 @@
           </p:nvSpPr>
           <p:spPr>
             <a:xfrm>
-              <a:off x="2213797" y="2664618"/>
-              <a:ext cx="934410" cy="395914"/>
+              <a:off x="3954147" y="4515783"/>
+              <a:ext cx="1454462" cy="347996"/>
             </a:xfrm>
             <a:prstGeom prst="roundRect">
               <a:avLst>
                 <a:gd name="adj" fmla="val 50000"/>
               </a:avLst>
             </a:prstGeom>
-            <a:gradFill flip="none" rotWithShape="1">
+            <a:gradFill>
               <a:gsLst>
-                <a:gs pos="48000">
-                  <a:srgbClr val="A2B4F1"/>
-                </a:gs>
                 <a:gs pos="0">
                   <a:schemeClr val="accent5">
-                    <a:lumMod val="40000"/>
-                    <a:lumOff val="60000"/>
+                    <a:lumMod val="75000"/>
                   </a:schemeClr>
                 </a:gs>
-                <a:gs pos="48000">
-                  <a:schemeClr val="accent4">
-                    <a:lumMod val="97000"/>
-                    <a:lumOff val="3000"/>
+                <a:gs pos="50000">
+                  <a:schemeClr val="accent3">
+                    <a:shade val="67500"/>
+                    <a:satMod val="115000"/>
                   </a:schemeClr>
                 </a:gs>
                 <a:gs pos="100000">
-                  <a:schemeClr val="accent4">
-                    <a:lumMod val="60000"/>
-                    <a:lumOff val="40000"/>
+                  <a:schemeClr val="accent3">
+                    <a:shade val="100000"/>
+                    <a:satMod val="115000"/>
                   </a:schemeClr>
                 </a:gs>
               </a:gsLst>
-              <a:lin ang="16200000" scaled="1"/>
-              <a:tileRect/>
+              <a:lin ang="2700000" scaled="1"/>
             </a:gradFill>
-            <a:ln>
+            <a:ln w="19050">
               <a:solidFill>
                 <a:schemeClr val="tx1"/>
               </a:solidFill>
@@ -25452,7 +27074,7 @@
             </a:fontRef>
           </p:style>
           <p:txBody>
-            <a:bodyPr lIns="0" tIns="45720" rIns="0" rtlCol="0" anchor="ctr"/>
+            <a:bodyPr lIns="45720" tIns="45720" rIns="45720" rtlCol="0" anchor="ctr"/>
             <a:lstStyle/>
             <a:p>
               <a:pPr marL="0" marR="0" lvl="0" indent="0" algn="ctr" defTabSz="914400" rtl="0" eaLnBrk="1" fontAlgn="auto" latinLnBrk="0" hangingPunct="1">
@@ -25473,1639 +27095,26 @@
                 <a:defRPr/>
               </a:pPr>
               <a:r>
-                <a:rPr kumimoji="0" lang="en-US" sz="1200" i="0" u="none" strike="noStrike" kern="1200" normalizeH="0" baseline="0" noProof="0" dirty="0">
-                  <a:ln w="0"/>
+                <a:rPr kumimoji="0" lang="en-US" sz="1200" b="1" i="0" u="none" strike="noStrike" kern="1200" cap="none" spc="0" normalizeH="0" baseline="0" noProof="0" dirty="0">
+                  <a:ln>
+                    <a:noFill/>
+                  </a:ln>
                   <a:solidFill>
-                    <a:schemeClr val="tx1"/>
+                    <a:srgbClr val="FFFFFF"/>
                   </a:solidFill>
-                  <a:effectLst>
-                    <a:outerShdw blurRad="38100" dist="19050" dir="2700000" algn="tl" rotWithShape="0">
-                      <a:schemeClr val="dk1">
-                        <a:alpha val="40000"/>
-                      </a:schemeClr>
-                    </a:outerShdw>
-                  </a:effectLst>
+                  <a:effectLst/>
                   <a:uLnTx/>
                   <a:uFillTx/>
-                  <a:latin typeface="Amazon Ember Medium"/>
+                  <a:latin typeface="Amazon Ember Display" panose="020F0603020204020204" pitchFamily="34" charset="0"/>
                   <a:ea typeface="+mn-ea"/>
                   <a:cs typeface="+mn-cs"/>
                 </a:rPr>
-                <a:t>…</a:t>
-              </a:r>
-            </a:p>
-          </p:txBody>
-        </p:sp>
-        <p:sp>
-          <p:nvSpPr>
-            <p:cNvPr id="51" name="Rectangle: Rounded Corners 2239">
-              <a:extLst>
-                <a:ext uri="{FF2B5EF4-FFF2-40B4-BE49-F238E27FC236}">
-                  <a16:creationId xmlns:a16="http://schemas.microsoft.com/office/drawing/2014/main" id="{90FA7CFF-3212-66E4-AC08-C2C258B35EA2}"/>
-                </a:ext>
-              </a:extLst>
-            </p:cNvPr>
-            <p:cNvSpPr/>
-            <p:nvPr/>
-          </p:nvSpPr>
-          <p:spPr>
-            <a:xfrm>
-              <a:off x="2213797" y="2089610"/>
-              <a:ext cx="934410" cy="395914"/>
-            </a:xfrm>
-            <a:prstGeom prst="roundRect">
-              <a:avLst>
-                <a:gd name="adj" fmla="val 50000"/>
-              </a:avLst>
-            </a:prstGeom>
-            <a:gradFill flip="none" rotWithShape="1">
-              <a:gsLst>
-                <a:gs pos="48000">
-                  <a:srgbClr val="A2B4F1"/>
-                </a:gs>
-                <a:gs pos="0">
-                  <a:schemeClr val="accent5">
-                    <a:lumMod val="40000"/>
-                    <a:lumOff val="60000"/>
-                  </a:schemeClr>
-                </a:gs>
-                <a:gs pos="48000">
-                  <a:schemeClr val="accent4">
-                    <a:lumMod val="97000"/>
-                    <a:lumOff val="3000"/>
-                  </a:schemeClr>
-                </a:gs>
-                <a:gs pos="100000">
-                  <a:schemeClr val="accent4">
-                    <a:lumMod val="60000"/>
-                    <a:lumOff val="40000"/>
-                  </a:schemeClr>
-                </a:gs>
-              </a:gsLst>
-              <a:lin ang="16200000" scaled="1"/>
-              <a:tileRect/>
-            </a:gradFill>
-            <a:ln>
-              <a:solidFill>
-                <a:schemeClr val="tx1"/>
-              </a:solidFill>
-            </a:ln>
-            <a:effectLst>
-              <a:outerShdw blurRad="50800" dist="38100" dir="2700000" algn="tl" rotWithShape="0">
-                <a:prstClr val="black">
-                  <a:alpha val="40000"/>
-                </a:prstClr>
-              </a:outerShdw>
-            </a:effectLst>
-          </p:spPr>
-          <p:style>
-            <a:lnRef idx="2">
-              <a:schemeClr val="accent1">
-                <a:shade val="50000"/>
-              </a:schemeClr>
-            </a:lnRef>
-            <a:fillRef idx="1">
-              <a:schemeClr val="accent1"/>
-            </a:fillRef>
-            <a:effectRef idx="0">
-              <a:schemeClr val="accent1"/>
-            </a:effectRef>
-            <a:fontRef idx="minor">
-              <a:schemeClr val="lt1"/>
-            </a:fontRef>
-          </p:style>
-          <p:txBody>
-            <a:bodyPr lIns="0" tIns="45720" rIns="0" rtlCol="0" anchor="ctr"/>
-            <a:lstStyle/>
-            <a:p>
-              <a:pPr marL="0" marR="0" lvl="0" indent="0" algn="ctr" defTabSz="914400" rtl="0" eaLnBrk="1" fontAlgn="auto" latinLnBrk="0" hangingPunct="1">
-                <a:lnSpc>
-                  <a:spcPct val="100000"/>
-                </a:lnSpc>
-                <a:spcBef>
-                  <a:spcPts val="0"/>
-                </a:spcBef>
-                <a:spcAft>
-                  <a:spcPts val="0"/>
-                </a:spcAft>
-                <a:buClrTx/>
-                <a:buSzTx/>
-                <a:buFontTx/>
-                <a:buNone/>
-                <a:tabLst/>
-                <a:defRPr/>
-              </a:pPr>
-              <a:r>
-                <a:rPr kumimoji="0" lang="en-US" sz="1200" i="0" u="none" strike="noStrike" kern="1200" normalizeH="0" baseline="0" noProof="0" dirty="0">
-                  <a:ln w="0"/>
-                  <a:solidFill>
-                    <a:schemeClr val="tx1"/>
-                  </a:solidFill>
-                  <a:effectLst>
-                    <a:outerShdw blurRad="38100" dist="19050" dir="2700000" algn="tl" rotWithShape="0">
-                      <a:schemeClr val="dk1">
-                        <a:alpha val="40000"/>
-                      </a:schemeClr>
-                    </a:outerShdw>
-                  </a:effectLst>
-                  <a:uLnTx/>
-                  <a:uFillTx/>
-                  <a:latin typeface="Amazon Ember Medium"/>
-                  <a:ea typeface="+mn-ea"/>
-                  <a:cs typeface="+mn-cs"/>
-                </a:rPr>
-                <a:t>…</a:t>
-              </a:r>
-            </a:p>
-          </p:txBody>
-        </p:sp>
-        <p:sp>
-          <p:nvSpPr>
-            <p:cNvPr id="52" name="Rectangle: Rounded Corners 2241">
-              <a:extLst>
-                <a:ext uri="{FF2B5EF4-FFF2-40B4-BE49-F238E27FC236}">
-                  <a16:creationId xmlns:a16="http://schemas.microsoft.com/office/drawing/2014/main" id="{606A7990-179A-D2E7-57DB-28997DC98FAD}"/>
-                </a:ext>
-              </a:extLst>
-            </p:cNvPr>
-            <p:cNvSpPr/>
-            <p:nvPr/>
-          </p:nvSpPr>
-          <p:spPr>
-            <a:xfrm>
-              <a:off x="2213797" y="4374109"/>
-              <a:ext cx="934410" cy="395914"/>
-            </a:xfrm>
-            <a:prstGeom prst="roundRect">
-              <a:avLst>
-                <a:gd name="adj" fmla="val 50000"/>
-              </a:avLst>
-            </a:prstGeom>
-            <a:gradFill flip="none" rotWithShape="1">
-              <a:gsLst>
-                <a:gs pos="48000">
-                  <a:srgbClr val="A2B4F1"/>
-                </a:gs>
-                <a:gs pos="0">
-                  <a:schemeClr val="accent5">
-                    <a:lumMod val="40000"/>
-                    <a:lumOff val="60000"/>
-                  </a:schemeClr>
-                </a:gs>
-                <a:gs pos="48000">
-                  <a:schemeClr val="accent4">
-                    <a:lumMod val="97000"/>
-                    <a:lumOff val="3000"/>
-                  </a:schemeClr>
-                </a:gs>
-                <a:gs pos="100000">
-                  <a:schemeClr val="accent4">
-                    <a:lumMod val="60000"/>
-                    <a:lumOff val="40000"/>
-                  </a:schemeClr>
-                </a:gs>
-              </a:gsLst>
-              <a:lin ang="16200000" scaled="1"/>
-              <a:tileRect/>
-            </a:gradFill>
-            <a:ln>
-              <a:solidFill>
-                <a:schemeClr val="tx1"/>
-              </a:solidFill>
-            </a:ln>
-            <a:effectLst>
-              <a:outerShdw blurRad="50800" dist="38100" dir="2700000" algn="tl" rotWithShape="0">
-                <a:prstClr val="black">
-                  <a:alpha val="40000"/>
-                </a:prstClr>
-              </a:outerShdw>
-            </a:effectLst>
-          </p:spPr>
-          <p:style>
-            <a:lnRef idx="2">
-              <a:schemeClr val="accent1">
-                <a:shade val="50000"/>
-              </a:schemeClr>
-            </a:lnRef>
-            <a:fillRef idx="1">
-              <a:schemeClr val="accent1"/>
-            </a:fillRef>
-            <a:effectRef idx="0">
-              <a:schemeClr val="accent1"/>
-            </a:effectRef>
-            <a:fontRef idx="minor">
-              <a:schemeClr val="lt1"/>
-            </a:fontRef>
-          </p:style>
-          <p:txBody>
-            <a:bodyPr lIns="0" tIns="45720" rIns="0" rtlCol="0" anchor="ctr"/>
-            <a:lstStyle/>
-            <a:p>
-              <a:pPr marL="0" marR="0" lvl="0" indent="0" algn="ctr" defTabSz="914400" rtl="0" eaLnBrk="1" fontAlgn="auto" latinLnBrk="0" hangingPunct="1">
-                <a:lnSpc>
-                  <a:spcPct val="100000"/>
-                </a:lnSpc>
-                <a:spcBef>
-                  <a:spcPts val="0"/>
-                </a:spcBef>
-                <a:spcAft>
-                  <a:spcPts val="0"/>
-                </a:spcAft>
-                <a:buClrTx/>
-                <a:buSzTx/>
-                <a:buFontTx/>
-                <a:buNone/>
-                <a:tabLst/>
-                <a:defRPr/>
-              </a:pPr>
-              <a:r>
-                <a:rPr kumimoji="0" lang="en-US" sz="1200" i="0" u="none" strike="noStrike" kern="1200" normalizeH="0" baseline="0" noProof="0" dirty="0">
-                  <a:ln w="0"/>
-                  <a:solidFill>
-                    <a:schemeClr val="tx1"/>
-                  </a:solidFill>
-                  <a:effectLst>
-                    <a:outerShdw blurRad="38100" dist="19050" dir="2700000" algn="tl" rotWithShape="0">
-                      <a:schemeClr val="dk1">
-                        <a:alpha val="40000"/>
-                      </a:schemeClr>
-                    </a:outerShdw>
-                  </a:effectLst>
-                  <a:uLnTx/>
-                  <a:uFillTx/>
-                  <a:latin typeface="Amazon Ember Medium"/>
-                  <a:ea typeface="+mn-ea"/>
-                  <a:cs typeface="+mn-cs"/>
-                </a:rPr>
-                <a:t>…</a:t>
-              </a:r>
-            </a:p>
-          </p:txBody>
-        </p:sp>
-        <p:sp>
-          <p:nvSpPr>
-            <p:cNvPr id="53" name="Rectangle: Rounded Corners 2243">
-              <a:extLst>
-                <a:ext uri="{FF2B5EF4-FFF2-40B4-BE49-F238E27FC236}">
-                  <a16:creationId xmlns:a16="http://schemas.microsoft.com/office/drawing/2014/main" id="{A6BBD00B-65A4-0D38-63EC-D44EFE25C8A3}"/>
-                </a:ext>
-              </a:extLst>
-            </p:cNvPr>
-            <p:cNvSpPr/>
-            <p:nvPr/>
-          </p:nvSpPr>
-          <p:spPr>
-            <a:xfrm>
-              <a:off x="2213797" y="3799102"/>
-              <a:ext cx="934410" cy="395914"/>
-            </a:xfrm>
-            <a:prstGeom prst="roundRect">
-              <a:avLst>
-                <a:gd name="adj" fmla="val 50000"/>
-              </a:avLst>
-            </a:prstGeom>
-            <a:gradFill flip="none" rotWithShape="1">
-              <a:gsLst>
-                <a:gs pos="48000">
-                  <a:srgbClr val="A2B4F1"/>
-                </a:gs>
-                <a:gs pos="0">
-                  <a:schemeClr val="accent5">
-                    <a:lumMod val="40000"/>
-                    <a:lumOff val="60000"/>
-                  </a:schemeClr>
-                </a:gs>
-                <a:gs pos="48000">
-                  <a:schemeClr val="accent4">
-                    <a:lumMod val="97000"/>
-                    <a:lumOff val="3000"/>
-                  </a:schemeClr>
-                </a:gs>
-                <a:gs pos="100000">
-                  <a:schemeClr val="accent4">
-                    <a:lumMod val="60000"/>
-                    <a:lumOff val="40000"/>
-                  </a:schemeClr>
-                </a:gs>
-              </a:gsLst>
-              <a:lin ang="16200000" scaled="1"/>
-              <a:tileRect/>
-            </a:gradFill>
-            <a:ln>
-              <a:solidFill>
-                <a:schemeClr val="tx1"/>
-              </a:solidFill>
-            </a:ln>
-            <a:effectLst>
-              <a:outerShdw blurRad="50800" dist="38100" dir="2700000" algn="tl" rotWithShape="0">
-                <a:prstClr val="black">
-                  <a:alpha val="40000"/>
-                </a:prstClr>
-              </a:outerShdw>
-            </a:effectLst>
-          </p:spPr>
-          <p:style>
-            <a:lnRef idx="2">
-              <a:schemeClr val="accent1">
-                <a:shade val="50000"/>
-              </a:schemeClr>
-            </a:lnRef>
-            <a:fillRef idx="1">
-              <a:schemeClr val="accent1"/>
-            </a:fillRef>
-            <a:effectRef idx="0">
-              <a:schemeClr val="accent1"/>
-            </a:effectRef>
-            <a:fontRef idx="minor">
-              <a:schemeClr val="lt1"/>
-            </a:fontRef>
-          </p:style>
-          <p:txBody>
-            <a:bodyPr lIns="0" tIns="45720" rIns="0" rtlCol="0" anchor="ctr"/>
-            <a:lstStyle/>
-            <a:p>
-              <a:pPr marL="0" marR="0" lvl="0" indent="0" algn="ctr" defTabSz="914400" rtl="0" eaLnBrk="1" fontAlgn="auto" latinLnBrk="0" hangingPunct="1">
-                <a:lnSpc>
-                  <a:spcPct val="100000"/>
-                </a:lnSpc>
-                <a:spcBef>
-                  <a:spcPts val="0"/>
-                </a:spcBef>
-                <a:spcAft>
-                  <a:spcPts val="0"/>
-                </a:spcAft>
-                <a:buClrTx/>
-                <a:buSzTx/>
-                <a:buFontTx/>
-                <a:buNone/>
-                <a:tabLst/>
-                <a:defRPr/>
-              </a:pPr>
-              <a:r>
-                <a:rPr kumimoji="0" lang="en-US" sz="1200" i="0" u="none" strike="noStrike" kern="1200" normalizeH="0" baseline="0" noProof="0" dirty="0">
-                  <a:ln w="0"/>
-                  <a:solidFill>
-                    <a:schemeClr val="tx1"/>
-                  </a:solidFill>
-                  <a:effectLst>
-                    <a:outerShdw blurRad="38100" dist="19050" dir="2700000" algn="tl" rotWithShape="0">
-                      <a:schemeClr val="dk1">
-                        <a:alpha val="40000"/>
-                      </a:schemeClr>
-                    </a:outerShdw>
-                  </a:effectLst>
-                  <a:uLnTx/>
-                  <a:uFillTx/>
-                  <a:latin typeface="Amazon Ember Medium"/>
-                  <a:ea typeface="+mn-ea"/>
-                  <a:cs typeface="+mn-cs"/>
-                </a:rPr>
-                <a:t>…</a:t>
-              </a:r>
-            </a:p>
-          </p:txBody>
-        </p:sp>
-        <p:sp>
-          <p:nvSpPr>
-            <p:cNvPr id="54" name="Rectangle: Rounded Corners 52">
-              <a:extLst>
-                <a:ext uri="{FF2B5EF4-FFF2-40B4-BE49-F238E27FC236}">
-                  <a16:creationId xmlns:a16="http://schemas.microsoft.com/office/drawing/2014/main" id="{53FE0DC7-27DE-6FBB-8ED6-CBF895AB07BC}"/>
-                </a:ext>
-              </a:extLst>
-            </p:cNvPr>
-            <p:cNvSpPr/>
-            <p:nvPr/>
-          </p:nvSpPr>
-          <p:spPr>
-            <a:xfrm>
-              <a:off x="525638" y="3189304"/>
-              <a:ext cx="934410" cy="488792"/>
-            </a:xfrm>
-            <a:prstGeom prst="roundRect">
-              <a:avLst>
-                <a:gd name="adj" fmla="val 50000"/>
-              </a:avLst>
-            </a:prstGeom>
-            <a:gradFill flip="none" rotWithShape="1">
-              <a:gsLst>
-                <a:gs pos="48000">
-                  <a:srgbClr val="A2B4F1"/>
-                </a:gs>
-                <a:gs pos="0">
-                  <a:schemeClr val="accent5">
-                    <a:lumMod val="40000"/>
-                    <a:lumOff val="60000"/>
-                  </a:schemeClr>
-                </a:gs>
-                <a:gs pos="48000">
-                  <a:schemeClr val="accent4">
-                    <a:lumMod val="97000"/>
-                    <a:lumOff val="3000"/>
-                  </a:schemeClr>
-                </a:gs>
-                <a:gs pos="100000">
-                  <a:schemeClr val="accent4">
-                    <a:lumMod val="60000"/>
-                    <a:lumOff val="40000"/>
-                  </a:schemeClr>
-                </a:gs>
-              </a:gsLst>
-              <a:lin ang="16200000" scaled="1"/>
-              <a:tileRect/>
-            </a:gradFill>
-            <a:ln>
-              <a:gradFill flip="none" rotWithShape="1">
-                <a:gsLst>
-                  <a:gs pos="0">
-                    <a:schemeClr val="accent4"/>
-                  </a:gs>
-                  <a:gs pos="100000">
-                    <a:schemeClr val="accent4">
-                      <a:lumMod val="75000"/>
-                    </a:schemeClr>
-                  </a:gs>
-                </a:gsLst>
-                <a:lin ang="18900000" scaled="1"/>
-                <a:tileRect/>
-              </a:gradFill>
-            </a:ln>
-            <a:effectLst>
-              <a:outerShdw blurRad="50800" dist="38100" dir="2700000" algn="tl" rotWithShape="0">
-                <a:prstClr val="black">
-                  <a:alpha val="40000"/>
-                </a:prstClr>
-              </a:outerShdw>
-            </a:effectLst>
-          </p:spPr>
-          <p:style>
-            <a:lnRef idx="2">
-              <a:schemeClr val="accent1">
-                <a:shade val="50000"/>
-              </a:schemeClr>
-            </a:lnRef>
-            <a:fillRef idx="1">
-              <a:schemeClr val="accent1"/>
-            </a:fillRef>
-            <a:effectRef idx="0">
-              <a:schemeClr val="accent1"/>
-            </a:effectRef>
-            <a:fontRef idx="minor">
-              <a:schemeClr val="lt1"/>
-            </a:fontRef>
-          </p:style>
-          <p:txBody>
-            <a:bodyPr lIns="0" tIns="45720" rIns="0" rtlCol="0" anchor="ctr"/>
-            <a:lstStyle/>
-            <a:p>
-              <a:pPr marL="0" marR="0" lvl="0" indent="0" algn="ctr" defTabSz="914400" rtl="0" eaLnBrk="1" fontAlgn="auto" latinLnBrk="0" hangingPunct="1">
-                <a:lnSpc>
-                  <a:spcPct val="100000"/>
-                </a:lnSpc>
-                <a:spcBef>
-                  <a:spcPts val="0"/>
-                </a:spcBef>
-                <a:spcAft>
-                  <a:spcPts val="0"/>
-                </a:spcAft>
-                <a:buClrTx/>
-                <a:buSzTx/>
-                <a:buFontTx/>
-                <a:buNone/>
-                <a:tabLst/>
-                <a:defRPr/>
-              </a:pPr>
-              <a:r>
-                <a:rPr kumimoji="0" lang="en-US" sz="1200" i="0" u="none" strike="noStrike" kern="1200" normalizeH="0" baseline="0" noProof="0" dirty="0">
-                  <a:ln w="0"/>
-                  <a:solidFill>
-                    <a:schemeClr val="tx1"/>
-                  </a:solidFill>
-                  <a:effectLst>
-                    <a:outerShdw blurRad="38100" dist="19050" dir="2700000" algn="tl" rotWithShape="0">
-                      <a:schemeClr val="dk1">
-                        <a:alpha val="40000"/>
-                      </a:schemeClr>
-                    </a:outerShdw>
-                  </a:effectLst>
-                  <a:uLnTx/>
-                  <a:uFillTx/>
-                  <a:latin typeface="Amazon Ember Medium"/>
-                  <a:ea typeface="+mn-ea"/>
-                  <a:cs typeface="+mn-cs"/>
-                </a:rPr>
-                <a:t>Labeled data</a:t>
-              </a:r>
-            </a:p>
-          </p:txBody>
-        </p:sp>
-        <p:sp>
-          <p:nvSpPr>
-            <p:cNvPr id="55" name="Rectangle: Rounded Corners 124">
-              <a:extLst>
-                <a:ext uri="{FF2B5EF4-FFF2-40B4-BE49-F238E27FC236}">
-                  <a16:creationId xmlns:a16="http://schemas.microsoft.com/office/drawing/2014/main" id="{AE026C58-835E-1097-D34E-668F43C3967B}"/>
-                </a:ext>
-              </a:extLst>
-            </p:cNvPr>
-            <p:cNvSpPr/>
-            <p:nvPr/>
-          </p:nvSpPr>
-          <p:spPr>
-            <a:xfrm>
-              <a:off x="525638" y="2668501"/>
-              <a:ext cx="934410" cy="388148"/>
-            </a:xfrm>
-            <a:prstGeom prst="roundRect">
-              <a:avLst>
-                <a:gd name="adj" fmla="val 50000"/>
-              </a:avLst>
-            </a:prstGeom>
-            <a:gradFill flip="none" rotWithShape="1">
-              <a:gsLst>
-                <a:gs pos="48000">
-                  <a:srgbClr val="A2B4F1"/>
-                </a:gs>
-                <a:gs pos="0">
-                  <a:schemeClr val="accent5">
-                    <a:lumMod val="40000"/>
-                    <a:lumOff val="60000"/>
-                  </a:schemeClr>
-                </a:gs>
-                <a:gs pos="48000">
-                  <a:schemeClr val="accent4">
-                    <a:lumMod val="97000"/>
-                    <a:lumOff val="3000"/>
-                  </a:schemeClr>
-                </a:gs>
-                <a:gs pos="100000">
-                  <a:schemeClr val="accent4">
-                    <a:lumMod val="60000"/>
-                    <a:lumOff val="40000"/>
-                  </a:schemeClr>
-                </a:gs>
-              </a:gsLst>
-              <a:lin ang="16200000" scaled="1"/>
-              <a:tileRect/>
-            </a:gradFill>
-            <a:ln>
-              <a:gradFill flip="none" rotWithShape="1">
-                <a:gsLst>
-                  <a:gs pos="0">
-                    <a:schemeClr val="accent4"/>
-                  </a:gs>
-                  <a:gs pos="100000">
-                    <a:schemeClr val="accent4">
-                      <a:lumMod val="75000"/>
-                    </a:schemeClr>
-                  </a:gs>
-                </a:gsLst>
-                <a:lin ang="18900000" scaled="1"/>
-                <a:tileRect/>
-              </a:gradFill>
-            </a:ln>
-            <a:effectLst>
-              <a:outerShdw blurRad="50800" dist="38100" dir="2700000" algn="tl" rotWithShape="0">
-                <a:prstClr val="black">
-                  <a:alpha val="40000"/>
-                </a:prstClr>
-              </a:outerShdw>
-            </a:effectLst>
-          </p:spPr>
-          <p:style>
-            <a:lnRef idx="2">
-              <a:schemeClr val="accent1">
-                <a:shade val="50000"/>
-              </a:schemeClr>
-            </a:lnRef>
-            <a:fillRef idx="1">
-              <a:schemeClr val="accent1"/>
-            </a:fillRef>
-            <a:effectRef idx="0">
-              <a:schemeClr val="accent1"/>
-            </a:effectRef>
-            <a:fontRef idx="minor">
-              <a:schemeClr val="lt1"/>
-            </a:fontRef>
-          </p:style>
-          <p:txBody>
-            <a:bodyPr lIns="0" tIns="45720" rIns="0" rtlCol="0" anchor="ctr"/>
-            <a:lstStyle/>
-            <a:p>
-              <a:pPr marL="0" marR="0" lvl="0" indent="0" algn="ctr" defTabSz="914400" rtl="0" eaLnBrk="1" fontAlgn="auto" latinLnBrk="0" hangingPunct="1">
-                <a:lnSpc>
-                  <a:spcPct val="100000"/>
-                </a:lnSpc>
-                <a:spcBef>
-                  <a:spcPts val="0"/>
-                </a:spcBef>
-                <a:spcAft>
-                  <a:spcPts val="0"/>
-                </a:spcAft>
-                <a:buClrTx/>
-                <a:buSzTx/>
-                <a:buFontTx/>
-                <a:buNone/>
-                <a:tabLst/>
-                <a:defRPr/>
-              </a:pPr>
-              <a:r>
-                <a:rPr kumimoji="0" lang="en-US" sz="1200" i="0" u="none" strike="noStrike" kern="1200" normalizeH="0" baseline="0" noProof="0" dirty="0">
-                  <a:ln w="0"/>
-                  <a:solidFill>
-                    <a:schemeClr val="tx1"/>
-                  </a:solidFill>
-                  <a:effectLst>
-                    <a:outerShdw blurRad="38100" dist="19050" dir="2700000" algn="tl" rotWithShape="0">
-                      <a:schemeClr val="dk1">
-                        <a:alpha val="40000"/>
-                      </a:schemeClr>
-                    </a:outerShdw>
-                  </a:effectLst>
-                  <a:uLnTx/>
-                  <a:uFillTx/>
-                  <a:latin typeface="Amazon Ember Medium"/>
-                  <a:ea typeface="+mn-ea"/>
-                  <a:cs typeface="+mn-cs"/>
-                </a:rPr>
-                <a:t>…</a:t>
-              </a:r>
-            </a:p>
-          </p:txBody>
-        </p:sp>
-        <p:sp>
-          <p:nvSpPr>
-            <p:cNvPr id="56" name="Rectangle: Rounded Corners 126">
-              <a:extLst>
-                <a:ext uri="{FF2B5EF4-FFF2-40B4-BE49-F238E27FC236}">
-                  <a16:creationId xmlns:a16="http://schemas.microsoft.com/office/drawing/2014/main" id="{94D49CAF-065D-F38F-1AAC-EF3B95869463}"/>
-                </a:ext>
-              </a:extLst>
-            </p:cNvPr>
-            <p:cNvSpPr/>
-            <p:nvPr/>
-          </p:nvSpPr>
-          <p:spPr>
-            <a:xfrm>
-              <a:off x="525638" y="2093493"/>
-              <a:ext cx="934410" cy="388148"/>
-            </a:xfrm>
-            <a:prstGeom prst="roundRect">
-              <a:avLst>
-                <a:gd name="adj" fmla="val 50000"/>
-              </a:avLst>
-            </a:prstGeom>
-            <a:gradFill flip="none" rotWithShape="1">
-              <a:gsLst>
-                <a:gs pos="48000">
-                  <a:srgbClr val="A2B4F1"/>
-                </a:gs>
-                <a:gs pos="0">
-                  <a:schemeClr val="accent5">
-                    <a:lumMod val="40000"/>
-                    <a:lumOff val="60000"/>
-                  </a:schemeClr>
-                </a:gs>
-                <a:gs pos="48000">
-                  <a:schemeClr val="accent4">
-                    <a:lumMod val="97000"/>
-                    <a:lumOff val="3000"/>
-                  </a:schemeClr>
-                </a:gs>
-                <a:gs pos="100000">
-                  <a:schemeClr val="accent4">
-                    <a:lumMod val="60000"/>
-                    <a:lumOff val="40000"/>
-                  </a:schemeClr>
-                </a:gs>
-              </a:gsLst>
-              <a:lin ang="16200000" scaled="1"/>
-              <a:tileRect/>
-            </a:gradFill>
-            <a:ln>
-              <a:gradFill flip="none" rotWithShape="1">
-                <a:gsLst>
-                  <a:gs pos="0">
-                    <a:schemeClr val="accent4"/>
-                  </a:gs>
-                  <a:gs pos="100000">
-                    <a:schemeClr val="accent4">
-                      <a:lumMod val="75000"/>
-                    </a:schemeClr>
-                  </a:gs>
-                </a:gsLst>
-                <a:lin ang="18900000" scaled="1"/>
-                <a:tileRect/>
-              </a:gradFill>
-            </a:ln>
-            <a:effectLst>
-              <a:outerShdw blurRad="50800" dist="38100" dir="2700000" algn="tl" rotWithShape="0">
-                <a:prstClr val="black">
-                  <a:alpha val="40000"/>
-                </a:prstClr>
-              </a:outerShdw>
-            </a:effectLst>
-          </p:spPr>
-          <p:style>
-            <a:lnRef idx="2">
-              <a:schemeClr val="accent1">
-                <a:shade val="50000"/>
-              </a:schemeClr>
-            </a:lnRef>
-            <a:fillRef idx="1">
-              <a:schemeClr val="accent1"/>
-            </a:fillRef>
-            <a:effectRef idx="0">
-              <a:schemeClr val="accent1"/>
-            </a:effectRef>
-            <a:fontRef idx="minor">
-              <a:schemeClr val="lt1"/>
-            </a:fontRef>
-          </p:style>
-          <p:txBody>
-            <a:bodyPr lIns="0" tIns="45720" rIns="0" rtlCol="0" anchor="ctr"/>
-            <a:lstStyle/>
-            <a:p>
-              <a:pPr marL="0" marR="0" lvl="0" indent="0" algn="ctr" defTabSz="914400" rtl="0" eaLnBrk="1" fontAlgn="auto" latinLnBrk="0" hangingPunct="1">
-                <a:lnSpc>
-                  <a:spcPct val="100000"/>
-                </a:lnSpc>
-                <a:spcBef>
-                  <a:spcPts val="0"/>
-                </a:spcBef>
-                <a:spcAft>
-                  <a:spcPts val="0"/>
-                </a:spcAft>
-                <a:buClrTx/>
-                <a:buSzTx/>
-                <a:buFontTx/>
-                <a:buNone/>
-                <a:tabLst/>
-                <a:defRPr/>
-              </a:pPr>
-              <a:r>
-                <a:rPr kumimoji="0" lang="en-US" sz="1200" i="0" u="none" strike="noStrike" kern="1200" normalizeH="0" baseline="0" noProof="0" dirty="0">
-                  <a:ln w="0"/>
-                  <a:solidFill>
-                    <a:schemeClr val="tx1"/>
-                  </a:solidFill>
-                  <a:effectLst>
-                    <a:outerShdw blurRad="38100" dist="19050" dir="2700000" algn="tl" rotWithShape="0">
-                      <a:schemeClr val="dk1">
-                        <a:alpha val="40000"/>
-                      </a:schemeClr>
-                    </a:outerShdw>
-                  </a:effectLst>
-                  <a:uLnTx/>
-                  <a:uFillTx/>
-                  <a:latin typeface="Amazon Ember Medium"/>
-                  <a:ea typeface="+mn-ea"/>
-                  <a:cs typeface="+mn-cs"/>
-                </a:rPr>
-                <a:t>…</a:t>
-              </a:r>
-            </a:p>
-          </p:txBody>
-        </p:sp>
-        <p:sp>
-          <p:nvSpPr>
-            <p:cNvPr id="57" name="Rectangle: Rounded Corners 2240">
-              <a:extLst>
-                <a:ext uri="{FF2B5EF4-FFF2-40B4-BE49-F238E27FC236}">
-                  <a16:creationId xmlns:a16="http://schemas.microsoft.com/office/drawing/2014/main" id="{60DCD053-A68D-B499-9B0E-FD6F8AA00CAA}"/>
-                </a:ext>
-              </a:extLst>
-            </p:cNvPr>
-            <p:cNvSpPr/>
-            <p:nvPr/>
-          </p:nvSpPr>
-          <p:spPr>
-            <a:xfrm>
-              <a:off x="525638" y="4377992"/>
-              <a:ext cx="934410" cy="388148"/>
-            </a:xfrm>
-            <a:prstGeom prst="roundRect">
-              <a:avLst>
-                <a:gd name="adj" fmla="val 50000"/>
-              </a:avLst>
-            </a:prstGeom>
-            <a:gradFill flip="none" rotWithShape="1">
-              <a:gsLst>
-                <a:gs pos="48000">
-                  <a:srgbClr val="A2B4F1"/>
-                </a:gs>
-                <a:gs pos="0">
-                  <a:schemeClr val="accent5">
-                    <a:lumMod val="40000"/>
-                    <a:lumOff val="60000"/>
-                  </a:schemeClr>
-                </a:gs>
-                <a:gs pos="48000">
-                  <a:schemeClr val="accent4">
-                    <a:lumMod val="97000"/>
-                    <a:lumOff val="3000"/>
-                  </a:schemeClr>
-                </a:gs>
-                <a:gs pos="100000">
-                  <a:schemeClr val="accent4">
-                    <a:lumMod val="60000"/>
-                    <a:lumOff val="40000"/>
-                  </a:schemeClr>
-                </a:gs>
-              </a:gsLst>
-              <a:lin ang="16200000" scaled="1"/>
-              <a:tileRect/>
-            </a:gradFill>
-            <a:ln>
-              <a:gradFill flip="none" rotWithShape="1">
-                <a:gsLst>
-                  <a:gs pos="0">
-                    <a:schemeClr val="accent4"/>
-                  </a:gs>
-                  <a:gs pos="100000">
-                    <a:schemeClr val="accent4">
-                      <a:lumMod val="75000"/>
-                    </a:schemeClr>
-                  </a:gs>
-                </a:gsLst>
-                <a:lin ang="18900000" scaled="1"/>
-                <a:tileRect/>
-              </a:gradFill>
-            </a:ln>
-            <a:effectLst>
-              <a:outerShdw blurRad="50800" dist="38100" dir="2700000" algn="tl" rotWithShape="0">
-                <a:prstClr val="black">
-                  <a:alpha val="40000"/>
-                </a:prstClr>
-              </a:outerShdw>
-            </a:effectLst>
-          </p:spPr>
-          <p:style>
-            <a:lnRef idx="2">
-              <a:schemeClr val="accent1">
-                <a:shade val="50000"/>
-              </a:schemeClr>
-            </a:lnRef>
-            <a:fillRef idx="1">
-              <a:schemeClr val="accent1"/>
-            </a:fillRef>
-            <a:effectRef idx="0">
-              <a:schemeClr val="accent1"/>
-            </a:effectRef>
-            <a:fontRef idx="minor">
-              <a:schemeClr val="lt1"/>
-            </a:fontRef>
-          </p:style>
-          <p:txBody>
-            <a:bodyPr lIns="0" tIns="45720" rIns="0" rtlCol="0" anchor="ctr"/>
-            <a:lstStyle/>
-            <a:p>
-              <a:pPr marL="0" marR="0" lvl="0" indent="0" algn="ctr" defTabSz="914400" rtl="0" eaLnBrk="1" fontAlgn="auto" latinLnBrk="0" hangingPunct="1">
-                <a:lnSpc>
-                  <a:spcPct val="100000"/>
-                </a:lnSpc>
-                <a:spcBef>
-                  <a:spcPts val="0"/>
-                </a:spcBef>
-                <a:spcAft>
-                  <a:spcPts val="0"/>
-                </a:spcAft>
-                <a:buClrTx/>
-                <a:buSzTx/>
-                <a:buFontTx/>
-                <a:buNone/>
-                <a:tabLst/>
-                <a:defRPr/>
-              </a:pPr>
-              <a:r>
-                <a:rPr kumimoji="0" lang="en-US" sz="1200" i="0" u="none" strike="noStrike" kern="1200" normalizeH="0" baseline="0" noProof="0" dirty="0">
-                  <a:ln w="0"/>
-                  <a:solidFill>
-                    <a:schemeClr val="tx1"/>
-                  </a:solidFill>
-                  <a:effectLst>
-                    <a:outerShdw blurRad="38100" dist="19050" dir="2700000" algn="tl" rotWithShape="0">
-                      <a:schemeClr val="dk1">
-                        <a:alpha val="40000"/>
-                      </a:schemeClr>
-                    </a:outerShdw>
-                  </a:effectLst>
-                  <a:uLnTx/>
-                  <a:uFillTx/>
-                  <a:latin typeface="Amazon Ember Medium"/>
-                  <a:ea typeface="+mn-ea"/>
-                  <a:cs typeface="+mn-cs"/>
-                </a:rPr>
-                <a:t>…</a:t>
-              </a:r>
-            </a:p>
-          </p:txBody>
-        </p:sp>
-        <p:sp>
-          <p:nvSpPr>
-            <p:cNvPr id="58" name="Rectangle: Rounded Corners 2242">
-              <a:extLst>
-                <a:ext uri="{FF2B5EF4-FFF2-40B4-BE49-F238E27FC236}">
-                  <a16:creationId xmlns:a16="http://schemas.microsoft.com/office/drawing/2014/main" id="{7BBC9562-8E82-2416-EC4D-CC63E5E6983F}"/>
-                </a:ext>
-              </a:extLst>
-            </p:cNvPr>
-            <p:cNvSpPr/>
-            <p:nvPr/>
-          </p:nvSpPr>
-          <p:spPr>
-            <a:xfrm>
-              <a:off x="525638" y="3802985"/>
-              <a:ext cx="934410" cy="388148"/>
-            </a:xfrm>
-            <a:prstGeom prst="roundRect">
-              <a:avLst>
-                <a:gd name="adj" fmla="val 50000"/>
-              </a:avLst>
-            </a:prstGeom>
-            <a:gradFill flip="none" rotWithShape="1">
-              <a:gsLst>
-                <a:gs pos="48000">
-                  <a:srgbClr val="A2B4F1"/>
-                </a:gs>
-                <a:gs pos="0">
-                  <a:schemeClr val="accent5">
-                    <a:lumMod val="40000"/>
-                    <a:lumOff val="60000"/>
-                  </a:schemeClr>
-                </a:gs>
-                <a:gs pos="48000">
-                  <a:schemeClr val="accent4">
-                    <a:lumMod val="97000"/>
-                    <a:lumOff val="3000"/>
-                  </a:schemeClr>
-                </a:gs>
-                <a:gs pos="100000">
-                  <a:schemeClr val="accent4">
-                    <a:lumMod val="60000"/>
-                    <a:lumOff val="40000"/>
-                  </a:schemeClr>
-                </a:gs>
-              </a:gsLst>
-              <a:lin ang="16200000" scaled="1"/>
-              <a:tileRect/>
-            </a:gradFill>
-            <a:ln>
-              <a:gradFill flip="none" rotWithShape="1">
-                <a:gsLst>
-                  <a:gs pos="0">
-                    <a:schemeClr val="accent4"/>
-                  </a:gs>
-                  <a:gs pos="100000">
-                    <a:schemeClr val="accent4">
-                      <a:lumMod val="75000"/>
-                    </a:schemeClr>
-                  </a:gs>
-                </a:gsLst>
-                <a:lin ang="18900000" scaled="1"/>
-                <a:tileRect/>
-              </a:gradFill>
-            </a:ln>
-            <a:effectLst>
-              <a:outerShdw blurRad="50800" dist="38100" dir="2700000" algn="tl" rotWithShape="0">
-                <a:prstClr val="black">
-                  <a:alpha val="40000"/>
-                </a:prstClr>
-              </a:outerShdw>
-            </a:effectLst>
-          </p:spPr>
-          <p:style>
-            <a:lnRef idx="2">
-              <a:schemeClr val="accent1">
-                <a:shade val="50000"/>
-              </a:schemeClr>
-            </a:lnRef>
-            <a:fillRef idx="1">
-              <a:schemeClr val="accent1"/>
-            </a:fillRef>
-            <a:effectRef idx="0">
-              <a:schemeClr val="accent1"/>
-            </a:effectRef>
-            <a:fontRef idx="minor">
-              <a:schemeClr val="lt1"/>
-            </a:fontRef>
-          </p:style>
-          <p:txBody>
-            <a:bodyPr lIns="0" tIns="45720" rIns="0" rtlCol="0" anchor="ctr"/>
-            <a:lstStyle/>
-            <a:p>
-              <a:pPr marL="0" marR="0" lvl="0" indent="0" algn="ctr" defTabSz="914400" rtl="0" eaLnBrk="1" fontAlgn="auto" latinLnBrk="0" hangingPunct="1">
-                <a:lnSpc>
-                  <a:spcPct val="100000"/>
-                </a:lnSpc>
-                <a:spcBef>
-                  <a:spcPts val="0"/>
-                </a:spcBef>
-                <a:spcAft>
-                  <a:spcPts val="0"/>
-                </a:spcAft>
-                <a:buClrTx/>
-                <a:buSzTx/>
-                <a:buFontTx/>
-                <a:buNone/>
-                <a:tabLst/>
-                <a:defRPr/>
-              </a:pPr>
-              <a:r>
-                <a:rPr kumimoji="0" lang="en-US" sz="1200" i="0" u="none" strike="noStrike" kern="1200" normalizeH="0" baseline="0" noProof="0" dirty="0">
-                  <a:ln w="0"/>
-                  <a:solidFill>
-                    <a:schemeClr val="tx1"/>
-                  </a:solidFill>
-                  <a:effectLst>
-                    <a:outerShdw blurRad="38100" dist="19050" dir="2700000" algn="tl" rotWithShape="0">
-                      <a:schemeClr val="dk1">
-                        <a:alpha val="40000"/>
-                      </a:schemeClr>
-                    </a:outerShdw>
-                  </a:effectLst>
-                  <a:uLnTx/>
-                  <a:uFillTx/>
-                  <a:latin typeface="Amazon Ember Medium"/>
-                  <a:ea typeface="+mn-ea"/>
-                  <a:cs typeface="+mn-cs"/>
-                </a:rPr>
-                <a:t>…</a:t>
+                <a:t>Chatbot</a:t>
               </a:r>
             </a:p>
           </p:txBody>
         </p:sp>
       </p:grpSp>
-      <p:sp>
-        <p:nvSpPr>
-          <p:cNvPr id="61" name="Rectangle: Rounded Corners 3361">
-            <a:extLst>
-              <a:ext uri="{FF2B5EF4-FFF2-40B4-BE49-F238E27FC236}">
-                <a16:creationId xmlns:a16="http://schemas.microsoft.com/office/drawing/2014/main" id="{B9259E35-AE69-3A77-AA7B-F2C5110ECF30}"/>
-              </a:ext>
-            </a:extLst>
-          </p:cNvPr>
-          <p:cNvSpPr/>
-          <p:nvPr/>
-        </p:nvSpPr>
-        <p:spPr>
-          <a:xfrm>
-            <a:off x="3954147" y="2429741"/>
-            <a:ext cx="1454462" cy="347996"/>
-          </a:xfrm>
-          <a:prstGeom prst="roundRect">
-            <a:avLst>
-              <a:gd name="adj" fmla="val 50000"/>
-            </a:avLst>
-          </a:prstGeom>
-          <a:gradFill>
-            <a:gsLst>
-              <a:gs pos="0">
-                <a:schemeClr val="accent5">
-                  <a:lumMod val="75000"/>
-                </a:schemeClr>
-              </a:gs>
-              <a:gs pos="50000">
-                <a:schemeClr val="accent3">
-                  <a:shade val="67500"/>
-                  <a:satMod val="115000"/>
-                </a:schemeClr>
-              </a:gs>
-              <a:gs pos="100000">
-                <a:schemeClr val="accent3">
-                  <a:shade val="100000"/>
-                  <a:satMod val="115000"/>
-                </a:schemeClr>
-              </a:gs>
-            </a:gsLst>
-            <a:lin ang="2700000" scaled="1"/>
-          </a:gradFill>
-          <a:ln w="19050">
-            <a:solidFill>
-              <a:schemeClr val="tx1"/>
-            </a:solidFill>
-          </a:ln>
-          <a:effectLst>
-            <a:outerShdw blurRad="50800" dist="38100" dir="2700000" algn="tl" rotWithShape="0">
-              <a:prstClr val="black">
-                <a:alpha val="40000"/>
-              </a:prstClr>
-            </a:outerShdw>
-          </a:effectLst>
-        </p:spPr>
-        <p:style>
-          <a:lnRef idx="2">
-            <a:schemeClr val="accent1">
-              <a:shade val="50000"/>
-            </a:schemeClr>
-          </a:lnRef>
-          <a:fillRef idx="1">
-            <a:schemeClr val="accent1"/>
-          </a:fillRef>
-          <a:effectRef idx="0">
-            <a:schemeClr val="accent1"/>
-          </a:effectRef>
-          <a:fontRef idx="minor">
-            <a:schemeClr val="lt1"/>
-          </a:fontRef>
-        </p:style>
-        <p:txBody>
-          <a:bodyPr lIns="45720" tIns="45720" rIns="45720" rtlCol="0" anchor="ctr"/>
-          <a:lstStyle/>
-          <a:p>
-            <a:pPr marL="0" marR="0" lvl="0" indent="0" algn="ctr" defTabSz="914400" rtl="0" eaLnBrk="1" fontAlgn="auto" latinLnBrk="0" hangingPunct="1">
-              <a:lnSpc>
-                <a:spcPct val="100000"/>
-              </a:lnSpc>
-              <a:spcBef>
-                <a:spcPts val="0"/>
-              </a:spcBef>
-              <a:spcAft>
-                <a:spcPts val="0"/>
-              </a:spcAft>
-              <a:buClrTx/>
-              <a:buSzTx/>
-              <a:buFontTx/>
-              <a:buNone/>
-              <a:tabLst/>
-              <a:defRPr/>
-            </a:pPr>
-            <a:r>
-              <a:rPr kumimoji="0" lang="en-US" sz="1200" b="1" i="0" u="none" strike="noStrike" kern="1200" cap="none" spc="0" normalizeH="0" baseline="0" noProof="0" dirty="0">
-                <a:ln>
-                  <a:noFill/>
-                </a:ln>
-                <a:solidFill>
-                  <a:srgbClr val="FFFFFF"/>
-                </a:solidFill>
-                <a:effectLst/>
-                <a:uLnTx/>
-                <a:uFillTx/>
-                <a:latin typeface="Amazon Ember Display" panose="020F0603020204020204" pitchFamily="34" charset="0"/>
-                <a:ea typeface="+mn-ea"/>
-                <a:cs typeface="+mn-cs"/>
-              </a:rPr>
-              <a:t>Text generation</a:t>
-            </a:r>
-          </a:p>
-        </p:txBody>
-      </p:sp>
-      <p:sp>
-        <p:nvSpPr>
-          <p:cNvPr id="62" name="Rectangle: Rounded Corners 3362">
-            <a:extLst>
-              <a:ext uri="{FF2B5EF4-FFF2-40B4-BE49-F238E27FC236}">
-                <a16:creationId xmlns:a16="http://schemas.microsoft.com/office/drawing/2014/main" id="{AABE9B7F-B2D3-80F9-B551-7858562CA11B}"/>
-              </a:ext>
-            </a:extLst>
-          </p:cNvPr>
-          <p:cNvSpPr/>
-          <p:nvPr/>
-        </p:nvSpPr>
-        <p:spPr>
-          <a:xfrm>
-            <a:off x="3954147" y="2951252"/>
-            <a:ext cx="1454462" cy="347996"/>
-          </a:xfrm>
-          <a:prstGeom prst="roundRect">
-            <a:avLst>
-              <a:gd name="adj" fmla="val 50000"/>
-            </a:avLst>
-          </a:prstGeom>
-          <a:gradFill>
-            <a:gsLst>
-              <a:gs pos="0">
-                <a:schemeClr val="accent5">
-                  <a:lumMod val="75000"/>
-                </a:schemeClr>
-              </a:gs>
-              <a:gs pos="50000">
-                <a:schemeClr val="accent3">
-                  <a:shade val="67500"/>
-                  <a:satMod val="115000"/>
-                </a:schemeClr>
-              </a:gs>
-              <a:gs pos="100000">
-                <a:schemeClr val="accent3">
-                  <a:shade val="100000"/>
-                  <a:satMod val="115000"/>
-                </a:schemeClr>
-              </a:gs>
-            </a:gsLst>
-            <a:lin ang="2700000" scaled="1"/>
-          </a:gradFill>
-          <a:ln w="19050">
-            <a:solidFill>
-              <a:schemeClr val="tx1"/>
-            </a:solidFill>
-          </a:ln>
-          <a:effectLst>
-            <a:outerShdw blurRad="50800" dist="38100" dir="2700000" algn="tl" rotWithShape="0">
-              <a:prstClr val="black">
-                <a:alpha val="40000"/>
-              </a:prstClr>
-            </a:outerShdw>
-          </a:effectLst>
-        </p:spPr>
-        <p:style>
-          <a:lnRef idx="2">
-            <a:schemeClr val="accent1">
-              <a:shade val="50000"/>
-            </a:schemeClr>
-          </a:lnRef>
-          <a:fillRef idx="1">
-            <a:schemeClr val="accent1"/>
-          </a:fillRef>
-          <a:effectRef idx="0">
-            <a:schemeClr val="accent1"/>
-          </a:effectRef>
-          <a:fontRef idx="minor">
-            <a:schemeClr val="lt1"/>
-          </a:fontRef>
-        </p:style>
-        <p:txBody>
-          <a:bodyPr lIns="45720" tIns="45720" rIns="45720" rtlCol="0" anchor="ctr"/>
-          <a:lstStyle/>
-          <a:p>
-            <a:pPr marL="0" marR="0" lvl="0" indent="0" algn="ctr" defTabSz="914400" rtl="0" eaLnBrk="1" fontAlgn="auto" latinLnBrk="0" hangingPunct="1">
-              <a:lnSpc>
-                <a:spcPct val="100000"/>
-              </a:lnSpc>
-              <a:spcBef>
-                <a:spcPts val="0"/>
-              </a:spcBef>
-              <a:spcAft>
-                <a:spcPts val="0"/>
-              </a:spcAft>
-              <a:buClrTx/>
-              <a:buSzTx/>
-              <a:buFontTx/>
-              <a:buNone/>
-              <a:tabLst/>
-              <a:defRPr/>
-            </a:pPr>
-            <a:r>
-              <a:rPr kumimoji="0" lang="en-US" sz="1200" b="1" i="0" u="none" strike="noStrike" kern="1200" cap="none" spc="0" normalizeH="0" baseline="0" noProof="0" dirty="0">
-                <a:ln>
-                  <a:noFill/>
-                </a:ln>
-                <a:solidFill>
-                  <a:srgbClr val="FFFFFF"/>
-                </a:solidFill>
-                <a:effectLst/>
-                <a:uLnTx/>
-                <a:uFillTx/>
-                <a:latin typeface="Amazon Ember Display" panose="020F0603020204020204" pitchFamily="34" charset="0"/>
-                <a:ea typeface="+mn-ea"/>
-                <a:cs typeface="+mn-cs"/>
-              </a:rPr>
-              <a:t>Summarization</a:t>
-            </a:r>
-          </a:p>
-        </p:txBody>
-      </p:sp>
-      <p:sp>
-        <p:nvSpPr>
-          <p:cNvPr id="63" name="Rectangle: Rounded Corners 3363">
-            <a:extLst>
-              <a:ext uri="{FF2B5EF4-FFF2-40B4-BE49-F238E27FC236}">
-                <a16:creationId xmlns:a16="http://schemas.microsoft.com/office/drawing/2014/main" id="{EBDCDC15-6299-3A2B-43B6-0B9124F9FA37}"/>
-              </a:ext>
-            </a:extLst>
-          </p:cNvPr>
-          <p:cNvSpPr/>
-          <p:nvPr/>
-        </p:nvSpPr>
-        <p:spPr>
-          <a:xfrm>
-            <a:off x="3954147" y="3472764"/>
-            <a:ext cx="1454462" cy="347996"/>
-          </a:xfrm>
-          <a:prstGeom prst="roundRect">
-            <a:avLst>
-              <a:gd name="adj" fmla="val 50000"/>
-            </a:avLst>
-          </a:prstGeom>
-          <a:gradFill>
-            <a:gsLst>
-              <a:gs pos="0">
-                <a:schemeClr val="accent5">
-                  <a:lumMod val="75000"/>
-                </a:schemeClr>
-              </a:gs>
-              <a:gs pos="50000">
-                <a:schemeClr val="accent3">
-                  <a:shade val="67500"/>
-                  <a:satMod val="115000"/>
-                </a:schemeClr>
-              </a:gs>
-              <a:gs pos="100000">
-                <a:schemeClr val="accent3">
-                  <a:shade val="100000"/>
-                  <a:satMod val="115000"/>
-                </a:schemeClr>
-              </a:gs>
-            </a:gsLst>
-            <a:lin ang="2700000" scaled="1"/>
-          </a:gradFill>
-          <a:ln w="19050">
-            <a:solidFill>
-              <a:schemeClr val="tx1"/>
-            </a:solidFill>
-          </a:ln>
-          <a:effectLst>
-            <a:outerShdw blurRad="50800" dist="38100" dir="2700000" algn="tl" rotWithShape="0">
-              <a:prstClr val="black">
-                <a:alpha val="40000"/>
-              </a:prstClr>
-            </a:outerShdw>
-          </a:effectLst>
-        </p:spPr>
-        <p:style>
-          <a:lnRef idx="2">
-            <a:schemeClr val="accent1">
-              <a:shade val="50000"/>
-            </a:schemeClr>
-          </a:lnRef>
-          <a:fillRef idx="1">
-            <a:schemeClr val="accent1"/>
-          </a:fillRef>
-          <a:effectRef idx="0">
-            <a:schemeClr val="accent1"/>
-          </a:effectRef>
-          <a:fontRef idx="minor">
-            <a:schemeClr val="lt1"/>
-          </a:fontRef>
-        </p:style>
-        <p:txBody>
-          <a:bodyPr lIns="45720" tIns="45720" rIns="45720" rtlCol="0" anchor="ctr"/>
-          <a:lstStyle/>
-          <a:p>
-            <a:pPr marL="0" marR="0" lvl="0" indent="0" algn="ctr" defTabSz="914400" rtl="0" eaLnBrk="1" fontAlgn="auto" latinLnBrk="0" hangingPunct="1">
-              <a:lnSpc>
-                <a:spcPct val="100000"/>
-              </a:lnSpc>
-              <a:spcBef>
-                <a:spcPts val="0"/>
-              </a:spcBef>
-              <a:spcAft>
-                <a:spcPts val="0"/>
-              </a:spcAft>
-              <a:buClrTx/>
-              <a:buSzTx/>
-              <a:buFontTx/>
-              <a:buNone/>
-              <a:tabLst/>
-              <a:defRPr/>
-            </a:pPr>
-            <a:r>
-              <a:rPr kumimoji="0" lang="en-US" sz="1200" b="1" i="0" u="none" strike="noStrike" kern="1200" cap="none" spc="0" normalizeH="0" baseline="0" noProof="0" dirty="0">
-                <a:ln>
-                  <a:noFill/>
-                </a:ln>
-                <a:solidFill>
-                  <a:srgbClr val="FFFFFF"/>
-                </a:solidFill>
-                <a:effectLst/>
-                <a:uLnTx/>
-                <a:uFillTx/>
-                <a:latin typeface="Amazon Ember Display" panose="020F0603020204020204" pitchFamily="34" charset="0"/>
-                <a:ea typeface="+mn-ea"/>
-                <a:cs typeface="+mn-cs"/>
-              </a:rPr>
-              <a:t>Information extraction</a:t>
-            </a:r>
-          </a:p>
-        </p:txBody>
-      </p:sp>
-      <p:sp>
-        <p:nvSpPr>
-          <p:cNvPr id="64" name="Rectangle: Rounded Corners 3364">
-            <a:extLst>
-              <a:ext uri="{FF2B5EF4-FFF2-40B4-BE49-F238E27FC236}">
-                <a16:creationId xmlns:a16="http://schemas.microsoft.com/office/drawing/2014/main" id="{E72026BB-B539-9C67-4D3E-2A5325866245}"/>
-              </a:ext>
-            </a:extLst>
-          </p:cNvPr>
-          <p:cNvSpPr/>
-          <p:nvPr/>
-        </p:nvSpPr>
-        <p:spPr>
-          <a:xfrm>
-            <a:off x="3954147" y="3994274"/>
-            <a:ext cx="1454462" cy="347996"/>
-          </a:xfrm>
-          <a:prstGeom prst="roundRect">
-            <a:avLst>
-              <a:gd name="adj" fmla="val 50000"/>
-            </a:avLst>
-          </a:prstGeom>
-          <a:gradFill>
-            <a:gsLst>
-              <a:gs pos="0">
-                <a:schemeClr val="accent5">
-                  <a:lumMod val="75000"/>
-                </a:schemeClr>
-              </a:gs>
-              <a:gs pos="50000">
-                <a:schemeClr val="accent3">
-                  <a:shade val="67500"/>
-                  <a:satMod val="115000"/>
-                </a:schemeClr>
-              </a:gs>
-              <a:gs pos="100000">
-                <a:schemeClr val="accent3">
-                  <a:shade val="100000"/>
-                  <a:satMod val="115000"/>
-                </a:schemeClr>
-              </a:gs>
-            </a:gsLst>
-            <a:lin ang="2700000" scaled="1"/>
-          </a:gradFill>
-          <a:ln w="19050">
-            <a:solidFill>
-              <a:schemeClr val="tx1"/>
-            </a:solidFill>
-          </a:ln>
-          <a:effectLst>
-            <a:outerShdw blurRad="50800" dist="38100" dir="2700000" algn="tl" rotWithShape="0">
-              <a:prstClr val="black">
-                <a:alpha val="40000"/>
-              </a:prstClr>
-            </a:outerShdw>
-          </a:effectLst>
-        </p:spPr>
-        <p:style>
-          <a:lnRef idx="2">
-            <a:schemeClr val="accent1">
-              <a:shade val="50000"/>
-            </a:schemeClr>
-          </a:lnRef>
-          <a:fillRef idx="1">
-            <a:schemeClr val="accent1"/>
-          </a:fillRef>
-          <a:effectRef idx="0">
-            <a:schemeClr val="accent1"/>
-          </a:effectRef>
-          <a:fontRef idx="minor">
-            <a:schemeClr val="lt1"/>
-          </a:fontRef>
-        </p:style>
-        <p:txBody>
-          <a:bodyPr lIns="45720" tIns="45720" rIns="45720" rtlCol="0" anchor="ctr"/>
-          <a:lstStyle/>
-          <a:p>
-            <a:pPr marL="0" marR="0" lvl="0" indent="0" algn="ctr" defTabSz="914400" rtl="0" eaLnBrk="1" fontAlgn="auto" latinLnBrk="0" hangingPunct="1">
-              <a:lnSpc>
-                <a:spcPct val="100000"/>
-              </a:lnSpc>
-              <a:spcBef>
-                <a:spcPts val="0"/>
-              </a:spcBef>
-              <a:spcAft>
-                <a:spcPts val="0"/>
-              </a:spcAft>
-              <a:buClrTx/>
-              <a:buSzTx/>
-              <a:buFontTx/>
-              <a:buNone/>
-              <a:tabLst/>
-              <a:defRPr/>
-            </a:pPr>
-            <a:r>
-              <a:rPr kumimoji="0" lang="en-US" sz="1200" b="1" i="0" u="none" strike="noStrike" kern="1200" cap="none" spc="0" normalizeH="0" baseline="0" noProof="0" dirty="0">
-                <a:ln>
-                  <a:noFill/>
-                </a:ln>
-                <a:solidFill>
-                  <a:srgbClr val="FFFFFF"/>
-                </a:solidFill>
-                <a:effectLst/>
-                <a:uLnTx/>
-                <a:uFillTx/>
-                <a:latin typeface="Amazon Ember Display" panose="020F0603020204020204" pitchFamily="34" charset="0"/>
-                <a:ea typeface="+mn-ea"/>
-                <a:cs typeface="+mn-cs"/>
-              </a:rPr>
-              <a:t>Q&amp;A</a:t>
-            </a:r>
-          </a:p>
-        </p:txBody>
-      </p:sp>
-      <p:sp>
-        <p:nvSpPr>
-          <p:cNvPr id="65" name="Rectangle: Rounded Corners 3365">
-            <a:extLst>
-              <a:ext uri="{FF2B5EF4-FFF2-40B4-BE49-F238E27FC236}">
-                <a16:creationId xmlns:a16="http://schemas.microsoft.com/office/drawing/2014/main" id="{1775BA0F-A124-142A-9FF6-2A4E9C3C1938}"/>
-              </a:ext>
-            </a:extLst>
-          </p:cNvPr>
-          <p:cNvSpPr/>
-          <p:nvPr/>
-        </p:nvSpPr>
-        <p:spPr>
-          <a:xfrm>
-            <a:off x="3954147" y="4515783"/>
-            <a:ext cx="1454462" cy="347996"/>
-          </a:xfrm>
-          <a:prstGeom prst="roundRect">
-            <a:avLst>
-              <a:gd name="adj" fmla="val 50000"/>
-            </a:avLst>
-          </a:prstGeom>
-          <a:gradFill>
-            <a:gsLst>
-              <a:gs pos="0">
-                <a:schemeClr val="accent5">
-                  <a:lumMod val="75000"/>
-                </a:schemeClr>
-              </a:gs>
-              <a:gs pos="50000">
-                <a:schemeClr val="accent3">
-                  <a:shade val="67500"/>
-                  <a:satMod val="115000"/>
-                </a:schemeClr>
-              </a:gs>
-              <a:gs pos="100000">
-                <a:schemeClr val="accent3">
-                  <a:shade val="100000"/>
-                  <a:satMod val="115000"/>
-                </a:schemeClr>
-              </a:gs>
-            </a:gsLst>
-            <a:lin ang="2700000" scaled="1"/>
-          </a:gradFill>
-          <a:ln w="19050">
-            <a:solidFill>
-              <a:schemeClr val="tx1"/>
-            </a:solidFill>
-          </a:ln>
-          <a:effectLst>
-            <a:outerShdw blurRad="50800" dist="38100" dir="2700000" algn="tl" rotWithShape="0">
-              <a:prstClr val="black">
-                <a:alpha val="40000"/>
-              </a:prstClr>
-            </a:outerShdw>
-          </a:effectLst>
-        </p:spPr>
-        <p:style>
-          <a:lnRef idx="2">
-            <a:schemeClr val="accent1">
-              <a:shade val="50000"/>
-            </a:schemeClr>
-          </a:lnRef>
-          <a:fillRef idx="1">
-            <a:schemeClr val="accent1"/>
-          </a:fillRef>
-          <a:effectRef idx="0">
-            <a:schemeClr val="accent1"/>
-          </a:effectRef>
-          <a:fontRef idx="minor">
-            <a:schemeClr val="lt1"/>
-          </a:fontRef>
-        </p:style>
-        <p:txBody>
-          <a:bodyPr lIns="45720" tIns="45720" rIns="45720" rtlCol="0" anchor="ctr"/>
-          <a:lstStyle/>
-          <a:p>
-            <a:pPr marL="0" marR="0" lvl="0" indent="0" algn="ctr" defTabSz="914400" rtl="0" eaLnBrk="1" fontAlgn="auto" latinLnBrk="0" hangingPunct="1">
-              <a:lnSpc>
-                <a:spcPct val="100000"/>
-              </a:lnSpc>
-              <a:spcBef>
-                <a:spcPts val="0"/>
-              </a:spcBef>
-              <a:spcAft>
-                <a:spcPts val="0"/>
-              </a:spcAft>
-              <a:buClrTx/>
-              <a:buSzTx/>
-              <a:buFontTx/>
-              <a:buNone/>
-              <a:tabLst/>
-              <a:defRPr/>
-            </a:pPr>
-            <a:r>
-              <a:rPr kumimoji="0" lang="en-US" sz="1200" b="1" i="0" u="none" strike="noStrike" kern="1200" cap="none" spc="0" normalizeH="0" baseline="0" noProof="0" dirty="0">
-                <a:ln>
-                  <a:noFill/>
-                </a:ln>
-                <a:solidFill>
-                  <a:srgbClr val="FFFFFF"/>
-                </a:solidFill>
-                <a:effectLst/>
-                <a:uLnTx/>
-                <a:uFillTx/>
-                <a:latin typeface="Amazon Ember Display" panose="020F0603020204020204" pitchFamily="34" charset="0"/>
-                <a:ea typeface="+mn-ea"/>
-                <a:cs typeface="+mn-cs"/>
-              </a:rPr>
-              <a:t>Chatbot</a:t>
-            </a:r>
-          </a:p>
-        </p:txBody>
-      </p:sp>
     </p:spTree>
     <p:extLst>
       <p:ext uri="{BB962C8B-B14F-4D97-AF65-F5344CB8AC3E}">
@@ -27137,7 +27146,7 @@
                             </p:stCondLst>
                             <p:childTnLst>
                               <p:par>
-                                <p:cTn id="5" presetID="10" presetClass="entr" presetSubtype="0" fill="hold" nodeType="clickEffect">
+                                <p:cTn id="5" presetID="9" presetClass="entr" presetSubtype="0" fill="hold" nodeType="clickEffect">
                                   <p:stCondLst>
                                     <p:cond delay="0"/>
                                   </p:stCondLst>
@@ -27150,7 +27159,7 @@
                                           </p:stCondLst>
                                         </p:cTn>
                                         <p:tgtEl>
-                                          <p:spTgt spid="26"/>
+                                          <p:spTgt spid="31"/>
                                         </p:tgtEl>
                                         <p:attrNameLst>
                                           <p:attrName>style.visibility</p:attrName>
@@ -27160,11 +27169,11 @@
                                         <p:strVal val="visible"/>
                                       </p:to>
                                     </p:set>
-                                    <p:animEffect transition="in" filter="fade">
+                                    <p:animEffect transition="in" filter="dissolve">
                                       <p:cBhvr>
                                         <p:cTn id="7" dur="500"/>
                                         <p:tgtEl>
-                                          <p:spTgt spid="26"/>
+                                          <p:spTgt spid="31"/>
                                         </p:tgtEl>
                                       </p:cBhvr>
                                     </p:animEffect>
